--- a/jama_presentation.pptx
+++ b/jama_presentation.pptx
@@ -5,38 +5,43 @@
     <p:sldMasterId id="2147483648" r:id="rId4"/>
   </p:sldMasterIdLst>
   <p:notesMasterIdLst>
-    <p:notesMasterId r:id="rId31"/>
+    <p:notesMasterId r:id="rId36"/>
   </p:notesMasterIdLst>
   <p:handoutMasterIdLst>
-    <p:handoutMasterId r:id="rId32"/>
+    <p:handoutMasterId r:id="rId37"/>
   </p:handoutMasterIdLst>
   <p:sldIdLst>
     <p:sldId id="289" r:id="rId5"/>
     <p:sldId id="311" r:id="rId6"/>
     <p:sldId id="310" r:id="rId7"/>
     <p:sldId id="297" r:id="rId8"/>
-    <p:sldId id="306" r:id="rId9"/>
-    <p:sldId id="303" r:id="rId10"/>
-    <p:sldId id="309" r:id="rId11"/>
-    <p:sldId id="307" r:id="rId12"/>
-    <p:sldId id="304" r:id="rId13"/>
-    <p:sldId id="296" r:id="rId14"/>
-    <p:sldId id="301" r:id="rId15"/>
-    <p:sldId id="308" r:id="rId16"/>
-    <p:sldId id="286" r:id="rId17"/>
-    <p:sldId id="280" r:id="rId18"/>
-    <p:sldId id="272" r:id="rId19"/>
-    <p:sldId id="281" r:id="rId20"/>
-    <p:sldId id="291" r:id="rId21"/>
-    <p:sldId id="273" r:id="rId22"/>
-    <p:sldId id="264" r:id="rId23"/>
-    <p:sldId id="293" r:id="rId24"/>
-    <p:sldId id="268" r:id="rId25"/>
-    <p:sldId id="294" r:id="rId26"/>
-    <p:sldId id="278" r:id="rId27"/>
-    <p:sldId id="287" r:id="rId28"/>
-    <p:sldId id="295" r:id="rId29"/>
-    <p:sldId id="288" r:id="rId30"/>
+    <p:sldId id="317" r:id="rId9"/>
+    <p:sldId id="315" r:id="rId10"/>
+    <p:sldId id="316" r:id="rId11"/>
+    <p:sldId id="313" r:id="rId12"/>
+    <p:sldId id="312" r:id="rId13"/>
+    <p:sldId id="306" r:id="rId14"/>
+    <p:sldId id="303" r:id="rId15"/>
+    <p:sldId id="309" r:id="rId16"/>
+    <p:sldId id="307" r:id="rId17"/>
+    <p:sldId id="304" r:id="rId18"/>
+    <p:sldId id="296" r:id="rId19"/>
+    <p:sldId id="301" r:id="rId20"/>
+    <p:sldId id="308" r:id="rId21"/>
+    <p:sldId id="286" r:id="rId22"/>
+    <p:sldId id="280" r:id="rId23"/>
+    <p:sldId id="272" r:id="rId24"/>
+    <p:sldId id="281" r:id="rId25"/>
+    <p:sldId id="291" r:id="rId26"/>
+    <p:sldId id="273" r:id="rId27"/>
+    <p:sldId id="264" r:id="rId28"/>
+    <p:sldId id="293" r:id="rId29"/>
+    <p:sldId id="268" r:id="rId30"/>
+    <p:sldId id="294" r:id="rId31"/>
+    <p:sldId id="278" r:id="rId32"/>
+    <p:sldId id="287" r:id="rId33"/>
+    <p:sldId id="295" r:id="rId34"/>
+    <p:sldId id="288" r:id="rId35"/>
   </p:sldIdLst>
   <p:sldSz cx="12192000" cy="6858000"/>
   <p:notesSz cx="6858000" cy="9144000"/>
@@ -9484,7 +9489,7 @@
           <a:p>
             <a:fld id="{DB120AE1-5DBC-4417-A73B-5F29B67C532C}" type="datetimeFigureOut">
               <a:rPr lang="en-US" smtClean="0"/>
-              <a:t>9/7/2021</a:t>
+              <a:t>9/8/2021</a:t>
             </a:fld>
             <a:endParaRPr lang="en-US" dirty="0"/>
           </a:p>
@@ -9661,7 +9666,7 @@
           <a:p>
             <a:fld id="{CB16A9CD-5E57-4C86-B862-09CA519924BA}" type="datetimeFigureOut">
               <a:rPr lang="en-US" smtClean="0"/>
-              <a:t>9/7/2021</a:t>
+              <a:t>9/8/2021</a:t>
             </a:fld>
             <a:endParaRPr lang="en-US" dirty="0"/>
           </a:p>
@@ -10077,7 +10082,7 @@
           <a:p>
             <a:fld id="{9CA004F4-F240-48F9-8AE1-486585C7F00D}" type="slidenum">
               <a:rPr lang="en-US" smtClean="0"/>
-              <a:t>21</a:t>
+              <a:t>25</a:t>
             </a:fld>
             <a:endParaRPr lang="en-US" dirty="0"/>
           </a:p>
@@ -10086,7 +10091,7 @@
     </p:spTree>
     <p:extLst>
       <p:ext uri="{BB962C8B-B14F-4D97-AF65-F5344CB8AC3E}">
-        <p14:creationId xmlns:p14="http://schemas.microsoft.com/office/powerpoint/2010/main" val="1327980077"/>
+        <p14:creationId xmlns:p14="http://schemas.microsoft.com/office/powerpoint/2010/main" val="257481062"/>
       </p:ext>
     </p:extLst>
   </p:cSld>
@@ -10161,7 +10166,7 @@
           <a:p>
             <a:fld id="{9CA004F4-F240-48F9-8AE1-486585C7F00D}" type="slidenum">
               <a:rPr lang="en-US" smtClean="0"/>
-              <a:t>22</a:t>
+              <a:t>26</a:t>
             </a:fld>
             <a:endParaRPr lang="en-US" dirty="0"/>
           </a:p>
@@ -10170,7 +10175,7 @@
     </p:spTree>
     <p:extLst>
       <p:ext uri="{BB962C8B-B14F-4D97-AF65-F5344CB8AC3E}">
-        <p14:creationId xmlns:p14="http://schemas.microsoft.com/office/powerpoint/2010/main" val="3696043741"/>
+        <p14:creationId xmlns:p14="http://schemas.microsoft.com/office/powerpoint/2010/main" val="1327980077"/>
       </p:ext>
     </p:extLst>
   </p:cSld>
@@ -10245,7 +10250,7 @@
           <a:p>
             <a:fld id="{9CA004F4-F240-48F9-8AE1-486585C7F00D}" type="slidenum">
               <a:rPr lang="en-US" smtClean="0"/>
-              <a:t>23</a:t>
+              <a:t>27</a:t>
             </a:fld>
             <a:endParaRPr lang="en-US" dirty="0"/>
           </a:p>
@@ -10254,7 +10259,7 @@
     </p:spTree>
     <p:extLst>
       <p:ext uri="{BB962C8B-B14F-4D97-AF65-F5344CB8AC3E}">
-        <p14:creationId xmlns:p14="http://schemas.microsoft.com/office/powerpoint/2010/main" val="2089699911"/>
+        <p14:creationId xmlns:p14="http://schemas.microsoft.com/office/powerpoint/2010/main" val="3696043741"/>
       </p:ext>
     </p:extLst>
   </p:cSld>
@@ -10329,7 +10334,7 @@
           <a:p>
             <a:fld id="{9CA004F4-F240-48F9-8AE1-486585C7F00D}" type="slidenum">
               <a:rPr lang="en-US" smtClean="0"/>
-              <a:t>24</a:t>
+              <a:t>28</a:t>
             </a:fld>
             <a:endParaRPr lang="en-US" dirty="0"/>
           </a:p>
@@ -10338,7 +10343,7 @@
     </p:spTree>
     <p:extLst>
       <p:ext uri="{BB962C8B-B14F-4D97-AF65-F5344CB8AC3E}">
-        <p14:creationId xmlns:p14="http://schemas.microsoft.com/office/powerpoint/2010/main" val="2221293294"/>
+        <p14:creationId xmlns:p14="http://schemas.microsoft.com/office/powerpoint/2010/main" val="2089699911"/>
       </p:ext>
     </p:extLst>
   </p:cSld>
@@ -10413,7 +10418,7 @@
           <a:p>
             <a:fld id="{9CA004F4-F240-48F9-8AE1-486585C7F00D}" type="slidenum">
               <a:rPr lang="en-US" smtClean="0"/>
-              <a:t>25</a:t>
+              <a:t>29</a:t>
             </a:fld>
             <a:endParaRPr lang="en-US" dirty="0"/>
           </a:p>
@@ -10422,7 +10427,7 @@
     </p:spTree>
     <p:extLst>
       <p:ext uri="{BB962C8B-B14F-4D97-AF65-F5344CB8AC3E}">
-        <p14:creationId xmlns:p14="http://schemas.microsoft.com/office/powerpoint/2010/main" val="2724224308"/>
+        <p14:creationId xmlns:p14="http://schemas.microsoft.com/office/powerpoint/2010/main" val="2221293294"/>
       </p:ext>
     </p:extLst>
   </p:cSld>
@@ -10497,7 +10502,91 @@
           <a:p>
             <a:fld id="{9CA004F4-F240-48F9-8AE1-486585C7F00D}" type="slidenum">
               <a:rPr lang="en-US" smtClean="0"/>
-              <a:t>26</a:t>
+              <a:t>30</a:t>
+            </a:fld>
+            <a:endParaRPr lang="en-US" dirty="0"/>
+          </a:p>
+        </p:txBody>
+      </p:sp>
+    </p:spTree>
+    <p:extLst>
+      <p:ext uri="{BB962C8B-B14F-4D97-AF65-F5344CB8AC3E}">
+        <p14:creationId xmlns:p14="http://schemas.microsoft.com/office/powerpoint/2010/main" val="2724224308"/>
+      </p:ext>
+    </p:extLst>
+  </p:cSld>
+  <p:clrMapOvr>
+    <a:masterClrMapping/>
+  </p:clrMapOvr>
+</p:notes>
+</file>
+
+<file path=ppt/notesSlides/notesSlide16.xml><?xml version="1.0" encoding="utf-8"?>
+<p:notes xmlns:a="http://schemas.openxmlformats.org/drawingml/2006/main" xmlns:r="http://schemas.openxmlformats.org/officeDocument/2006/relationships" xmlns:p="http://schemas.openxmlformats.org/presentationml/2006/main">
+  <p:cSld>
+    <p:spTree>
+      <p:nvGrpSpPr>
+        <p:cNvPr id="1" name=""/>
+        <p:cNvGrpSpPr/>
+        <p:nvPr/>
+      </p:nvGrpSpPr>
+      <p:grpSpPr>
+        <a:xfrm>
+          <a:off x="0" y="0"/>
+          <a:ext cx="0" cy="0"/>
+          <a:chOff x="0" y="0"/>
+          <a:chExt cx="0" cy="0"/>
+        </a:xfrm>
+      </p:grpSpPr>
+      <p:sp>
+        <p:nvSpPr>
+          <p:cNvPr id="2" name="Slide Image Placeholder 1"/>
+          <p:cNvSpPr>
+            <a:spLocks noGrp="1" noRot="1" noChangeAspect="1"/>
+          </p:cNvSpPr>
+          <p:nvPr>
+            <p:ph type="sldImg"/>
+          </p:nvPr>
+        </p:nvSpPr>
+        <p:spPr/>
+      </p:sp>
+      <p:sp>
+        <p:nvSpPr>
+          <p:cNvPr id="3" name="Notes Placeholder 2"/>
+          <p:cNvSpPr>
+            <a:spLocks noGrp="1"/>
+          </p:cNvSpPr>
+          <p:nvPr>
+            <p:ph type="body" idx="1"/>
+          </p:nvPr>
+        </p:nvSpPr>
+        <p:spPr/>
+        <p:txBody>
+          <a:bodyPr/>
+          <a:lstStyle/>
+          <a:p>
+            <a:endParaRPr lang="en-US" dirty="0"/>
+          </a:p>
+        </p:txBody>
+      </p:sp>
+      <p:sp>
+        <p:nvSpPr>
+          <p:cNvPr id="4" name="Slide Number Placeholder 3"/>
+          <p:cNvSpPr>
+            <a:spLocks noGrp="1"/>
+          </p:cNvSpPr>
+          <p:nvPr>
+            <p:ph type="sldNum" sz="quarter" idx="5"/>
+          </p:nvPr>
+        </p:nvSpPr>
+        <p:spPr/>
+        <p:txBody>
+          <a:bodyPr/>
+          <a:lstStyle/>
+          <a:p>
+            <a:fld id="{9CA004F4-F240-48F9-8AE1-486585C7F00D}" type="slidenum">
+              <a:rPr lang="en-US" smtClean="0"/>
+              <a:t>31</a:t>
             </a:fld>
             <a:endParaRPr lang="en-US" dirty="0"/>
           </a:p>
@@ -10560,7 +10649,20 @@
           <a:bodyPr/>
           <a:lstStyle/>
           <a:p>
-            <a:endParaRPr lang="en-US" dirty="0"/>
+            <a:r>
+              <a:rPr lang="en-US" dirty="0" err="1"/>
+              <a:t>Youtube</a:t>
+            </a:r>
+            <a:r>
+              <a:rPr lang="en-US" dirty="0"/>
+              <a:t> dataset:</a:t>
+            </a:r>
+          </a:p>
+          <a:p>
+            <a:r>
+              <a:rPr lang="en-US" dirty="0"/>
+              <a:t>- 10 land</a:t>
+            </a:r>
           </a:p>
         </p:txBody>
       </p:sp>
@@ -10581,7 +10683,7 @@
           <a:p>
             <a:fld id="{9CA004F4-F240-48F9-8AE1-486585C7F00D}" type="slidenum">
               <a:rPr lang="en-US" smtClean="0"/>
-              <a:t>13</a:t>
+              <a:t>5</a:t>
             </a:fld>
             <a:endParaRPr lang="en-US" dirty="0"/>
           </a:p>
@@ -10590,7 +10692,7 @@
     </p:spTree>
     <p:extLst>
       <p:ext uri="{BB962C8B-B14F-4D97-AF65-F5344CB8AC3E}">
-        <p14:creationId xmlns:p14="http://schemas.microsoft.com/office/powerpoint/2010/main" val="5284971"/>
+        <p14:creationId xmlns:p14="http://schemas.microsoft.com/office/powerpoint/2010/main" val="3383243237"/>
       </p:ext>
     </p:extLst>
   </p:cSld>
@@ -10665,7 +10767,7 @@
           <a:p>
             <a:fld id="{9CA004F4-F240-48F9-8AE1-486585C7F00D}" type="slidenum">
               <a:rPr lang="en-US" smtClean="0"/>
-              <a:t>14</a:t>
+              <a:t>18</a:t>
             </a:fld>
             <a:endParaRPr lang="en-US" dirty="0"/>
           </a:p>
@@ -10674,7 +10776,7 @@
     </p:spTree>
     <p:extLst>
       <p:ext uri="{BB962C8B-B14F-4D97-AF65-F5344CB8AC3E}">
-        <p14:creationId xmlns:p14="http://schemas.microsoft.com/office/powerpoint/2010/main" val="3762868720"/>
+        <p14:creationId xmlns:p14="http://schemas.microsoft.com/office/powerpoint/2010/main" val="5284971"/>
       </p:ext>
     </p:extLst>
   </p:cSld>
@@ -10749,7 +10851,7 @@
           <a:p>
             <a:fld id="{9CA004F4-F240-48F9-8AE1-486585C7F00D}" type="slidenum">
               <a:rPr lang="en-US" smtClean="0"/>
-              <a:t>15</a:t>
+              <a:t>19</a:t>
             </a:fld>
             <a:endParaRPr lang="en-US" dirty="0"/>
           </a:p>
@@ -10758,7 +10860,7 @@
     </p:spTree>
     <p:extLst>
       <p:ext uri="{BB962C8B-B14F-4D97-AF65-F5344CB8AC3E}">
-        <p14:creationId xmlns:p14="http://schemas.microsoft.com/office/powerpoint/2010/main" val="2868485614"/>
+        <p14:creationId xmlns:p14="http://schemas.microsoft.com/office/powerpoint/2010/main" val="3762868720"/>
       </p:ext>
     </p:extLst>
   </p:cSld>
@@ -10833,7 +10935,7 @@
           <a:p>
             <a:fld id="{9CA004F4-F240-48F9-8AE1-486585C7F00D}" type="slidenum">
               <a:rPr lang="en-US" smtClean="0"/>
-              <a:t>16</a:t>
+              <a:t>20</a:t>
             </a:fld>
             <a:endParaRPr lang="en-US" dirty="0"/>
           </a:p>
@@ -10842,7 +10944,7 @@
     </p:spTree>
     <p:extLst>
       <p:ext uri="{BB962C8B-B14F-4D97-AF65-F5344CB8AC3E}">
-        <p14:creationId xmlns:p14="http://schemas.microsoft.com/office/powerpoint/2010/main" val="2261939612"/>
+        <p14:creationId xmlns:p14="http://schemas.microsoft.com/office/powerpoint/2010/main" val="2868485614"/>
       </p:ext>
     </p:extLst>
   </p:cSld>
@@ -10917,7 +11019,7 @@
           <a:p>
             <a:fld id="{9CA004F4-F240-48F9-8AE1-486585C7F00D}" type="slidenum">
               <a:rPr lang="en-US" smtClean="0"/>
-              <a:t>17</a:t>
+              <a:t>21</a:t>
             </a:fld>
             <a:endParaRPr lang="en-US" dirty="0"/>
           </a:p>
@@ -10926,7 +11028,7 @@
     </p:spTree>
     <p:extLst>
       <p:ext uri="{BB962C8B-B14F-4D97-AF65-F5344CB8AC3E}">
-        <p14:creationId xmlns:p14="http://schemas.microsoft.com/office/powerpoint/2010/main" val="1889561311"/>
+        <p14:creationId xmlns:p14="http://schemas.microsoft.com/office/powerpoint/2010/main" val="2261939612"/>
       </p:ext>
     </p:extLst>
   </p:cSld>
@@ -11001,7 +11103,7 @@
           <a:p>
             <a:fld id="{9CA004F4-F240-48F9-8AE1-486585C7F00D}" type="slidenum">
               <a:rPr lang="en-US" smtClean="0"/>
-              <a:t>18</a:t>
+              <a:t>22</a:t>
             </a:fld>
             <a:endParaRPr lang="en-US" dirty="0"/>
           </a:p>
@@ -11010,7 +11112,7 @@
     </p:spTree>
     <p:extLst>
       <p:ext uri="{BB962C8B-B14F-4D97-AF65-F5344CB8AC3E}">
-        <p14:creationId xmlns:p14="http://schemas.microsoft.com/office/powerpoint/2010/main" val="2744192981"/>
+        <p14:creationId xmlns:p14="http://schemas.microsoft.com/office/powerpoint/2010/main" val="1889561311"/>
       </p:ext>
     </p:extLst>
   </p:cSld>
@@ -11085,7 +11187,7 @@
           <a:p>
             <a:fld id="{9CA004F4-F240-48F9-8AE1-486585C7F00D}" type="slidenum">
               <a:rPr lang="en-US" smtClean="0"/>
-              <a:t>19</a:t>
+              <a:t>23</a:t>
             </a:fld>
             <a:endParaRPr lang="en-US" dirty="0"/>
           </a:p>
@@ -11094,7 +11196,7 @@
     </p:spTree>
     <p:extLst>
       <p:ext uri="{BB962C8B-B14F-4D97-AF65-F5344CB8AC3E}">
-        <p14:creationId xmlns:p14="http://schemas.microsoft.com/office/powerpoint/2010/main" val="452645605"/>
+        <p14:creationId xmlns:p14="http://schemas.microsoft.com/office/powerpoint/2010/main" val="2744192981"/>
       </p:ext>
     </p:extLst>
   </p:cSld>
@@ -11169,7 +11271,7 @@
           <a:p>
             <a:fld id="{9CA004F4-F240-48F9-8AE1-486585C7F00D}" type="slidenum">
               <a:rPr lang="en-US" smtClean="0"/>
-              <a:t>20</a:t>
+              <a:t>24</a:t>
             </a:fld>
             <a:endParaRPr lang="en-US" dirty="0"/>
           </a:p>
@@ -11178,7 +11280,7 @@
     </p:spTree>
     <p:extLst>
       <p:ext uri="{BB962C8B-B14F-4D97-AF65-F5344CB8AC3E}">
-        <p14:creationId xmlns:p14="http://schemas.microsoft.com/office/powerpoint/2010/main" val="257481062"/>
+        <p14:creationId xmlns:p14="http://schemas.microsoft.com/office/powerpoint/2010/main" val="452645605"/>
       </p:ext>
     </p:extLst>
   </p:cSld>
@@ -11364,7 +11466,7 @@
           <a:p>
             <a:fld id="{8DA08ED5-AEFE-4443-9040-726EF6690995}" type="datetime1">
               <a:rPr lang="en-US" smtClean="0"/>
-              <a:t>9/7/2021</a:t>
+              <a:t>9/8/2021</a:t>
             </a:fld>
             <a:endParaRPr lang="en-US" dirty="0"/>
           </a:p>
@@ -11652,7 +11754,7 @@
           <a:p>
             <a:fld id="{397CD216-73DE-4B96-8E1B-BB64D86142BB}" type="datetime1">
               <a:rPr lang="en-US" smtClean="0"/>
-              <a:t>9/7/2021</a:t>
+              <a:t>9/8/2021</a:t>
             </a:fld>
             <a:endParaRPr lang="en-US" dirty="0"/>
           </a:p>
@@ -12083,7 +12185,7 @@
           <a:p>
             <a:fld id="{8C6D634D-0427-413D-A0D0-098959D06FEF}" type="datetime1">
               <a:rPr lang="en-US" smtClean="0"/>
-              <a:t>9/7/2021</a:t>
+              <a:t>9/8/2021</a:t>
             </a:fld>
             <a:endParaRPr lang="en-US" dirty="0"/>
           </a:p>
@@ -12881,7 +12983,7 @@
           <a:p>
             <a:fld id="{C6A5CD8C-7FEF-4E71-8EB9-D3BA6E2E3E9E}" type="datetime1">
               <a:rPr lang="en-US" smtClean="0"/>
-              <a:t>9/7/2021</a:t>
+              <a:t>9/8/2021</a:t>
             </a:fld>
             <a:endParaRPr lang="en-US" dirty="0"/>
           </a:p>
@@ -13051,7 +13153,7 @@
           <a:p>
             <a:fld id="{397CD216-73DE-4B96-8E1B-BB64D86142BB}" type="datetime1">
               <a:rPr lang="en-US" smtClean="0"/>
-              <a:t>9/7/2021</a:t>
+              <a:t>9/8/2021</a:t>
             </a:fld>
             <a:endParaRPr lang="en-US" dirty="0"/>
           </a:p>
@@ -13661,7 +13763,7 @@
           <a:p>
             <a:fld id="{8C6D634D-0427-413D-A0D0-098959D06FEF}" type="datetime1">
               <a:rPr lang="en-US" smtClean="0"/>
-              <a:t>9/7/2021</a:t>
+              <a:t>9/8/2021</a:t>
             </a:fld>
             <a:endParaRPr lang="en-US" dirty="0"/>
           </a:p>
@@ -14267,7 +14369,7 @@
           <a:p>
             <a:fld id="{0312561F-7E45-400C-8758-912CDFE9410A}" type="datetime1">
               <a:rPr lang="en-US" smtClean="0"/>
-              <a:t>9/7/2021</a:t>
+              <a:t>9/8/2021</a:t>
             </a:fld>
             <a:endParaRPr lang="en-US" dirty="0"/>
           </a:p>
@@ -14542,7 +14644,7 @@
           <a:p>
             <a:fld id="{85E24BC7-4CDB-41D7-81AF-9CE8473FF4B8}" type="datetime1">
               <a:rPr lang="en-US" smtClean="0"/>
-              <a:t>9/7/2021</a:t>
+              <a:t>9/8/2021</a:t>
             </a:fld>
             <a:endParaRPr lang="en-US" dirty="0"/>
           </a:p>
@@ -14836,7 +14938,7 @@
           <a:p>
             <a:fld id="{397CD216-73DE-4B96-8E1B-BB64D86142BB}" type="datetime1">
               <a:rPr lang="en-US" smtClean="0"/>
-              <a:t>9/7/2021</a:t>
+              <a:t>9/8/2021</a:t>
             </a:fld>
             <a:endParaRPr lang="en-US" dirty="0"/>
           </a:p>
@@ -15219,7 +15321,7 @@
           <a:p>
             <a:fld id="{C6A5CD8C-7FEF-4E71-8EB9-D3BA6E2E3E9E}" type="datetime1">
               <a:rPr lang="en-US" smtClean="0"/>
-              <a:t>9/7/2021</a:t>
+              <a:t>9/8/2021</a:t>
             </a:fld>
             <a:endParaRPr lang="en-US" dirty="0"/>
           </a:p>
@@ -15360,7 +15462,7 @@
           <a:p>
             <a:fld id="{4BE4379E-9B58-41EA-B928-5B1C8436A60E}" type="datetime1">
               <a:rPr lang="en-US" smtClean="0"/>
-              <a:t>9/7/2021</a:t>
+              <a:t>9/8/2021</a:t>
             </a:fld>
             <a:endParaRPr lang="en-US" dirty="0"/>
           </a:p>
@@ -15473,7 +15575,7 @@
           <a:p>
             <a:fld id="{40B0A371-51FE-4D99-BD87-6A650FCE519D}" type="datetime1">
               <a:rPr lang="en-US" smtClean="0"/>
-              <a:t>9/7/2021</a:t>
+              <a:t>9/8/2021</a:t>
             </a:fld>
             <a:endParaRPr lang="en-US" dirty="0"/>
           </a:p>
@@ -15784,7 +15886,7 @@
           <a:p>
             <a:fld id="{5FCF8CFF-A1C0-4B6C-AA8D-BE72CB14468D}" type="datetime1">
               <a:rPr lang="en-US" smtClean="0"/>
-              <a:t>9/7/2021</a:t>
+              <a:t>9/8/2021</a:t>
             </a:fld>
             <a:endParaRPr lang="en-US" dirty="0"/>
           </a:p>
@@ -16076,7 +16178,7 @@
           <a:p>
             <a:fld id="{8C6D634D-0427-413D-A0D0-098959D06FEF}" type="datetime1">
               <a:rPr lang="en-US" smtClean="0"/>
-              <a:t>9/7/2021</a:t>
+              <a:t>9/8/2021</a:t>
             </a:fld>
             <a:endParaRPr lang="en-US" dirty="0"/>
           </a:p>
@@ -16317,7 +16419,7 @@
           <a:p>
             <a:fld id="{3B2591E0-5367-4F2F-9C30-2087D79A846D}" type="datetime1">
               <a:rPr lang="en-US" noProof="0" smtClean="0"/>
-              <a:t>9/7/2021</a:t>
+              <a:t>9/8/2021</a:t>
             </a:fld>
             <a:endParaRPr lang="en-US" noProof="0" dirty="0"/>
           </a:p>
@@ -17126,6 +17228,853 @@
           <p:cNvPr id="2" name="Title 1">
             <a:extLst>
               <a:ext uri="{FF2B5EF4-FFF2-40B4-BE49-F238E27FC236}">
+                <a16:creationId xmlns:a16="http://schemas.microsoft.com/office/drawing/2014/main" id="{DC134033-2722-4BE4-A54E-3E0E65C325BE}"/>
+              </a:ext>
+            </a:extLst>
+          </p:cNvPr>
+          <p:cNvSpPr>
+            <a:spLocks noGrp="1"/>
+          </p:cNvSpPr>
+          <p:nvPr>
+            <p:ph type="title"/>
+          </p:nvPr>
+        </p:nvSpPr>
+        <p:spPr/>
+        <p:txBody>
+          <a:bodyPr/>
+          <a:lstStyle/>
+          <a:p>
+            <a:r>
+              <a:rPr lang="nb-NO" dirty="0"/>
+              <a:t>Kilder og verktøy</a:t>
+            </a:r>
+          </a:p>
+        </p:txBody>
+      </p:sp>
+      <p:sp>
+        <p:nvSpPr>
+          <p:cNvPr id="3" name="Content Placeholder 2">
+            <a:extLst>
+              <a:ext uri="{FF2B5EF4-FFF2-40B4-BE49-F238E27FC236}">
+                <a16:creationId xmlns:a16="http://schemas.microsoft.com/office/drawing/2014/main" id="{EAC89F89-D51C-45F7-B9B4-0D279E7FE25D}"/>
+              </a:ext>
+            </a:extLst>
+          </p:cNvPr>
+          <p:cNvSpPr>
+            <a:spLocks noGrp="1"/>
+          </p:cNvSpPr>
+          <p:nvPr>
+            <p:ph idx="1"/>
+          </p:nvPr>
+        </p:nvSpPr>
+        <p:spPr/>
+        <p:txBody>
+          <a:bodyPr/>
+          <a:lstStyle/>
+          <a:p>
+            <a:r>
+              <a:rPr lang="nb-NO" dirty="0"/>
+              <a:t>Power BI</a:t>
+            </a:r>
+          </a:p>
+          <a:p>
+            <a:r>
+              <a:rPr lang="nb-NO" dirty="0"/>
+              <a:t>Python: pandas, </a:t>
+            </a:r>
+            <a:r>
+              <a:rPr lang="nb-NO" dirty="0" err="1"/>
+              <a:t>numpy</a:t>
+            </a:r>
+            <a:r>
+              <a:rPr lang="nb-NO" dirty="0"/>
+              <a:t>, </a:t>
+            </a:r>
+            <a:r>
+              <a:rPr lang="nb-NO" dirty="0" err="1"/>
+              <a:t>spyder</a:t>
+            </a:r>
+            <a:r>
+              <a:rPr lang="nb-NO" dirty="0"/>
+              <a:t>, </a:t>
+            </a:r>
+            <a:r>
+              <a:rPr lang="nb-NO" dirty="0" err="1"/>
+              <a:t>vscode</a:t>
+            </a:r>
+            <a:endParaRPr lang="nb-NO" dirty="0"/>
+          </a:p>
+          <a:p>
+            <a:r>
+              <a:rPr lang="nb-NO" dirty="0" err="1"/>
+              <a:t>Youtube</a:t>
+            </a:r>
+            <a:r>
+              <a:rPr lang="nb-NO" dirty="0"/>
+              <a:t> API</a:t>
+            </a:r>
+          </a:p>
+          <a:p>
+            <a:r>
+              <a:rPr lang="nb-NO" dirty="0" err="1"/>
+              <a:t>Trello</a:t>
+            </a:r>
+            <a:endParaRPr lang="nb-NO" dirty="0"/>
+          </a:p>
+          <a:p>
+            <a:r>
+              <a:rPr lang="nb-NO" dirty="0" err="1"/>
+              <a:t>Git</a:t>
+            </a:r>
+            <a:endParaRPr lang="nb-NO" dirty="0"/>
+          </a:p>
+          <a:p>
+            <a:pPr marL="0" indent="0">
+              <a:buNone/>
+            </a:pPr>
+            <a:endParaRPr lang="nb-NO" dirty="0"/>
+          </a:p>
+          <a:p>
+            <a:r>
+              <a:rPr lang="nb-NO" dirty="0"/>
+              <a:t>Etc. </a:t>
+            </a:r>
+          </a:p>
+        </p:txBody>
+      </p:sp>
+      <p:sp>
+        <p:nvSpPr>
+          <p:cNvPr id="4" name="Slide Number Placeholder 3">
+            <a:extLst>
+              <a:ext uri="{FF2B5EF4-FFF2-40B4-BE49-F238E27FC236}">
+                <a16:creationId xmlns:a16="http://schemas.microsoft.com/office/drawing/2014/main" id="{3341A4F5-28D2-426F-BF11-DE72EA419ED1}"/>
+              </a:ext>
+            </a:extLst>
+          </p:cNvPr>
+          <p:cNvSpPr>
+            <a:spLocks noGrp="1"/>
+          </p:cNvSpPr>
+          <p:nvPr>
+            <p:ph type="sldNum" sz="quarter" idx="12"/>
+          </p:nvPr>
+        </p:nvSpPr>
+        <p:spPr/>
+        <p:txBody>
+          <a:bodyPr/>
+          <a:lstStyle/>
+          <a:p>
+            <a:fld id="{82EE24B5-652C-4DB5-B7C3-B5BBEC1280B1}" type="slidenum">
+              <a:rPr lang="en-US" smtClean="0"/>
+              <a:t>10</a:t>
+            </a:fld>
+            <a:endParaRPr lang="en-US" dirty="0"/>
+          </a:p>
+        </p:txBody>
+      </p:sp>
+    </p:spTree>
+    <p:extLst>
+      <p:ext uri="{BB962C8B-B14F-4D97-AF65-F5344CB8AC3E}">
+        <p14:creationId xmlns:p14="http://schemas.microsoft.com/office/powerpoint/2010/main" val="3555906604"/>
+      </p:ext>
+    </p:extLst>
+  </p:cSld>
+  <p:clrMapOvr>
+    <a:masterClrMapping/>
+  </p:clrMapOvr>
+</p:sld>
+</file>
+
+<file path=ppt/slides/slide11.xml><?xml version="1.0" encoding="utf-8"?>
+<p:sld xmlns:a="http://schemas.openxmlformats.org/drawingml/2006/main" xmlns:r="http://schemas.openxmlformats.org/officeDocument/2006/relationships" xmlns:p="http://schemas.openxmlformats.org/presentationml/2006/main">
+  <p:cSld>
+    <p:spTree>
+      <p:nvGrpSpPr>
+        <p:cNvPr id="1" name=""/>
+        <p:cNvGrpSpPr/>
+        <p:nvPr/>
+      </p:nvGrpSpPr>
+      <p:grpSpPr>
+        <a:xfrm>
+          <a:off x="0" y="0"/>
+          <a:ext cx="0" cy="0"/>
+          <a:chOff x="0" y="0"/>
+          <a:chExt cx="0" cy="0"/>
+        </a:xfrm>
+      </p:grpSpPr>
+      <p:sp>
+        <p:nvSpPr>
+          <p:cNvPr id="2" name="Title 1">
+            <a:extLst>
+              <a:ext uri="{FF2B5EF4-FFF2-40B4-BE49-F238E27FC236}">
+                <a16:creationId xmlns:a16="http://schemas.microsoft.com/office/drawing/2014/main" id="{DD30ED60-8644-427F-9DD9-8FCA80B0A141}"/>
+              </a:ext>
+            </a:extLst>
+          </p:cNvPr>
+          <p:cNvSpPr>
+            <a:spLocks noGrp="1"/>
+          </p:cNvSpPr>
+          <p:nvPr>
+            <p:ph type="title"/>
+          </p:nvPr>
+        </p:nvSpPr>
+        <p:spPr/>
+        <p:txBody>
+          <a:bodyPr/>
+          <a:lstStyle/>
+          <a:p>
+            <a:r>
+              <a:rPr lang="nb-NO" dirty="0"/>
+              <a:t>Produkt</a:t>
+            </a:r>
+          </a:p>
+        </p:txBody>
+      </p:sp>
+      <p:sp>
+        <p:nvSpPr>
+          <p:cNvPr id="3" name="Text Placeholder 2">
+            <a:extLst>
+              <a:ext uri="{FF2B5EF4-FFF2-40B4-BE49-F238E27FC236}">
+                <a16:creationId xmlns:a16="http://schemas.microsoft.com/office/drawing/2014/main" id="{61F44741-DFDB-4652-8D83-9CDF264001B4}"/>
+              </a:ext>
+            </a:extLst>
+          </p:cNvPr>
+          <p:cNvSpPr>
+            <a:spLocks noGrp="1"/>
+          </p:cNvSpPr>
+          <p:nvPr>
+            <p:ph type="body" idx="1"/>
+          </p:nvPr>
+        </p:nvSpPr>
+        <p:spPr/>
+        <p:txBody>
+          <a:bodyPr/>
+          <a:lstStyle/>
+          <a:p>
+            <a:r>
+              <a:rPr lang="nb-NO" dirty="0"/>
+              <a:t>MVP</a:t>
+            </a:r>
+          </a:p>
+        </p:txBody>
+      </p:sp>
+      <p:sp>
+        <p:nvSpPr>
+          <p:cNvPr id="4" name="Content Placeholder 3">
+            <a:extLst>
+              <a:ext uri="{FF2B5EF4-FFF2-40B4-BE49-F238E27FC236}">
+                <a16:creationId xmlns:a16="http://schemas.microsoft.com/office/drawing/2014/main" id="{A423E9ED-6257-4953-92F3-2A8E95AA08E9}"/>
+              </a:ext>
+            </a:extLst>
+          </p:cNvPr>
+          <p:cNvSpPr>
+            <a:spLocks noGrp="1"/>
+          </p:cNvSpPr>
+          <p:nvPr>
+            <p:ph sz="half" idx="2"/>
+          </p:nvPr>
+        </p:nvSpPr>
+        <p:spPr/>
+        <p:txBody>
+          <a:bodyPr/>
+          <a:lstStyle/>
+          <a:p>
+            <a:endParaRPr lang="nb-NO"/>
+          </a:p>
+        </p:txBody>
+      </p:sp>
+      <p:sp>
+        <p:nvSpPr>
+          <p:cNvPr id="5" name="Text Placeholder 4">
+            <a:extLst>
+              <a:ext uri="{FF2B5EF4-FFF2-40B4-BE49-F238E27FC236}">
+                <a16:creationId xmlns:a16="http://schemas.microsoft.com/office/drawing/2014/main" id="{EC82FC30-08D5-473B-A28A-43045139E101}"/>
+              </a:ext>
+            </a:extLst>
+          </p:cNvPr>
+          <p:cNvSpPr>
+            <a:spLocks noGrp="1"/>
+          </p:cNvSpPr>
+          <p:nvPr>
+            <p:ph type="body" sz="quarter" idx="3"/>
+          </p:nvPr>
+        </p:nvSpPr>
+        <p:spPr/>
+        <p:txBody>
+          <a:bodyPr/>
+          <a:lstStyle/>
+          <a:p>
+            <a:r>
+              <a:rPr lang="nb-NO" dirty="0"/>
+              <a:t>Beyond MVP</a:t>
+            </a:r>
+          </a:p>
+        </p:txBody>
+      </p:sp>
+      <p:sp>
+        <p:nvSpPr>
+          <p:cNvPr id="6" name="Content Placeholder 5">
+            <a:extLst>
+              <a:ext uri="{FF2B5EF4-FFF2-40B4-BE49-F238E27FC236}">
+                <a16:creationId xmlns:a16="http://schemas.microsoft.com/office/drawing/2014/main" id="{F44D5524-63DE-4649-810B-69C72E9F56EA}"/>
+              </a:ext>
+            </a:extLst>
+          </p:cNvPr>
+          <p:cNvSpPr>
+            <a:spLocks noGrp="1"/>
+          </p:cNvSpPr>
+          <p:nvPr>
+            <p:ph sz="quarter" idx="4"/>
+          </p:nvPr>
+        </p:nvSpPr>
+        <p:spPr/>
+        <p:txBody>
+          <a:bodyPr/>
+          <a:lstStyle/>
+          <a:p>
+            <a:endParaRPr lang="nb-NO"/>
+          </a:p>
+        </p:txBody>
+      </p:sp>
+      <p:sp>
+        <p:nvSpPr>
+          <p:cNvPr id="7" name="Slide Number Placeholder 6">
+            <a:extLst>
+              <a:ext uri="{FF2B5EF4-FFF2-40B4-BE49-F238E27FC236}">
+                <a16:creationId xmlns:a16="http://schemas.microsoft.com/office/drawing/2014/main" id="{40C916EB-E16B-473E-846F-802B0F783410}"/>
+              </a:ext>
+            </a:extLst>
+          </p:cNvPr>
+          <p:cNvSpPr>
+            <a:spLocks noGrp="1"/>
+          </p:cNvSpPr>
+          <p:nvPr>
+            <p:ph type="sldNum" sz="quarter" idx="12"/>
+          </p:nvPr>
+        </p:nvSpPr>
+        <p:spPr/>
+        <p:txBody>
+          <a:bodyPr/>
+          <a:lstStyle/>
+          <a:p>
+            <a:fld id="{82EE24B5-652C-4DB5-B7C3-B5BBEC1280B1}" type="slidenum">
+              <a:rPr lang="en-US" smtClean="0"/>
+              <a:t>11</a:t>
+            </a:fld>
+            <a:endParaRPr lang="en-US" dirty="0"/>
+          </a:p>
+        </p:txBody>
+      </p:sp>
+    </p:spTree>
+    <p:extLst>
+      <p:ext uri="{BB962C8B-B14F-4D97-AF65-F5344CB8AC3E}">
+        <p14:creationId xmlns:p14="http://schemas.microsoft.com/office/powerpoint/2010/main" val="238875164"/>
+      </p:ext>
+    </p:extLst>
+  </p:cSld>
+  <p:clrMapOvr>
+    <a:masterClrMapping/>
+  </p:clrMapOvr>
+</p:sld>
+</file>
+
+<file path=ppt/slides/slide12.xml><?xml version="1.0" encoding="utf-8"?>
+<p:sld xmlns:a="http://schemas.openxmlformats.org/drawingml/2006/main" xmlns:r="http://schemas.openxmlformats.org/officeDocument/2006/relationships" xmlns:p="http://schemas.openxmlformats.org/presentationml/2006/main">
+  <p:cSld>
+    <p:spTree>
+      <p:nvGrpSpPr>
+        <p:cNvPr id="1" name=""/>
+        <p:cNvGrpSpPr/>
+        <p:nvPr/>
+      </p:nvGrpSpPr>
+      <p:grpSpPr>
+        <a:xfrm>
+          <a:off x="0" y="0"/>
+          <a:ext cx="0" cy="0"/>
+          <a:chOff x="0" y="0"/>
+          <a:chExt cx="0" cy="0"/>
+        </a:xfrm>
+      </p:grpSpPr>
+      <p:sp>
+        <p:nvSpPr>
+          <p:cNvPr id="2" name="Title 1">
+            <a:extLst>
+              <a:ext uri="{FF2B5EF4-FFF2-40B4-BE49-F238E27FC236}">
+                <a16:creationId xmlns:a16="http://schemas.microsoft.com/office/drawing/2014/main" id="{CC1C5022-45C2-454A-A9ED-623EC5F028D4}"/>
+              </a:ext>
+            </a:extLst>
+          </p:cNvPr>
+          <p:cNvSpPr>
+            <a:spLocks noGrp="1"/>
+          </p:cNvSpPr>
+          <p:nvPr>
+            <p:ph type="title"/>
+          </p:nvPr>
+        </p:nvSpPr>
+        <p:spPr/>
+        <p:txBody>
+          <a:bodyPr/>
+          <a:lstStyle/>
+          <a:p>
+            <a:r>
+              <a:rPr lang="nb-NO" dirty="0"/>
+              <a:t>Hvordan gikk data-</a:t>
+            </a:r>
+            <a:r>
+              <a:rPr lang="nb-NO" dirty="0" err="1"/>
+              <a:t>engineeringen</a:t>
+            </a:r>
+            <a:r>
+              <a:rPr lang="nb-NO" dirty="0"/>
+              <a:t>?</a:t>
+            </a:r>
+          </a:p>
+        </p:txBody>
+      </p:sp>
+      <p:sp>
+        <p:nvSpPr>
+          <p:cNvPr id="3" name="Text Placeholder 2">
+            <a:extLst>
+              <a:ext uri="{FF2B5EF4-FFF2-40B4-BE49-F238E27FC236}">
+                <a16:creationId xmlns:a16="http://schemas.microsoft.com/office/drawing/2014/main" id="{3ED9BF12-D7B1-46C3-B60C-BA757D8519C1}"/>
+              </a:ext>
+            </a:extLst>
+          </p:cNvPr>
+          <p:cNvSpPr>
+            <a:spLocks noGrp="1"/>
+          </p:cNvSpPr>
+          <p:nvPr>
+            <p:ph type="body" idx="1"/>
+          </p:nvPr>
+        </p:nvSpPr>
+        <p:spPr/>
+        <p:txBody>
+          <a:bodyPr/>
+          <a:lstStyle/>
+          <a:p>
+            <a:endParaRPr lang="nb-NO"/>
+          </a:p>
+        </p:txBody>
+      </p:sp>
+      <p:sp>
+        <p:nvSpPr>
+          <p:cNvPr id="4" name="Content Placeholder 3">
+            <a:extLst>
+              <a:ext uri="{FF2B5EF4-FFF2-40B4-BE49-F238E27FC236}">
+                <a16:creationId xmlns:a16="http://schemas.microsoft.com/office/drawing/2014/main" id="{B411B9DC-EF68-4591-9F9B-F291C1EAA825}"/>
+              </a:ext>
+            </a:extLst>
+          </p:cNvPr>
+          <p:cNvSpPr>
+            <a:spLocks noGrp="1"/>
+          </p:cNvSpPr>
+          <p:nvPr>
+            <p:ph sz="half" idx="2"/>
+          </p:nvPr>
+        </p:nvSpPr>
+        <p:spPr/>
+        <p:txBody>
+          <a:bodyPr/>
+          <a:lstStyle/>
+          <a:p>
+            <a:endParaRPr lang="nb-NO"/>
+          </a:p>
+        </p:txBody>
+      </p:sp>
+      <p:sp>
+        <p:nvSpPr>
+          <p:cNvPr id="5" name="Text Placeholder 4">
+            <a:extLst>
+              <a:ext uri="{FF2B5EF4-FFF2-40B4-BE49-F238E27FC236}">
+                <a16:creationId xmlns:a16="http://schemas.microsoft.com/office/drawing/2014/main" id="{8D502DD1-FE5D-4C72-8F18-8503ED59FF0C}"/>
+              </a:ext>
+            </a:extLst>
+          </p:cNvPr>
+          <p:cNvSpPr>
+            <a:spLocks noGrp="1"/>
+          </p:cNvSpPr>
+          <p:nvPr>
+            <p:ph type="body" sz="quarter" idx="3"/>
+          </p:nvPr>
+        </p:nvSpPr>
+        <p:spPr/>
+        <p:txBody>
+          <a:bodyPr/>
+          <a:lstStyle/>
+          <a:p>
+            <a:endParaRPr lang="nb-NO"/>
+          </a:p>
+        </p:txBody>
+      </p:sp>
+      <p:sp>
+        <p:nvSpPr>
+          <p:cNvPr id="6" name="Content Placeholder 5">
+            <a:extLst>
+              <a:ext uri="{FF2B5EF4-FFF2-40B4-BE49-F238E27FC236}">
+                <a16:creationId xmlns:a16="http://schemas.microsoft.com/office/drawing/2014/main" id="{75499025-5A7B-4B89-A167-CEACE2097C75}"/>
+              </a:ext>
+            </a:extLst>
+          </p:cNvPr>
+          <p:cNvSpPr>
+            <a:spLocks noGrp="1"/>
+          </p:cNvSpPr>
+          <p:nvPr>
+            <p:ph sz="quarter" idx="4"/>
+          </p:nvPr>
+        </p:nvSpPr>
+        <p:spPr/>
+        <p:txBody>
+          <a:bodyPr/>
+          <a:lstStyle/>
+          <a:p>
+            <a:endParaRPr lang="nb-NO"/>
+          </a:p>
+        </p:txBody>
+      </p:sp>
+      <p:sp>
+        <p:nvSpPr>
+          <p:cNvPr id="7" name="Slide Number Placeholder 6">
+            <a:extLst>
+              <a:ext uri="{FF2B5EF4-FFF2-40B4-BE49-F238E27FC236}">
+                <a16:creationId xmlns:a16="http://schemas.microsoft.com/office/drawing/2014/main" id="{D64F1C23-779D-4E59-90C7-6AC10C62E26D}"/>
+              </a:ext>
+            </a:extLst>
+          </p:cNvPr>
+          <p:cNvSpPr>
+            <a:spLocks noGrp="1"/>
+          </p:cNvSpPr>
+          <p:nvPr>
+            <p:ph type="sldNum" sz="quarter" idx="12"/>
+          </p:nvPr>
+        </p:nvSpPr>
+        <p:spPr/>
+        <p:txBody>
+          <a:bodyPr/>
+          <a:lstStyle/>
+          <a:p>
+            <a:fld id="{82EE24B5-652C-4DB5-B7C3-B5BBEC1280B1}" type="slidenum">
+              <a:rPr lang="en-US" smtClean="0"/>
+              <a:t>12</a:t>
+            </a:fld>
+            <a:endParaRPr lang="en-US" dirty="0"/>
+          </a:p>
+        </p:txBody>
+      </p:sp>
+    </p:spTree>
+    <p:extLst>
+      <p:ext uri="{BB962C8B-B14F-4D97-AF65-F5344CB8AC3E}">
+        <p14:creationId xmlns:p14="http://schemas.microsoft.com/office/powerpoint/2010/main" val="2455157057"/>
+      </p:ext>
+    </p:extLst>
+  </p:cSld>
+  <p:clrMapOvr>
+    <a:masterClrMapping/>
+  </p:clrMapOvr>
+</p:sld>
+</file>
+
+<file path=ppt/slides/slide13.xml><?xml version="1.0" encoding="utf-8"?>
+<p:sld xmlns:a="http://schemas.openxmlformats.org/drawingml/2006/main" xmlns:r="http://schemas.openxmlformats.org/officeDocument/2006/relationships" xmlns:p="http://schemas.openxmlformats.org/presentationml/2006/main">
+  <p:cSld>
+    <p:spTree>
+      <p:nvGrpSpPr>
+        <p:cNvPr id="1" name=""/>
+        <p:cNvGrpSpPr/>
+        <p:nvPr/>
+      </p:nvGrpSpPr>
+      <p:grpSpPr>
+        <a:xfrm>
+          <a:off x="0" y="0"/>
+          <a:ext cx="0" cy="0"/>
+          <a:chOff x="0" y="0"/>
+          <a:chExt cx="0" cy="0"/>
+        </a:xfrm>
+      </p:grpSpPr>
+      <p:sp>
+        <p:nvSpPr>
+          <p:cNvPr id="14" name="Title 13">
+            <a:extLst>
+              <a:ext uri="{FF2B5EF4-FFF2-40B4-BE49-F238E27FC236}">
+                <a16:creationId xmlns:a16="http://schemas.microsoft.com/office/drawing/2014/main" id="{6AB0C5B8-D356-41C5-85DC-CA41A0D9227C}"/>
+              </a:ext>
+            </a:extLst>
+          </p:cNvPr>
+          <p:cNvSpPr>
+            <a:spLocks noGrp="1"/>
+          </p:cNvSpPr>
+          <p:nvPr>
+            <p:ph type="title"/>
+          </p:nvPr>
+        </p:nvSpPr>
+        <p:spPr/>
+        <p:txBody>
+          <a:bodyPr/>
+          <a:lstStyle/>
+          <a:p>
+            <a:r>
+              <a:rPr lang="nb-NO" dirty="0"/>
+              <a:t>Datamodeller</a:t>
+            </a:r>
+          </a:p>
+        </p:txBody>
+      </p:sp>
+      <p:sp>
+        <p:nvSpPr>
+          <p:cNvPr id="15" name="Content Placeholder 14">
+            <a:extLst>
+              <a:ext uri="{FF2B5EF4-FFF2-40B4-BE49-F238E27FC236}">
+                <a16:creationId xmlns:a16="http://schemas.microsoft.com/office/drawing/2014/main" id="{7CF6F481-A623-4552-BA6C-6858B0BB6204}"/>
+              </a:ext>
+            </a:extLst>
+          </p:cNvPr>
+          <p:cNvSpPr>
+            <a:spLocks noGrp="1"/>
+          </p:cNvSpPr>
+          <p:nvPr>
+            <p:ph idx="1"/>
+          </p:nvPr>
+        </p:nvSpPr>
+        <p:spPr/>
+        <p:txBody>
+          <a:bodyPr/>
+          <a:lstStyle/>
+          <a:p>
+            <a:r>
+              <a:rPr lang="nb-NO" dirty="0"/>
+              <a:t>ER</a:t>
+            </a:r>
+          </a:p>
+          <a:p>
+            <a:r>
+              <a:rPr lang="nb-NO" dirty="0"/>
+              <a:t>Relasjonell</a:t>
+            </a:r>
+          </a:p>
+          <a:p>
+            <a:r>
+              <a:rPr lang="nb-NO" dirty="0" err="1"/>
+              <a:t>Dimensjonell</a:t>
+            </a:r>
+            <a:endParaRPr lang="nb-NO" dirty="0"/>
+          </a:p>
+          <a:p>
+            <a:endParaRPr lang="nb-NO" dirty="0"/>
+          </a:p>
+        </p:txBody>
+      </p:sp>
+      <p:sp>
+        <p:nvSpPr>
+          <p:cNvPr id="7" name="Slide Number Placeholder 6">
+            <a:extLst>
+              <a:ext uri="{FF2B5EF4-FFF2-40B4-BE49-F238E27FC236}">
+                <a16:creationId xmlns:a16="http://schemas.microsoft.com/office/drawing/2014/main" id="{7D37B589-A110-47A3-A91B-FF8F71324BAE}"/>
+              </a:ext>
+            </a:extLst>
+          </p:cNvPr>
+          <p:cNvSpPr>
+            <a:spLocks noGrp="1"/>
+          </p:cNvSpPr>
+          <p:nvPr>
+            <p:ph type="sldNum" sz="quarter" idx="12"/>
+          </p:nvPr>
+        </p:nvSpPr>
+        <p:spPr/>
+        <p:txBody>
+          <a:bodyPr/>
+          <a:lstStyle/>
+          <a:p>
+            <a:fld id="{82EE24B5-652C-4DB5-B7C3-B5BBEC1280B1}" type="slidenum">
+              <a:rPr lang="en-US" smtClean="0"/>
+              <a:pPr/>
+              <a:t>13</a:t>
+            </a:fld>
+            <a:endParaRPr lang="en-US" dirty="0"/>
+          </a:p>
+        </p:txBody>
+      </p:sp>
+    </p:spTree>
+    <p:extLst>
+      <p:ext uri="{BB962C8B-B14F-4D97-AF65-F5344CB8AC3E}">
+        <p14:creationId xmlns:p14="http://schemas.microsoft.com/office/powerpoint/2010/main" val="1517720037"/>
+      </p:ext>
+    </p:extLst>
+  </p:cSld>
+  <p:clrMapOvr>
+    <a:masterClrMapping/>
+  </p:clrMapOvr>
+</p:sld>
+</file>
+
+<file path=ppt/slides/slide14.xml><?xml version="1.0" encoding="utf-8"?>
+<p:sld xmlns:a="http://schemas.openxmlformats.org/drawingml/2006/main" xmlns:r="http://schemas.openxmlformats.org/officeDocument/2006/relationships" xmlns:p="http://schemas.openxmlformats.org/presentationml/2006/main">
+  <p:cSld>
+    <p:spTree>
+      <p:nvGrpSpPr>
+        <p:cNvPr id="1" name=""/>
+        <p:cNvGrpSpPr/>
+        <p:nvPr/>
+      </p:nvGrpSpPr>
+      <p:grpSpPr>
+        <a:xfrm>
+          <a:off x="0" y="0"/>
+          <a:ext cx="0" cy="0"/>
+          <a:chOff x="0" y="0"/>
+          <a:chExt cx="0" cy="0"/>
+        </a:xfrm>
+      </p:grpSpPr>
+      <p:sp>
+        <p:nvSpPr>
+          <p:cNvPr id="2" name="Slide Number Placeholder 1">
+            <a:extLst>
+              <a:ext uri="{FF2B5EF4-FFF2-40B4-BE49-F238E27FC236}">
+                <a16:creationId xmlns:a16="http://schemas.microsoft.com/office/drawing/2014/main" id="{DCED9515-8089-4613-AA8C-E3F4E9DEB6E0}"/>
+              </a:ext>
+            </a:extLst>
+          </p:cNvPr>
+          <p:cNvSpPr>
+            <a:spLocks noGrp="1"/>
+          </p:cNvSpPr>
+          <p:nvPr>
+            <p:ph type="sldNum" sz="quarter" idx="12"/>
+          </p:nvPr>
+        </p:nvSpPr>
+        <p:spPr/>
+        <p:txBody>
+          <a:bodyPr/>
+          <a:lstStyle/>
+          <a:p>
+            <a:fld id="{82EE24B5-652C-4DB5-B7C3-B5BBEC1280B1}" type="slidenum">
+              <a:rPr lang="en-US" smtClean="0"/>
+              <a:t>14</a:t>
+            </a:fld>
+            <a:endParaRPr lang="en-US" dirty="0"/>
+          </a:p>
+        </p:txBody>
+      </p:sp>
+      <p:sp>
+        <p:nvSpPr>
+          <p:cNvPr id="3" name="Title 2">
+            <a:extLst>
+              <a:ext uri="{FF2B5EF4-FFF2-40B4-BE49-F238E27FC236}">
+                <a16:creationId xmlns:a16="http://schemas.microsoft.com/office/drawing/2014/main" id="{AF19148D-561C-4F1F-BD6F-7A93071183EC}"/>
+              </a:ext>
+            </a:extLst>
+          </p:cNvPr>
+          <p:cNvSpPr>
+            <a:spLocks noGrp="1"/>
+          </p:cNvSpPr>
+          <p:nvPr>
+            <p:ph type="title"/>
+          </p:nvPr>
+        </p:nvSpPr>
+        <p:spPr/>
+        <p:txBody>
+          <a:bodyPr/>
+          <a:lstStyle/>
+          <a:p>
+            <a:r>
+              <a:rPr lang="nb-NO" dirty="0"/>
+              <a:t>Funn</a:t>
+            </a:r>
+          </a:p>
+        </p:txBody>
+      </p:sp>
+      <p:sp>
+        <p:nvSpPr>
+          <p:cNvPr id="4" name="Content Placeholder 3">
+            <a:extLst>
+              <a:ext uri="{FF2B5EF4-FFF2-40B4-BE49-F238E27FC236}">
+                <a16:creationId xmlns:a16="http://schemas.microsoft.com/office/drawing/2014/main" id="{53153F07-20CF-4087-971A-B382C001B88C}"/>
+              </a:ext>
+            </a:extLst>
+          </p:cNvPr>
+          <p:cNvSpPr>
+            <a:spLocks noGrp="1"/>
+          </p:cNvSpPr>
+          <p:nvPr>
+            <p:ph sz="half" idx="1"/>
+          </p:nvPr>
+        </p:nvSpPr>
+        <p:spPr/>
+        <p:txBody>
+          <a:bodyPr/>
+          <a:lstStyle/>
+          <a:p>
+            <a:r>
+              <a:rPr lang="nb-NO" dirty="0"/>
+              <a:t>Nøkkeltall</a:t>
+            </a:r>
+          </a:p>
+          <a:p>
+            <a:r>
+              <a:rPr lang="nb-NO" dirty="0"/>
+              <a:t>Relevante grafer og sammenhenger</a:t>
+            </a:r>
+          </a:p>
+          <a:p>
+            <a:endParaRPr lang="nb-NO" dirty="0"/>
+          </a:p>
+        </p:txBody>
+      </p:sp>
+      <p:sp>
+        <p:nvSpPr>
+          <p:cNvPr id="5" name="Content Placeholder 4">
+            <a:extLst>
+              <a:ext uri="{FF2B5EF4-FFF2-40B4-BE49-F238E27FC236}">
+                <a16:creationId xmlns:a16="http://schemas.microsoft.com/office/drawing/2014/main" id="{7F970FD7-BC50-4E5D-8C5F-CC4F168EDC1F}"/>
+              </a:ext>
+            </a:extLst>
+          </p:cNvPr>
+          <p:cNvSpPr>
+            <a:spLocks noGrp="1"/>
+          </p:cNvSpPr>
+          <p:nvPr>
+            <p:ph sz="half" idx="2"/>
+          </p:nvPr>
+        </p:nvSpPr>
+        <p:spPr/>
+        <p:txBody>
+          <a:bodyPr/>
+          <a:lstStyle/>
+          <a:p>
+            <a:endParaRPr lang="nb-NO"/>
+          </a:p>
+        </p:txBody>
+      </p:sp>
+    </p:spTree>
+    <p:extLst>
+      <p:ext uri="{BB962C8B-B14F-4D97-AF65-F5344CB8AC3E}">
+        <p14:creationId xmlns:p14="http://schemas.microsoft.com/office/powerpoint/2010/main" val="3059062922"/>
+      </p:ext>
+    </p:extLst>
+  </p:cSld>
+  <p:clrMapOvr>
+    <a:masterClrMapping/>
+  </p:clrMapOvr>
+</p:sld>
+</file>
+
+<file path=ppt/slides/slide15.xml><?xml version="1.0" encoding="utf-8"?>
+<p:sld xmlns:a="http://schemas.openxmlformats.org/drawingml/2006/main" xmlns:r="http://schemas.openxmlformats.org/officeDocument/2006/relationships" xmlns:p="http://schemas.openxmlformats.org/presentationml/2006/main">
+  <p:cSld>
+    <p:spTree>
+      <p:nvGrpSpPr>
+        <p:cNvPr id="1" name=""/>
+        <p:cNvGrpSpPr/>
+        <p:nvPr/>
+      </p:nvGrpSpPr>
+      <p:grpSpPr>
+        <a:xfrm>
+          <a:off x="0" y="0"/>
+          <a:ext cx="0" cy="0"/>
+          <a:chOff x="0" y="0"/>
+          <a:chExt cx="0" cy="0"/>
+        </a:xfrm>
+      </p:grpSpPr>
+      <p:sp>
+        <p:nvSpPr>
+          <p:cNvPr id="2" name="Title 1">
+            <a:extLst>
+              <a:ext uri="{FF2B5EF4-FFF2-40B4-BE49-F238E27FC236}">
                 <a16:creationId xmlns:a16="http://schemas.microsoft.com/office/drawing/2014/main" id="{F84696B9-7472-472A-8DE4-4DDC0319EA36}"/>
               </a:ext>
             </a:extLst>
@@ -17305,7 +18254,7 @@
           <a:p>
             <a:fld id="{82EE24B5-652C-4DB5-B7C3-B5BBEC1280B1}" type="slidenum">
               <a:rPr lang="en-US" smtClean="0"/>
-              <a:t>10</a:t>
+              <a:t>15</a:t>
             </a:fld>
             <a:endParaRPr lang="en-US" dirty="0"/>
           </a:p>
@@ -17324,7 +18273,7 @@
 </p:sld>
 </file>
 
-<file path=ppt/slides/slide11.xml><?xml version="1.0" encoding="utf-8"?>
+<file path=ppt/slides/slide16.xml><?xml version="1.0" encoding="utf-8"?>
 <p:sld xmlns:a="http://schemas.openxmlformats.org/drawingml/2006/main" xmlns:r="http://schemas.openxmlformats.org/officeDocument/2006/relationships" xmlns:p="http://schemas.openxmlformats.org/presentationml/2006/main">
   <p:cSld>
     <p:spTree>
@@ -17480,7 +18429,7 @@
           <a:p>
             <a:fld id="{82EE24B5-652C-4DB5-B7C3-B5BBEC1280B1}" type="slidenum">
               <a:rPr lang="en-US" smtClean="0"/>
-              <a:t>11</a:t>
+              <a:t>16</a:t>
             </a:fld>
             <a:endParaRPr lang="en-US" dirty="0"/>
           </a:p>
@@ -17499,7 +18448,7 @@
 </p:sld>
 </file>
 
-<file path=ppt/slides/slide12.xml><?xml version="1.0" encoding="utf-8"?>
+<file path=ppt/slides/slide17.xml><?xml version="1.0" encoding="utf-8"?>
 <p:sld xmlns:a="http://schemas.openxmlformats.org/drawingml/2006/main" xmlns:r="http://schemas.openxmlformats.org/officeDocument/2006/relationships" xmlns:p="http://schemas.openxmlformats.org/presentationml/2006/main">
   <p:cSld>
     <p:spTree>
@@ -17592,7 +18541,7 @@
           <a:p>
             <a:fld id="{82EE24B5-652C-4DB5-B7C3-B5BBEC1280B1}" type="slidenum">
               <a:rPr lang="en-US" smtClean="0"/>
-              <a:t>12</a:t>
+              <a:t>17</a:t>
             </a:fld>
             <a:endParaRPr lang="en-US" dirty="0"/>
           </a:p>
@@ -17611,7 +18560,7 @@
 </p:sld>
 </file>
 
-<file path=ppt/slides/slide13.xml><?xml version="1.0" encoding="utf-8"?>
+<file path=ppt/slides/slide18.xml><?xml version="1.0" encoding="utf-8"?>
 <p:sld xmlns:a="http://schemas.openxmlformats.org/drawingml/2006/main" xmlns:r="http://schemas.openxmlformats.org/officeDocument/2006/relationships" xmlns:p="http://schemas.openxmlformats.org/presentationml/2006/main">
   <p:cSld>
     <p:spTree>
@@ -17848,7 +18797,7 @@
           <a:p>
             <a:fld id="{82EE24B5-652C-4DB5-B7C3-B5BBEC1280B1}" type="slidenum">
               <a:rPr lang="en-US" smtClean="0"/>
-              <a:t>13</a:t>
+              <a:t>18</a:t>
             </a:fld>
             <a:endParaRPr lang="en-US" dirty="0"/>
           </a:p>
@@ -18141,7 +19090,7 @@
 </p:sld>
 </file>
 
-<file path=ppt/slides/slide14.xml><?xml version="1.0" encoding="utf-8"?>
+<file path=ppt/slides/slide19.xml><?xml version="1.0" encoding="utf-8"?>
 <p:sld xmlns:a="http://schemas.openxmlformats.org/drawingml/2006/main" xmlns:r="http://schemas.openxmlformats.org/officeDocument/2006/relationships" xmlns:p="http://schemas.openxmlformats.org/presentationml/2006/main">
   <p:cSld>
     <p:spTree>
@@ -18363,7 +19312,7 @@
           <a:p>
             <a:fld id="{82EE24B5-652C-4DB5-B7C3-B5BBEC1280B1}" type="slidenum">
               <a:rPr lang="en-US" smtClean="0"/>
-              <a:t>14</a:t>
+              <a:t>19</a:t>
             </a:fld>
             <a:endParaRPr lang="en-US" dirty="0"/>
           </a:p>
@@ -19735,7 +20684,264 @@
 </p:sld>
 </file>
 
-<file path=ppt/slides/slide15.xml><?xml version="1.0" encoding="utf-8"?>
+<file path=ppt/slides/slide2.xml><?xml version="1.0" encoding="utf-8"?>
+<p:sld xmlns:a="http://schemas.openxmlformats.org/drawingml/2006/main" xmlns:r="http://schemas.openxmlformats.org/officeDocument/2006/relationships" xmlns:p="http://schemas.openxmlformats.org/presentationml/2006/main">
+  <p:cSld>
+    <p:spTree>
+      <p:nvGrpSpPr>
+        <p:cNvPr id="1" name=""/>
+        <p:cNvGrpSpPr/>
+        <p:nvPr/>
+      </p:nvGrpSpPr>
+      <p:grpSpPr>
+        <a:xfrm>
+          <a:off x="0" y="0"/>
+          <a:ext cx="0" cy="0"/>
+          <a:chOff x="0" y="0"/>
+          <a:chExt cx="0" cy="0"/>
+        </a:xfrm>
+      </p:grpSpPr>
+      <p:sp>
+        <p:nvSpPr>
+          <p:cNvPr id="2" name="Title 1">
+            <a:extLst>
+              <a:ext uri="{FF2B5EF4-FFF2-40B4-BE49-F238E27FC236}">
+                <a16:creationId xmlns:a16="http://schemas.microsoft.com/office/drawing/2014/main" id="{8439BBD8-6728-4B37-A16F-A5111F8D47B8}"/>
+              </a:ext>
+            </a:extLst>
+          </p:cNvPr>
+          <p:cNvSpPr>
+            <a:spLocks noGrp="1"/>
+          </p:cNvSpPr>
+          <p:nvPr>
+            <p:ph type="title"/>
+          </p:nvPr>
+        </p:nvSpPr>
+        <p:spPr/>
+        <p:txBody>
+          <a:bodyPr/>
+          <a:lstStyle/>
+          <a:p>
+            <a:r>
+              <a:rPr lang="nb-NO" dirty="0"/>
+              <a:t>Plan:</a:t>
+            </a:r>
+          </a:p>
+        </p:txBody>
+      </p:sp>
+      <p:sp>
+        <p:nvSpPr>
+          <p:cNvPr id="6" name="Text Placeholder 5">
+            <a:extLst>
+              <a:ext uri="{FF2B5EF4-FFF2-40B4-BE49-F238E27FC236}">
+                <a16:creationId xmlns:a16="http://schemas.microsoft.com/office/drawing/2014/main" id="{14B7B9F5-DCB2-4C42-8011-E60EC9F375D2}"/>
+              </a:ext>
+            </a:extLst>
+          </p:cNvPr>
+          <p:cNvSpPr>
+            <a:spLocks noGrp="1"/>
+          </p:cNvSpPr>
+          <p:nvPr>
+            <p:ph type="body" idx="1"/>
+          </p:nvPr>
+        </p:nvSpPr>
+        <p:spPr/>
+        <p:txBody>
+          <a:bodyPr/>
+          <a:lstStyle/>
+          <a:p>
+            <a:r>
+              <a:rPr lang="nb-NO" dirty="0"/>
+              <a:t>UKE 1:</a:t>
+            </a:r>
+          </a:p>
+        </p:txBody>
+      </p:sp>
+      <p:sp>
+        <p:nvSpPr>
+          <p:cNvPr id="3" name="Content Placeholder 2">
+            <a:extLst>
+              <a:ext uri="{FF2B5EF4-FFF2-40B4-BE49-F238E27FC236}">
+                <a16:creationId xmlns:a16="http://schemas.microsoft.com/office/drawing/2014/main" id="{C420E915-0BCC-49DF-94AE-C0516529A325}"/>
+              </a:ext>
+            </a:extLst>
+          </p:cNvPr>
+          <p:cNvSpPr>
+            <a:spLocks noGrp="1"/>
+          </p:cNvSpPr>
+          <p:nvPr>
+            <p:ph sz="half" idx="2"/>
+          </p:nvPr>
+        </p:nvSpPr>
+        <p:spPr/>
+        <p:txBody>
+          <a:bodyPr/>
+          <a:lstStyle/>
+          <a:p>
+            <a:r>
+              <a:rPr lang="nb-NO" dirty="0"/>
+              <a:t>Mandag: Preppe data, hente og skrive til </a:t>
+            </a:r>
+            <a:r>
+              <a:rPr lang="nb-NO" dirty="0" err="1"/>
+              <a:t>csv</a:t>
+            </a:r>
+            <a:endParaRPr lang="nb-NO" dirty="0"/>
+          </a:p>
+          <a:p>
+            <a:r>
+              <a:rPr lang="nb-NO" dirty="0"/>
+              <a:t>Tirsdag: Bli kjent med YTAPI, visualisering, krige i </a:t>
+            </a:r>
+            <a:r>
+              <a:rPr lang="nb-NO" dirty="0" err="1"/>
+              <a:t>git</a:t>
+            </a:r>
+            <a:endParaRPr lang="nb-NO" dirty="0"/>
+          </a:p>
+          <a:p>
+            <a:r>
+              <a:rPr lang="nb-NO" dirty="0"/>
+              <a:t>Onsdag: Last til database, tegne diagrammer</a:t>
+            </a:r>
+          </a:p>
+          <a:p>
+            <a:r>
+              <a:rPr lang="nb-NO" dirty="0"/>
+              <a:t>Torsdag</a:t>
+            </a:r>
+          </a:p>
+          <a:p>
+            <a:r>
+              <a:rPr lang="nb-NO" dirty="0"/>
+              <a:t>Fredag</a:t>
+            </a:r>
+          </a:p>
+        </p:txBody>
+      </p:sp>
+      <p:sp>
+        <p:nvSpPr>
+          <p:cNvPr id="7" name="Text Placeholder 6">
+            <a:extLst>
+              <a:ext uri="{FF2B5EF4-FFF2-40B4-BE49-F238E27FC236}">
+                <a16:creationId xmlns:a16="http://schemas.microsoft.com/office/drawing/2014/main" id="{F8D7AEC8-95B0-4A02-9851-AEC8F50B6D78}"/>
+              </a:ext>
+            </a:extLst>
+          </p:cNvPr>
+          <p:cNvSpPr>
+            <a:spLocks noGrp="1"/>
+          </p:cNvSpPr>
+          <p:nvPr>
+            <p:ph type="body" sz="quarter" idx="3"/>
+          </p:nvPr>
+        </p:nvSpPr>
+        <p:spPr/>
+        <p:txBody>
+          <a:bodyPr/>
+          <a:lstStyle/>
+          <a:p>
+            <a:r>
+              <a:rPr lang="nb-NO" dirty="0"/>
+              <a:t>UKE 2: </a:t>
+            </a:r>
+          </a:p>
+        </p:txBody>
+      </p:sp>
+      <p:sp>
+        <p:nvSpPr>
+          <p:cNvPr id="5" name="Content Placeholder 4">
+            <a:extLst>
+              <a:ext uri="{FF2B5EF4-FFF2-40B4-BE49-F238E27FC236}">
+                <a16:creationId xmlns:a16="http://schemas.microsoft.com/office/drawing/2014/main" id="{3D842FEB-4ABD-4201-8149-FC3786DC318A}"/>
+              </a:ext>
+            </a:extLst>
+          </p:cNvPr>
+          <p:cNvSpPr>
+            <a:spLocks noGrp="1"/>
+          </p:cNvSpPr>
+          <p:nvPr>
+            <p:ph sz="quarter" idx="4"/>
+          </p:nvPr>
+        </p:nvSpPr>
+        <p:spPr/>
+        <p:txBody>
+          <a:bodyPr/>
+          <a:lstStyle/>
+          <a:p>
+            <a:r>
+              <a:rPr lang="nb-NO" dirty="0"/>
+              <a:t>Mandag:</a:t>
+            </a:r>
+          </a:p>
+          <a:p>
+            <a:r>
+              <a:rPr lang="nb-NO" dirty="0"/>
+              <a:t>Tirsdag:</a:t>
+            </a:r>
+          </a:p>
+          <a:p>
+            <a:r>
+              <a:rPr lang="nb-NO" dirty="0"/>
+              <a:t>Onsdag: </a:t>
+            </a:r>
+          </a:p>
+          <a:p>
+            <a:r>
+              <a:rPr lang="nb-NO" dirty="0"/>
+              <a:t>Torsdag:</a:t>
+            </a:r>
+          </a:p>
+          <a:p>
+            <a:r>
+              <a:rPr lang="nb-NO" dirty="0"/>
+              <a:t>Fredag: Presentasjon!</a:t>
+            </a:r>
+          </a:p>
+        </p:txBody>
+      </p:sp>
+      <p:sp>
+        <p:nvSpPr>
+          <p:cNvPr id="4" name="Slide Number Placeholder 3">
+            <a:extLst>
+              <a:ext uri="{FF2B5EF4-FFF2-40B4-BE49-F238E27FC236}">
+                <a16:creationId xmlns:a16="http://schemas.microsoft.com/office/drawing/2014/main" id="{CD0B905A-B40E-449E-B86C-A24A7EDA8E00}"/>
+              </a:ext>
+            </a:extLst>
+          </p:cNvPr>
+          <p:cNvSpPr>
+            <a:spLocks noGrp="1"/>
+          </p:cNvSpPr>
+          <p:nvPr>
+            <p:ph type="sldNum" sz="quarter" idx="12"/>
+          </p:nvPr>
+        </p:nvSpPr>
+        <p:spPr/>
+        <p:txBody>
+          <a:bodyPr/>
+          <a:lstStyle/>
+          <a:p>
+            <a:fld id="{82EE24B5-652C-4DB5-B7C3-B5BBEC1280B1}" type="slidenum">
+              <a:rPr lang="en-US" smtClean="0"/>
+              <a:t>2</a:t>
+            </a:fld>
+            <a:endParaRPr lang="en-US" dirty="0"/>
+          </a:p>
+        </p:txBody>
+      </p:sp>
+    </p:spTree>
+    <p:extLst>
+      <p:ext uri="{BB962C8B-B14F-4D97-AF65-F5344CB8AC3E}">
+        <p14:creationId xmlns:p14="http://schemas.microsoft.com/office/powerpoint/2010/main" val="1513310654"/>
+      </p:ext>
+    </p:extLst>
+  </p:cSld>
+  <p:clrMapOvr>
+    <a:masterClrMapping/>
+  </p:clrMapOvr>
+</p:sld>
+</file>
+
+<file path=ppt/slides/slide20.xml><?xml version="1.0" encoding="utf-8"?>
 <p:sld xmlns:a="http://schemas.openxmlformats.org/drawingml/2006/main" xmlns:r="http://schemas.openxmlformats.org/officeDocument/2006/relationships" xmlns:p="http://schemas.openxmlformats.org/presentationml/2006/main">
   <p:cSld>
     <p:spTree>
@@ -19805,7 +21011,7 @@
           <a:p>
             <a:fld id="{82EE24B5-652C-4DB5-B7C3-B5BBEC1280B1}" type="slidenum">
               <a:rPr lang="en-US" smtClean="0"/>
-              <a:t>15</a:t>
+              <a:t>20</a:t>
             </a:fld>
             <a:endParaRPr lang="en-US" dirty="0"/>
           </a:p>
@@ -23546,7 +24752,7 @@
 </p:sld>
 </file>
 
-<file path=ppt/slides/slide16.xml><?xml version="1.0" encoding="utf-8"?>
+<file path=ppt/slides/slide21.xml><?xml version="1.0" encoding="utf-8"?>
 <p:sld xmlns:a="http://schemas.openxmlformats.org/drawingml/2006/main" xmlns:r="http://schemas.openxmlformats.org/officeDocument/2006/relationships" xmlns:p="http://schemas.openxmlformats.org/presentationml/2006/main">
   <p:cSld>
     <p:spTree>
@@ -23857,7 +25063,7 @@
           <a:p>
             <a:fld id="{82EE24B5-652C-4DB5-B7C3-B5BBEC1280B1}" type="slidenum">
               <a:rPr lang="en-US" smtClean="0"/>
-              <a:t>16</a:t>
+              <a:t>21</a:t>
             </a:fld>
             <a:endParaRPr lang="en-US" dirty="0"/>
           </a:p>
@@ -24098,7 +25304,7 @@
 </p:sld>
 </file>
 
-<file path=ppt/slides/slide17.xml><?xml version="1.0" encoding="utf-8"?>
+<file path=ppt/slides/slide22.xml><?xml version="1.0" encoding="utf-8"?>
 <p:sld xmlns:a="http://schemas.openxmlformats.org/drawingml/2006/main" xmlns:r="http://schemas.openxmlformats.org/officeDocument/2006/relationships" xmlns:p="http://schemas.openxmlformats.org/presentationml/2006/main">
   <p:cSld>
     <p:spTree>
@@ -24138,7 +25344,7 @@
           <a:p>
             <a:fld id="{82EE24B5-652C-4DB5-B7C3-B5BBEC1280B1}" type="slidenum">
               <a:rPr lang="en-US" smtClean="0"/>
-              <a:t>17</a:t>
+              <a:t>22</a:t>
             </a:fld>
             <a:endParaRPr lang="en-US" dirty="0"/>
           </a:p>
@@ -25194,7 +26400,7 @@
 </p:sld>
 </file>
 
-<file path=ppt/slides/slide18.xml><?xml version="1.0" encoding="utf-8"?>
+<file path=ppt/slides/slide23.xml><?xml version="1.0" encoding="utf-8"?>
 <p:sld xmlns:a="http://schemas.openxmlformats.org/drawingml/2006/main" xmlns:r="http://schemas.openxmlformats.org/officeDocument/2006/relationships" xmlns:p="http://schemas.openxmlformats.org/presentationml/2006/main">
   <p:cSld>
     <p:spTree>
@@ -25707,7 +26913,7 @@
           <a:p>
             <a:fld id="{82EE24B5-652C-4DB5-B7C3-B5BBEC1280B1}" type="slidenum">
               <a:rPr lang="en-US" smtClean="0"/>
-              <a:t>18</a:t>
+              <a:t>23</a:t>
             </a:fld>
             <a:endParaRPr lang="en-US" dirty="0"/>
           </a:p>
@@ -26288,7 +27494,7 @@
 </p:sld>
 </file>
 
-<file path=ppt/slides/slide19.xml><?xml version="1.0" encoding="utf-8"?>
+<file path=ppt/slides/slide24.xml><?xml version="1.0" encoding="utf-8"?>
 <p:sld xmlns:a="http://schemas.openxmlformats.org/drawingml/2006/main" xmlns:r="http://schemas.openxmlformats.org/officeDocument/2006/relationships" xmlns:p="http://schemas.openxmlformats.org/presentationml/2006/main">
   <p:cSld>
     <p:spTree>
@@ -26356,7 +27562,7 @@
           <a:p>
             <a:fld id="{82EE24B5-652C-4DB5-B7C3-B5BBEC1280B1}" type="slidenum">
               <a:rPr lang="en-US" smtClean="0"/>
-              <a:t>19</a:t>
+              <a:t>24</a:t>
             </a:fld>
             <a:endParaRPr lang="en-US" dirty="0"/>
           </a:p>
@@ -27706,264 +28912,7 @@
 </p:sld>
 </file>
 
-<file path=ppt/slides/slide2.xml><?xml version="1.0" encoding="utf-8"?>
-<p:sld xmlns:a="http://schemas.openxmlformats.org/drawingml/2006/main" xmlns:r="http://schemas.openxmlformats.org/officeDocument/2006/relationships" xmlns:p="http://schemas.openxmlformats.org/presentationml/2006/main">
-  <p:cSld>
-    <p:spTree>
-      <p:nvGrpSpPr>
-        <p:cNvPr id="1" name=""/>
-        <p:cNvGrpSpPr/>
-        <p:nvPr/>
-      </p:nvGrpSpPr>
-      <p:grpSpPr>
-        <a:xfrm>
-          <a:off x="0" y="0"/>
-          <a:ext cx="0" cy="0"/>
-          <a:chOff x="0" y="0"/>
-          <a:chExt cx="0" cy="0"/>
-        </a:xfrm>
-      </p:grpSpPr>
-      <p:sp>
-        <p:nvSpPr>
-          <p:cNvPr id="2" name="Title 1">
-            <a:extLst>
-              <a:ext uri="{FF2B5EF4-FFF2-40B4-BE49-F238E27FC236}">
-                <a16:creationId xmlns:a16="http://schemas.microsoft.com/office/drawing/2014/main" id="{8439BBD8-6728-4B37-A16F-A5111F8D47B8}"/>
-              </a:ext>
-            </a:extLst>
-          </p:cNvPr>
-          <p:cNvSpPr>
-            <a:spLocks noGrp="1"/>
-          </p:cNvSpPr>
-          <p:nvPr>
-            <p:ph type="title"/>
-          </p:nvPr>
-        </p:nvSpPr>
-        <p:spPr/>
-        <p:txBody>
-          <a:bodyPr/>
-          <a:lstStyle/>
-          <a:p>
-            <a:r>
-              <a:rPr lang="nb-NO" dirty="0"/>
-              <a:t>Plan:</a:t>
-            </a:r>
-          </a:p>
-        </p:txBody>
-      </p:sp>
-      <p:sp>
-        <p:nvSpPr>
-          <p:cNvPr id="6" name="Text Placeholder 5">
-            <a:extLst>
-              <a:ext uri="{FF2B5EF4-FFF2-40B4-BE49-F238E27FC236}">
-                <a16:creationId xmlns:a16="http://schemas.microsoft.com/office/drawing/2014/main" id="{14B7B9F5-DCB2-4C42-8011-E60EC9F375D2}"/>
-              </a:ext>
-            </a:extLst>
-          </p:cNvPr>
-          <p:cNvSpPr>
-            <a:spLocks noGrp="1"/>
-          </p:cNvSpPr>
-          <p:nvPr>
-            <p:ph type="body" idx="1"/>
-          </p:nvPr>
-        </p:nvSpPr>
-        <p:spPr/>
-        <p:txBody>
-          <a:bodyPr/>
-          <a:lstStyle/>
-          <a:p>
-            <a:r>
-              <a:rPr lang="nb-NO" dirty="0"/>
-              <a:t>UKE 1:</a:t>
-            </a:r>
-          </a:p>
-        </p:txBody>
-      </p:sp>
-      <p:sp>
-        <p:nvSpPr>
-          <p:cNvPr id="3" name="Content Placeholder 2">
-            <a:extLst>
-              <a:ext uri="{FF2B5EF4-FFF2-40B4-BE49-F238E27FC236}">
-                <a16:creationId xmlns:a16="http://schemas.microsoft.com/office/drawing/2014/main" id="{C420E915-0BCC-49DF-94AE-C0516529A325}"/>
-              </a:ext>
-            </a:extLst>
-          </p:cNvPr>
-          <p:cNvSpPr>
-            <a:spLocks noGrp="1"/>
-          </p:cNvSpPr>
-          <p:nvPr>
-            <p:ph sz="half" idx="2"/>
-          </p:nvPr>
-        </p:nvSpPr>
-        <p:spPr/>
-        <p:txBody>
-          <a:bodyPr/>
-          <a:lstStyle/>
-          <a:p>
-            <a:r>
-              <a:rPr lang="nb-NO" dirty="0"/>
-              <a:t>Mandag: Preppe data, hente og skrive til </a:t>
-            </a:r>
-            <a:r>
-              <a:rPr lang="nb-NO" dirty="0" err="1"/>
-              <a:t>csv</a:t>
-            </a:r>
-            <a:endParaRPr lang="nb-NO" dirty="0"/>
-          </a:p>
-          <a:p>
-            <a:r>
-              <a:rPr lang="nb-NO" dirty="0"/>
-              <a:t>Tirsdag: Bli kjent med YTAPI, visualisering, krige i </a:t>
-            </a:r>
-            <a:r>
-              <a:rPr lang="nb-NO" dirty="0" err="1"/>
-              <a:t>git</a:t>
-            </a:r>
-            <a:endParaRPr lang="nb-NO" dirty="0"/>
-          </a:p>
-          <a:p>
-            <a:r>
-              <a:rPr lang="nb-NO" dirty="0"/>
-              <a:t>Onsdag: Last til database, tegne diagrammer</a:t>
-            </a:r>
-          </a:p>
-          <a:p>
-            <a:r>
-              <a:rPr lang="nb-NO" dirty="0"/>
-              <a:t>Torsdag</a:t>
-            </a:r>
-          </a:p>
-          <a:p>
-            <a:r>
-              <a:rPr lang="nb-NO" dirty="0"/>
-              <a:t>Fredag</a:t>
-            </a:r>
-          </a:p>
-        </p:txBody>
-      </p:sp>
-      <p:sp>
-        <p:nvSpPr>
-          <p:cNvPr id="7" name="Text Placeholder 6">
-            <a:extLst>
-              <a:ext uri="{FF2B5EF4-FFF2-40B4-BE49-F238E27FC236}">
-                <a16:creationId xmlns:a16="http://schemas.microsoft.com/office/drawing/2014/main" id="{F8D7AEC8-95B0-4A02-9851-AEC8F50B6D78}"/>
-              </a:ext>
-            </a:extLst>
-          </p:cNvPr>
-          <p:cNvSpPr>
-            <a:spLocks noGrp="1"/>
-          </p:cNvSpPr>
-          <p:nvPr>
-            <p:ph type="body" sz="quarter" idx="3"/>
-          </p:nvPr>
-        </p:nvSpPr>
-        <p:spPr/>
-        <p:txBody>
-          <a:bodyPr/>
-          <a:lstStyle/>
-          <a:p>
-            <a:r>
-              <a:rPr lang="nb-NO" dirty="0"/>
-              <a:t>UKE 2: </a:t>
-            </a:r>
-          </a:p>
-        </p:txBody>
-      </p:sp>
-      <p:sp>
-        <p:nvSpPr>
-          <p:cNvPr id="5" name="Content Placeholder 4">
-            <a:extLst>
-              <a:ext uri="{FF2B5EF4-FFF2-40B4-BE49-F238E27FC236}">
-                <a16:creationId xmlns:a16="http://schemas.microsoft.com/office/drawing/2014/main" id="{3D842FEB-4ABD-4201-8149-FC3786DC318A}"/>
-              </a:ext>
-            </a:extLst>
-          </p:cNvPr>
-          <p:cNvSpPr>
-            <a:spLocks noGrp="1"/>
-          </p:cNvSpPr>
-          <p:nvPr>
-            <p:ph sz="quarter" idx="4"/>
-          </p:nvPr>
-        </p:nvSpPr>
-        <p:spPr/>
-        <p:txBody>
-          <a:bodyPr/>
-          <a:lstStyle/>
-          <a:p>
-            <a:r>
-              <a:rPr lang="nb-NO" dirty="0"/>
-              <a:t>Mandag:</a:t>
-            </a:r>
-          </a:p>
-          <a:p>
-            <a:r>
-              <a:rPr lang="nb-NO" dirty="0"/>
-              <a:t>Tirsdag:</a:t>
-            </a:r>
-          </a:p>
-          <a:p>
-            <a:r>
-              <a:rPr lang="nb-NO" dirty="0"/>
-              <a:t>Onsdag: </a:t>
-            </a:r>
-          </a:p>
-          <a:p>
-            <a:r>
-              <a:rPr lang="nb-NO" dirty="0"/>
-              <a:t>Torsdag:</a:t>
-            </a:r>
-          </a:p>
-          <a:p>
-            <a:r>
-              <a:rPr lang="nb-NO" dirty="0"/>
-              <a:t>Fredag: Presentasjon!</a:t>
-            </a:r>
-          </a:p>
-        </p:txBody>
-      </p:sp>
-      <p:sp>
-        <p:nvSpPr>
-          <p:cNvPr id="4" name="Slide Number Placeholder 3">
-            <a:extLst>
-              <a:ext uri="{FF2B5EF4-FFF2-40B4-BE49-F238E27FC236}">
-                <a16:creationId xmlns:a16="http://schemas.microsoft.com/office/drawing/2014/main" id="{CD0B905A-B40E-449E-B86C-A24A7EDA8E00}"/>
-              </a:ext>
-            </a:extLst>
-          </p:cNvPr>
-          <p:cNvSpPr>
-            <a:spLocks noGrp="1"/>
-          </p:cNvSpPr>
-          <p:nvPr>
-            <p:ph type="sldNum" sz="quarter" idx="12"/>
-          </p:nvPr>
-        </p:nvSpPr>
-        <p:spPr/>
-        <p:txBody>
-          <a:bodyPr/>
-          <a:lstStyle/>
-          <a:p>
-            <a:fld id="{82EE24B5-652C-4DB5-B7C3-B5BBEC1280B1}" type="slidenum">
-              <a:rPr lang="en-US" smtClean="0"/>
-              <a:t>2</a:t>
-            </a:fld>
-            <a:endParaRPr lang="en-US" dirty="0"/>
-          </a:p>
-        </p:txBody>
-      </p:sp>
-    </p:spTree>
-    <p:extLst>
-      <p:ext uri="{BB962C8B-B14F-4D97-AF65-F5344CB8AC3E}">
-        <p14:creationId xmlns:p14="http://schemas.microsoft.com/office/powerpoint/2010/main" val="1513310654"/>
-      </p:ext>
-    </p:extLst>
-  </p:cSld>
-  <p:clrMapOvr>
-    <a:masterClrMapping/>
-  </p:clrMapOvr>
-</p:sld>
-</file>
-
-<file path=ppt/slides/slide20.xml><?xml version="1.0" encoding="utf-8"?>
+<file path=ppt/slides/slide25.xml><?xml version="1.0" encoding="utf-8"?>
 <p:sld xmlns:a="http://schemas.openxmlformats.org/drawingml/2006/main" xmlns:r="http://schemas.openxmlformats.org/officeDocument/2006/relationships" xmlns:p="http://schemas.openxmlformats.org/presentationml/2006/main">
   <p:cSld>
     <p:spTree>
@@ -28204,7 +29153,7 @@
           <a:p>
             <a:fld id="{82EE24B5-652C-4DB5-B7C3-B5BBEC1280B1}" type="slidenum">
               <a:rPr lang="en-US" smtClean="0"/>
-              <a:t>20</a:t>
+              <a:t>25</a:t>
             </a:fld>
             <a:endParaRPr lang="en-US" dirty="0"/>
           </a:p>
@@ -30714,7 +31663,7 @@
 </p:sld>
 </file>
 
-<file path=ppt/slides/slide21.xml><?xml version="1.0" encoding="utf-8"?>
+<file path=ppt/slides/slide26.xml><?xml version="1.0" encoding="utf-8"?>
 <p:sld xmlns:a="http://schemas.openxmlformats.org/drawingml/2006/main" xmlns:r="http://schemas.openxmlformats.org/officeDocument/2006/relationships" xmlns:p="http://schemas.openxmlformats.org/presentationml/2006/main">
   <p:cSld>
     <p:spTree>
@@ -31060,7 +32009,7 @@
           <a:p>
             <a:fld id="{82EE24B5-652C-4DB5-B7C3-B5BBEC1280B1}" type="slidenum">
               <a:rPr lang="en-US" smtClean="0"/>
-              <a:t>21</a:t>
+              <a:t>26</a:t>
             </a:fld>
             <a:endParaRPr lang="en-US" dirty="0"/>
           </a:p>
@@ -31486,7 +32435,7 @@
 </p:sld>
 </file>
 
-<file path=ppt/slides/slide22.xml><?xml version="1.0" encoding="utf-8"?>
+<file path=ppt/slides/slide27.xml><?xml version="1.0" encoding="utf-8"?>
 <p:sld xmlns:a="http://schemas.openxmlformats.org/drawingml/2006/main" xmlns:r="http://schemas.openxmlformats.org/officeDocument/2006/relationships" xmlns:p="http://schemas.openxmlformats.org/presentationml/2006/main">
   <p:cSld>
     <p:spTree>
@@ -31564,7 +32513,7 @@
           <a:p>
             <a:fld id="{82EE24B5-652C-4DB5-B7C3-B5BBEC1280B1}" type="slidenum">
               <a:rPr lang="en-US" smtClean="0"/>
-              <a:t>22</a:t>
+              <a:t>27</a:t>
             </a:fld>
             <a:endParaRPr lang="en-US" dirty="0"/>
           </a:p>
@@ -33542,7 +34491,7 @@
 </p:sld>
 </file>
 
-<file path=ppt/slides/slide23.xml><?xml version="1.0" encoding="utf-8"?>
+<file path=ppt/slides/slide28.xml><?xml version="1.0" encoding="utf-8"?>
 <p:sld xmlns:a="http://schemas.openxmlformats.org/drawingml/2006/main" xmlns:r="http://schemas.openxmlformats.org/officeDocument/2006/relationships" xmlns:p="http://schemas.openxmlformats.org/presentationml/2006/main">
   <p:cSld>
     <p:spTree>
@@ -33689,7 +34638,7 @@
           <a:p>
             <a:fld id="{82EE24B5-652C-4DB5-B7C3-B5BBEC1280B1}" type="slidenum">
               <a:rPr lang="en-US" smtClean="0"/>
-              <a:t>23</a:t>
+              <a:t>28</a:t>
             </a:fld>
             <a:endParaRPr lang="en-US" dirty="0"/>
           </a:p>
@@ -34036,7 +34985,7 @@
 </p:sld>
 </file>
 
-<file path=ppt/slides/slide24.xml><?xml version="1.0" encoding="utf-8"?>
+<file path=ppt/slides/slide29.xml><?xml version="1.0" encoding="utf-8"?>
 <p:sld xmlns:a="http://schemas.openxmlformats.org/drawingml/2006/main" xmlns:r="http://schemas.openxmlformats.org/officeDocument/2006/relationships" xmlns:p="http://schemas.openxmlformats.org/presentationml/2006/main">
   <p:cSld>
     <p:spTree>
@@ -34311,7 +35260,7 @@
           <a:p>
             <a:fld id="{82EE24B5-652C-4DB5-B7C3-B5BBEC1280B1}" type="slidenum">
               <a:rPr lang="en-US" smtClean="0"/>
-              <a:t>24</a:t>
+              <a:t>29</a:t>
             </a:fld>
             <a:endParaRPr lang="en-US" dirty="0"/>
           </a:p>
@@ -34835,7 +35784,119 @@
 </p:sld>
 </file>
 
-<file path=ppt/slides/slide25.xml><?xml version="1.0" encoding="utf-8"?>
+<file path=ppt/slides/slide3.xml><?xml version="1.0" encoding="utf-8"?>
+<p:sld xmlns:a="http://schemas.openxmlformats.org/drawingml/2006/main" xmlns:r="http://schemas.openxmlformats.org/officeDocument/2006/relationships" xmlns:p="http://schemas.openxmlformats.org/presentationml/2006/main">
+  <p:cSld>
+    <p:spTree>
+      <p:nvGrpSpPr>
+        <p:cNvPr id="1" name=""/>
+        <p:cNvGrpSpPr/>
+        <p:nvPr/>
+      </p:nvGrpSpPr>
+      <p:grpSpPr>
+        <a:xfrm>
+          <a:off x="0" y="0"/>
+          <a:ext cx="0" cy="0"/>
+          <a:chOff x="0" y="0"/>
+          <a:chExt cx="0" cy="0"/>
+        </a:xfrm>
+      </p:grpSpPr>
+      <p:sp>
+        <p:nvSpPr>
+          <p:cNvPr id="2" name="Title 1">
+            <a:extLst>
+              <a:ext uri="{FF2B5EF4-FFF2-40B4-BE49-F238E27FC236}">
+                <a16:creationId xmlns:a16="http://schemas.microsoft.com/office/drawing/2014/main" id="{E7633C84-D780-4B74-9A5B-FF87B5E22347}"/>
+              </a:ext>
+            </a:extLst>
+          </p:cNvPr>
+          <p:cNvSpPr>
+            <a:spLocks noGrp="1"/>
+          </p:cNvSpPr>
+          <p:nvPr>
+            <p:ph type="title"/>
+          </p:nvPr>
+        </p:nvSpPr>
+        <p:spPr/>
+        <p:txBody>
+          <a:bodyPr/>
+          <a:lstStyle/>
+          <a:p>
+            <a:r>
+              <a:rPr lang="nb-NO" dirty="0"/>
+              <a:t>Hva skal vi gjennom her:</a:t>
+            </a:r>
+          </a:p>
+        </p:txBody>
+      </p:sp>
+      <p:sp>
+        <p:nvSpPr>
+          <p:cNvPr id="3" name="Content Placeholder 2">
+            <a:extLst>
+              <a:ext uri="{FF2B5EF4-FFF2-40B4-BE49-F238E27FC236}">
+                <a16:creationId xmlns:a16="http://schemas.microsoft.com/office/drawing/2014/main" id="{040108EC-FF3D-485D-8DD0-22958F8BF34D}"/>
+              </a:ext>
+            </a:extLst>
+          </p:cNvPr>
+          <p:cNvSpPr>
+            <a:spLocks noGrp="1"/>
+          </p:cNvSpPr>
+          <p:nvPr>
+            <p:ph idx="1"/>
+          </p:nvPr>
+        </p:nvSpPr>
+        <p:spPr/>
+        <p:txBody>
+          <a:bodyPr/>
+          <a:lstStyle/>
+          <a:p>
+            <a:endParaRPr lang="nb-NO"/>
+          </a:p>
+        </p:txBody>
+      </p:sp>
+      <p:sp>
+        <p:nvSpPr>
+          <p:cNvPr id="4" name="Slide Number Placeholder 3">
+            <a:extLst>
+              <a:ext uri="{FF2B5EF4-FFF2-40B4-BE49-F238E27FC236}">
+                <a16:creationId xmlns:a16="http://schemas.microsoft.com/office/drawing/2014/main" id="{D1FB9689-86E7-463B-8335-EA88ECD9A48B}"/>
+              </a:ext>
+            </a:extLst>
+          </p:cNvPr>
+          <p:cNvSpPr>
+            <a:spLocks noGrp="1"/>
+          </p:cNvSpPr>
+          <p:nvPr>
+            <p:ph type="sldNum" sz="quarter" idx="12"/>
+          </p:nvPr>
+        </p:nvSpPr>
+        <p:spPr/>
+        <p:txBody>
+          <a:bodyPr/>
+          <a:lstStyle/>
+          <a:p>
+            <a:fld id="{82EE24B5-652C-4DB5-B7C3-B5BBEC1280B1}" type="slidenum">
+              <a:rPr lang="en-US" smtClean="0"/>
+              <a:t>3</a:t>
+            </a:fld>
+            <a:endParaRPr lang="en-US" dirty="0"/>
+          </a:p>
+        </p:txBody>
+      </p:sp>
+    </p:spTree>
+    <p:extLst>
+      <p:ext uri="{BB962C8B-B14F-4D97-AF65-F5344CB8AC3E}">
+        <p14:creationId xmlns:p14="http://schemas.microsoft.com/office/powerpoint/2010/main" val="2174484883"/>
+      </p:ext>
+    </p:extLst>
+  </p:cSld>
+  <p:clrMapOvr>
+    <a:masterClrMapping/>
+  </p:clrMapOvr>
+</p:sld>
+</file>
+
+<file path=ppt/slides/slide30.xml><?xml version="1.0" encoding="utf-8"?>
 <p:sld xmlns:a="http://schemas.openxmlformats.org/drawingml/2006/main" xmlns:r="http://schemas.openxmlformats.org/officeDocument/2006/relationships" xmlns:p="http://schemas.openxmlformats.org/presentationml/2006/main">
   <p:cSld>
     <p:spTree>
@@ -36300,7 +37361,7 @@
           <a:p>
             <a:fld id="{82EE24B5-652C-4DB5-B7C3-B5BBEC1280B1}" type="slidenum">
               <a:rPr lang="en-US" smtClean="0"/>
-              <a:t>25</a:t>
+              <a:t>30</a:t>
             </a:fld>
             <a:endParaRPr lang="en-US" dirty="0"/>
           </a:p>
@@ -36319,7 +37380,7 @@
 </p:sld>
 </file>
 
-<file path=ppt/slides/slide26.xml><?xml version="1.0" encoding="utf-8"?>
+<file path=ppt/slides/slide31.xml><?xml version="1.0" encoding="utf-8"?>
 <p:sld xmlns:a="http://schemas.openxmlformats.org/drawingml/2006/main" xmlns:r="http://schemas.openxmlformats.org/officeDocument/2006/relationships" xmlns:p="http://schemas.openxmlformats.org/presentationml/2006/main">
   <p:cSld>
     <p:spTree>
@@ -36914,118 +37975,6 @@
 </p:sld>
 </file>
 
-<file path=ppt/slides/slide3.xml><?xml version="1.0" encoding="utf-8"?>
-<p:sld xmlns:a="http://schemas.openxmlformats.org/drawingml/2006/main" xmlns:r="http://schemas.openxmlformats.org/officeDocument/2006/relationships" xmlns:p="http://schemas.openxmlformats.org/presentationml/2006/main">
-  <p:cSld>
-    <p:spTree>
-      <p:nvGrpSpPr>
-        <p:cNvPr id="1" name=""/>
-        <p:cNvGrpSpPr/>
-        <p:nvPr/>
-      </p:nvGrpSpPr>
-      <p:grpSpPr>
-        <a:xfrm>
-          <a:off x="0" y="0"/>
-          <a:ext cx="0" cy="0"/>
-          <a:chOff x="0" y="0"/>
-          <a:chExt cx="0" cy="0"/>
-        </a:xfrm>
-      </p:grpSpPr>
-      <p:sp>
-        <p:nvSpPr>
-          <p:cNvPr id="2" name="Title 1">
-            <a:extLst>
-              <a:ext uri="{FF2B5EF4-FFF2-40B4-BE49-F238E27FC236}">
-                <a16:creationId xmlns:a16="http://schemas.microsoft.com/office/drawing/2014/main" id="{E7633C84-D780-4B74-9A5B-FF87B5E22347}"/>
-              </a:ext>
-            </a:extLst>
-          </p:cNvPr>
-          <p:cNvSpPr>
-            <a:spLocks noGrp="1"/>
-          </p:cNvSpPr>
-          <p:nvPr>
-            <p:ph type="title"/>
-          </p:nvPr>
-        </p:nvSpPr>
-        <p:spPr/>
-        <p:txBody>
-          <a:bodyPr/>
-          <a:lstStyle/>
-          <a:p>
-            <a:r>
-              <a:rPr lang="nb-NO" dirty="0"/>
-              <a:t>Hva skal vi gjennom her:</a:t>
-            </a:r>
-          </a:p>
-        </p:txBody>
-      </p:sp>
-      <p:sp>
-        <p:nvSpPr>
-          <p:cNvPr id="3" name="Content Placeholder 2">
-            <a:extLst>
-              <a:ext uri="{FF2B5EF4-FFF2-40B4-BE49-F238E27FC236}">
-                <a16:creationId xmlns:a16="http://schemas.microsoft.com/office/drawing/2014/main" id="{040108EC-FF3D-485D-8DD0-22958F8BF34D}"/>
-              </a:ext>
-            </a:extLst>
-          </p:cNvPr>
-          <p:cNvSpPr>
-            <a:spLocks noGrp="1"/>
-          </p:cNvSpPr>
-          <p:nvPr>
-            <p:ph idx="1"/>
-          </p:nvPr>
-        </p:nvSpPr>
-        <p:spPr/>
-        <p:txBody>
-          <a:bodyPr/>
-          <a:lstStyle/>
-          <a:p>
-            <a:endParaRPr lang="nb-NO"/>
-          </a:p>
-        </p:txBody>
-      </p:sp>
-      <p:sp>
-        <p:nvSpPr>
-          <p:cNvPr id="4" name="Slide Number Placeholder 3">
-            <a:extLst>
-              <a:ext uri="{FF2B5EF4-FFF2-40B4-BE49-F238E27FC236}">
-                <a16:creationId xmlns:a16="http://schemas.microsoft.com/office/drawing/2014/main" id="{D1FB9689-86E7-463B-8335-EA88ECD9A48B}"/>
-              </a:ext>
-            </a:extLst>
-          </p:cNvPr>
-          <p:cNvSpPr>
-            <a:spLocks noGrp="1"/>
-          </p:cNvSpPr>
-          <p:nvPr>
-            <p:ph type="sldNum" sz="quarter" idx="12"/>
-          </p:nvPr>
-        </p:nvSpPr>
-        <p:spPr/>
-        <p:txBody>
-          <a:bodyPr/>
-          <a:lstStyle/>
-          <a:p>
-            <a:fld id="{82EE24B5-652C-4DB5-B7C3-B5BBEC1280B1}" type="slidenum">
-              <a:rPr lang="en-US" smtClean="0"/>
-              <a:t>3</a:t>
-            </a:fld>
-            <a:endParaRPr lang="en-US" dirty="0"/>
-          </a:p>
-        </p:txBody>
-      </p:sp>
-    </p:spTree>
-    <p:extLst>
-      <p:ext uri="{BB962C8B-B14F-4D97-AF65-F5344CB8AC3E}">
-        <p14:creationId xmlns:p14="http://schemas.microsoft.com/office/powerpoint/2010/main" val="2174484883"/>
-      </p:ext>
-    </p:extLst>
-  </p:cSld>
-  <p:clrMapOvr>
-    <a:masterClrMapping/>
-  </p:clrMapOvr>
-</p:sld>
-</file>
-
 <file path=ppt/slides/slide4.xml><?xml version="1.0" encoding="utf-8"?>
 <p:sld xmlns:a="http://schemas.openxmlformats.org/drawingml/2006/main" xmlns:r="http://schemas.openxmlformats.org/officeDocument/2006/relationships" xmlns:p="http://schemas.openxmlformats.org/presentationml/2006/main">
   <p:cSld>
@@ -37092,7 +38041,28 @@
           <a:bodyPr/>
           <a:lstStyle/>
           <a:p>
-            <a:endParaRPr lang="nb-NO" dirty="0"/>
+            <a:r>
+              <a:rPr lang="nb-NO" b="1" dirty="0"/>
+              <a:t>Internationalt mediehus som ønsker å utvide virksomheten til YouTube</a:t>
+            </a:r>
+          </a:p>
+          <a:p>
+            <a:endParaRPr lang="nb-NO" b="1" dirty="0"/>
+          </a:p>
+          <a:p>
+            <a:endParaRPr lang="nb-NO" b="1" dirty="0"/>
+          </a:p>
+          <a:p>
+            <a:endParaRPr lang="nb-NO" b="1" dirty="0"/>
+          </a:p>
+          <a:p>
+            <a:endParaRPr lang="nb-NO" b="1" dirty="0"/>
+          </a:p>
+          <a:p>
+            <a:r>
+              <a:rPr lang="nb-NO" b="1" dirty="0"/>
+              <a:t>Innsikt i virale videoer</a:t>
+            </a:r>
           </a:p>
         </p:txBody>
       </p:sp>
@@ -37160,7 +38130,7 @@
           <p:cNvPr id="2" name="Title 1">
             <a:extLst>
               <a:ext uri="{FF2B5EF4-FFF2-40B4-BE49-F238E27FC236}">
-                <a16:creationId xmlns:a16="http://schemas.microsoft.com/office/drawing/2014/main" id="{DC134033-2722-4BE4-A54E-3E0E65C325BE}"/>
+                <a16:creationId xmlns:a16="http://schemas.microsoft.com/office/drawing/2014/main" id="{FE6AD52E-DB75-45AF-9786-6C2911A63562}"/>
               </a:ext>
             </a:extLst>
           </p:cNvPr>
@@ -37177,8 +38147,8 @@
           <a:lstStyle/>
           <a:p>
             <a:r>
-              <a:rPr lang="nb-NO" dirty="0"/>
-              <a:t>Kilder og verktøy</a:t>
+              <a:rPr lang="en-US" dirty="0"/>
+              <a:t>Data</a:t>
             </a:r>
           </a:p>
         </p:txBody>
@@ -37188,7 +38158,7 @@
           <p:cNvPr id="3" name="Content Placeholder 2">
             <a:extLst>
               <a:ext uri="{FF2B5EF4-FFF2-40B4-BE49-F238E27FC236}">
-                <a16:creationId xmlns:a16="http://schemas.microsoft.com/office/drawing/2014/main" id="{EAC89F89-D51C-45F7-B9B4-0D279E7FE25D}"/>
+                <a16:creationId xmlns:a16="http://schemas.microsoft.com/office/drawing/2014/main" id="{4AB9C2D1-58E2-4E5E-A5F7-D4E9E693BBDA}"/>
               </a:ext>
             </a:extLst>
           </p:cNvPr>
@@ -37205,68 +38175,24 @@
           <a:lstStyle/>
           <a:p>
             <a:r>
-              <a:rPr lang="nb-NO" dirty="0"/>
-              <a:t>Power BI</a:t>
-            </a:r>
-          </a:p>
-          <a:p>
-            <a:r>
-              <a:rPr lang="nb-NO" dirty="0"/>
-              <a:t>Python: pandas, </a:t>
+              <a:rPr lang="en-US" dirty="0"/>
+              <a:t>YouTube trending videos dataset </a:t>
             </a:r>
             <a:r>
-              <a:rPr lang="nb-NO" dirty="0" err="1"/>
-              <a:t>numpy</a:t>
+              <a:rPr lang="en-US" dirty="0">
+                <a:hlinkClick r:id="rId3"/>
+              </a:rPr>
+              <a:t>https://www.kaggle.com/datasnaek/youtube-new</a:t>
             </a:r>
             <a:r>
-              <a:rPr lang="nb-NO" dirty="0"/>
-              <a:t>, </a:t>
+              <a:rPr lang="en-US" dirty="0"/>
+              <a:t> </a:t>
             </a:r>
+          </a:p>
+          <a:p>
             <a:r>
-              <a:rPr lang="nb-NO" dirty="0" err="1"/>
-              <a:t>spyder</a:t>
-            </a:r>
-            <a:r>
-              <a:rPr lang="nb-NO" dirty="0"/>
-              <a:t>, </a:t>
-            </a:r>
-            <a:r>
-              <a:rPr lang="nb-NO" dirty="0" err="1"/>
-              <a:t>vscode</a:t>
-            </a:r>
-            <a:endParaRPr lang="nb-NO" dirty="0"/>
-          </a:p>
-          <a:p>
-            <a:r>
-              <a:rPr lang="nb-NO" dirty="0" err="1"/>
-              <a:t>Youtube</a:t>
-            </a:r>
-            <a:r>
-              <a:rPr lang="nb-NO" dirty="0"/>
-              <a:t> API</a:t>
-            </a:r>
-          </a:p>
-          <a:p>
-            <a:r>
-              <a:rPr lang="nb-NO" dirty="0" err="1"/>
-              <a:t>Trello</a:t>
-            </a:r>
-            <a:endParaRPr lang="nb-NO" dirty="0"/>
-          </a:p>
-          <a:p>
-            <a:r>
-              <a:rPr lang="nb-NO" dirty="0" err="1"/>
-              <a:t>Git</a:t>
-            </a:r>
-            <a:endParaRPr lang="nb-NO" dirty="0"/>
-          </a:p>
-          <a:p>
-            <a:endParaRPr lang="nb-NO" dirty="0"/>
-          </a:p>
-          <a:p>
-            <a:r>
-              <a:rPr lang="nb-NO" dirty="0"/>
-              <a:t>Etc. </a:t>
+              <a:rPr lang="en-US" dirty="0"/>
+              <a:t> </a:t>
             </a:r>
           </a:p>
         </p:txBody>
@@ -37276,7 +38202,7 @@
           <p:cNvPr id="4" name="Slide Number Placeholder 3">
             <a:extLst>
               <a:ext uri="{FF2B5EF4-FFF2-40B4-BE49-F238E27FC236}">
-                <a16:creationId xmlns:a16="http://schemas.microsoft.com/office/drawing/2014/main" id="{3341A4F5-28D2-426F-BF11-DE72EA419ED1}"/>
+                <a16:creationId xmlns:a16="http://schemas.microsoft.com/office/drawing/2014/main" id="{20EC69EA-C17E-4440-B6F6-01945416944D}"/>
               </a:ext>
             </a:extLst>
           </p:cNvPr>
@@ -37303,7 +38229,7 @@
     </p:spTree>
     <p:extLst>
       <p:ext uri="{BB962C8B-B14F-4D97-AF65-F5344CB8AC3E}">
-        <p14:creationId xmlns:p14="http://schemas.microsoft.com/office/powerpoint/2010/main" val="3555906604"/>
+        <p14:creationId xmlns:p14="http://schemas.microsoft.com/office/powerpoint/2010/main" val="2279423704"/>
       </p:ext>
     </p:extLst>
   </p:cSld>
@@ -37335,7 +38261,7 @@
           <p:cNvPr id="2" name="Title 1">
             <a:extLst>
               <a:ext uri="{FF2B5EF4-FFF2-40B4-BE49-F238E27FC236}">
-                <a16:creationId xmlns:a16="http://schemas.microsoft.com/office/drawing/2014/main" id="{DD30ED60-8644-427F-9DD9-8FCA80B0A141}"/>
+                <a16:creationId xmlns:a16="http://schemas.microsoft.com/office/drawing/2014/main" id="{E040EF66-91B4-4CAC-AC19-88EE44648503}"/>
               </a:ext>
             </a:extLst>
           </p:cNvPr>
@@ -37352,18 +38278,51 @@
           <a:lstStyle/>
           <a:p>
             <a:r>
-              <a:rPr lang="nb-NO" dirty="0"/>
-              <a:t>Produkt</a:t>
+              <a:rPr lang="en-US" dirty="0" err="1"/>
+              <a:t>Tid</a:t>
             </a:r>
+            <a:r>
+              <a:rPr lang="en-US" dirty="0"/>
+              <a:t> </a:t>
+            </a:r>
+            <a:r>
+              <a:rPr lang="en-US" dirty="0" err="1"/>
+              <a:t>før</a:t>
+            </a:r>
+            <a:r>
+              <a:rPr lang="en-US" dirty="0"/>
+              <a:t> </a:t>
+            </a:r>
+            <a:r>
+              <a:rPr lang="en-US" dirty="0" err="1"/>
+              <a:t>en</a:t>
+            </a:r>
+            <a:r>
+              <a:rPr lang="en-US" dirty="0"/>
+              <a:t> video </a:t>
+            </a:r>
+            <a:r>
+              <a:rPr lang="en-US" dirty="0" err="1"/>
+              <a:t>går</a:t>
+            </a:r>
+            <a:r>
+              <a:rPr lang="en-US" dirty="0"/>
+              <a:t> </a:t>
+            </a:r>
+            <a:r>
+              <a:rPr lang="en-US" dirty="0" err="1"/>
+              <a:t>viralt</a:t>
+            </a:r>
+            <a:endParaRPr lang="en-US" dirty="0"/>
           </a:p>
         </p:txBody>
       </p:sp>
       <p:sp>
         <p:nvSpPr>
-          <p:cNvPr id="3" name="Text Placeholder 2">
+          <p:cNvPr id="3" name="Content Placeholder 2">
             <a:extLst>
               <a:ext uri="{FF2B5EF4-FFF2-40B4-BE49-F238E27FC236}">
-                <a16:creationId xmlns:a16="http://schemas.microsoft.com/office/drawing/2014/main" id="{61F44741-DFDB-4652-8D83-9CDF264001B4}"/>
+                <a16:creationId xmlns:a16="http://schemas.microsoft.com/office/drawing/2014/main" id="{76828AC4-1B20-41B4-B820-FDC88047F555}"/>
               </a:ext>
             </a:extLst>
           </p:cNvPr>
@@ -37371,7 +38330,7 @@
             <a:spLocks noGrp="1"/>
           </p:cNvSpPr>
           <p:nvPr>
-            <p:ph type="body" idx="1"/>
+            <p:ph idx="1"/>
           </p:nvPr>
         </p:nvSpPr>
         <p:spPr/>
@@ -37379,97 +38338,16 @@
           <a:bodyPr/>
           <a:lstStyle/>
           <a:p>
-            <a:r>
-              <a:rPr lang="nb-NO" dirty="0"/>
-              <a:t>MVP</a:t>
-            </a:r>
+            <a:endParaRPr lang="en-US"/>
           </a:p>
         </p:txBody>
       </p:sp>
       <p:sp>
         <p:nvSpPr>
-          <p:cNvPr id="4" name="Content Placeholder 3">
+          <p:cNvPr id="4" name="Slide Number Placeholder 3">
             <a:extLst>
               <a:ext uri="{FF2B5EF4-FFF2-40B4-BE49-F238E27FC236}">
-                <a16:creationId xmlns:a16="http://schemas.microsoft.com/office/drawing/2014/main" id="{A423E9ED-6257-4953-92F3-2A8E95AA08E9}"/>
-              </a:ext>
-            </a:extLst>
-          </p:cNvPr>
-          <p:cNvSpPr>
-            <a:spLocks noGrp="1"/>
-          </p:cNvSpPr>
-          <p:nvPr>
-            <p:ph sz="half" idx="2"/>
-          </p:nvPr>
-        </p:nvSpPr>
-        <p:spPr/>
-        <p:txBody>
-          <a:bodyPr/>
-          <a:lstStyle/>
-          <a:p>
-            <a:endParaRPr lang="nb-NO"/>
-          </a:p>
-        </p:txBody>
-      </p:sp>
-      <p:sp>
-        <p:nvSpPr>
-          <p:cNvPr id="5" name="Text Placeholder 4">
-            <a:extLst>
-              <a:ext uri="{FF2B5EF4-FFF2-40B4-BE49-F238E27FC236}">
-                <a16:creationId xmlns:a16="http://schemas.microsoft.com/office/drawing/2014/main" id="{EC82FC30-08D5-473B-A28A-43045139E101}"/>
-              </a:ext>
-            </a:extLst>
-          </p:cNvPr>
-          <p:cNvSpPr>
-            <a:spLocks noGrp="1"/>
-          </p:cNvSpPr>
-          <p:nvPr>
-            <p:ph type="body" sz="quarter" idx="3"/>
-          </p:nvPr>
-        </p:nvSpPr>
-        <p:spPr/>
-        <p:txBody>
-          <a:bodyPr/>
-          <a:lstStyle/>
-          <a:p>
-            <a:r>
-              <a:rPr lang="nb-NO" dirty="0"/>
-              <a:t>Beyond MVP</a:t>
-            </a:r>
-          </a:p>
-        </p:txBody>
-      </p:sp>
-      <p:sp>
-        <p:nvSpPr>
-          <p:cNvPr id="6" name="Content Placeholder 5">
-            <a:extLst>
-              <a:ext uri="{FF2B5EF4-FFF2-40B4-BE49-F238E27FC236}">
-                <a16:creationId xmlns:a16="http://schemas.microsoft.com/office/drawing/2014/main" id="{F44D5524-63DE-4649-810B-69C72E9F56EA}"/>
-              </a:ext>
-            </a:extLst>
-          </p:cNvPr>
-          <p:cNvSpPr>
-            <a:spLocks noGrp="1"/>
-          </p:cNvSpPr>
-          <p:nvPr>
-            <p:ph sz="quarter" idx="4"/>
-          </p:nvPr>
-        </p:nvSpPr>
-        <p:spPr/>
-        <p:txBody>
-          <a:bodyPr/>
-          <a:lstStyle/>
-          <a:p>
-            <a:endParaRPr lang="nb-NO"/>
-          </a:p>
-        </p:txBody>
-      </p:sp>
-      <p:sp>
-        <p:nvSpPr>
-          <p:cNvPr id="7" name="Slide Number Placeholder 6">
-            <a:extLst>
-              <a:ext uri="{FF2B5EF4-FFF2-40B4-BE49-F238E27FC236}">
-                <a16:creationId xmlns:a16="http://schemas.microsoft.com/office/drawing/2014/main" id="{40C916EB-E16B-473E-846F-802B0F783410}"/>
+                <a16:creationId xmlns:a16="http://schemas.microsoft.com/office/drawing/2014/main" id="{7057EE6D-4520-4F2E-8376-228FAE4710FC}"/>
               </a:ext>
             </a:extLst>
           </p:cNvPr>
@@ -37496,7 +38374,7 @@
     </p:spTree>
     <p:extLst>
       <p:ext uri="{BB962C8B-B14F-4D97-AF65-F5344CB8AC3E}">
-        <p14:creationId xmlns:p14="http://schemas.microsoft.com/office/powerpoint/2010/main" val="238875164"/>
+        <p14:creationId xmlns:p14="http://schemas.microsoft.com/office/powerpoint/2010/main" val="635407331"/>
       </p:ext>
     </p:extLst>
   </p:cSld>
@@ -37528,7 +38406,7 @@
           <p:cNvPr id="2" name="Title 1">
             <a:extLst>
               <a:ext uri="{FF2B5EF4-FFF2-40B4-BE49-F238E27FC236}">
-                <a16:creationId xmlns:a16="http://schemas.microsoft.com/office/drawing/2014/main" id="{CC1C5022-45C2-454A-A9ED-623EC5F028D4}"/>
+                <a16:creationId xmlns:a16="http://schemas.microsoft.com/office/drawing/2014/main" id="{3253916D-1843-40BF-96D0-446E5EA0BD0F}"/>
               </a:ext>
             </a:extLst>
           </p:cNvPr>
@@ -37545,26 +38423,35 @@
           <a:lstStyle/>
           <a:p>
             <a:r>
-              <a:rPr lang="nb-NO" dirty="0"/>
-              <a:t>Hvordan gikk data-</a:t>
+              <a:rPr lang="en-US" dirty="0" err="1"/>
+              <a:t>Optimalisere</a:t>
             </a:r>
             <a:r>
-              <a:rPr lang="nb-NO" dirty="0" err="1"/>
-              <a:t>engineeringen</a:t>
+              <a:rPr lang="en-US" dirty="0"/>
+              <a:t> for </a:t>
             </a:r>
             <a:r>
-              <a:rPr lang="nb-NO" dirty="0"/>
-              <a:t>?</a:t>
+              <a:rPr lang="en-US" dirty="0" err="1"/>
+              <a:t>ulik</a:t>
             </a:r>
+            <a:r>
+              <a:rPr lang="en-US" dirty="0"/>
+              <a:t> </a:t>
+            </a:r>
+            <a:r>
+              <a:rPr lang="en-US" dirty="0" err="1"/>
+              <a:t>aktivitet</a:t>
+            </a:r>
+            <a:endParaRPr lang="en-US" dirty="0"/>
           </a:p>
         </p:txBody>
       </p:sp>
       <p:sp>
         <p:nvSpPr>
-          <p:cNvPr id="3" name="Text Placeholder 2">
+          <p:cNvPr id="3" name="Content Placeholder 2">
             <a:extLst>
               <a:ext uri="{FF2B5EF4-FFF2-40B4-BE49-F238E27FC236}">
-                <a16:creationId xmlns:a16="http://schemas.microsoft.com/office/drawing/2014/main" id="{3ED9BF12-D7B1-46C3-B60C-BA757D8519C1}"/>
+                <a16:creationId xmlns:a16="http://schemas.microsoft.com/office/drawing/2014/main" id="{3955A948-92F5-4F15-9E93-7ECD336DEAD4}"/>
               </a:ext>
             </a:extLst>
           </p:cNvPr>
@@ -37572,7 +38459,7 @@
             <a:spLocks noGrp="1"/>
           </p:cNvSpPr>
           <p:nvPr>
-            <p:ph type="body" idx="1"/>
+            <p:ph idx="1"/>
           </p:nvPr>
         </p:nvSpPr>
         <p:spPr/>
@@ -37580,91 +38467,16 @@
           <a:bodyPr/>
           <a:lstStyle/>
           <a:p>
-            <a:endParaRPr lang="nb-NO"/>
+            <a:endParaRPr lang="en-US" dirty="0"/>
           </a:p>
         </p:txBody>
       </p:sp>
       <p:sp>
         <p:nvSpPr>
-          <p:cNvPr id="4" name="Content Placeholder 3">
+          <p:cNvPr id="4" name="Slide Number Placeholder 3">
             <a:extLst>
               <a:ext uri="{FF2B5EF4-FFF2-40B4-BE49-F238E27FC236}">
-                <a16:creationId xmlns:a16="http://schemas.microsoft.com/office/drawing/2014/main" id="{B411B9DC-EF68-4591-9F9B-F291C1EAA825}"/>
-              </a:ext>
-            </a:extLst>
-          </p:cNvPr>
-          <p:cNvSpPr>
-            <a:spLocks noGrp="1"/>
-          </p:cNvSpPr>
-          <p:nvPr>
-            <p:ph sz="half" idx="2"/>
-          </p:nvPr>
-        </p:nvSpPr>
-        <p:spPr/>
-        <p:txBody>
-          <a:bodyPr/>
-          <a:lstStyle/>
-          <a:p>
-            <a:endParaRPr lang="nb-NO"/>
-          </a:p>
-        </p:txBody>
-      </p:sp>
-      <p:sp>
-        <p:nvSpPr>
-          <p:cNvPr id="5" name="Text Placeholder 4">
-            <a:extLst>
-              <a:ext uri="{FF2B5EF4-FFF2-40B4-BE49-F238E27FC236}">
-                <a16:creationId xmlns:a16="http://schemas.microsoft.com/office/drawing/2014/main" id="{8D502DD1-FE5D-4C72-8F18-8503ED59FF0C}"/>
-              </a:ext>
-            </a:extLst>
-          </p:cNvPr>
-          <p:cNvSpPr>
-            <a:spLocks noGrp="1"/>
-          </p:cNvSpPr>
-          <p:nvPr>
-            <p:ph type="body" sz="quarter" idx="3"/>
-          </p:nvPr>
-        </p:nvSpPr>
-        <p:spPr/>
-        <p:txBody>
-          <a:bodyPr/>
-          <a:lstStyle/>
-          <a:p>
-            <a:endParaRPr lang="nb-NO"/>
-          </a:p>
-        </p:txBody>
-      </p:sp>
-      <p:sp>
-        <p:nvSpPr>
-          <p:cNvPr id="6" name="Content Placeholder 5">
-            <a:extLst>
-              <a:ext uri="{FF2B5EF4-FFF2-40B4-BE49-F238E27FC236}">
-                <a16:creationId xmlns:a16="http://schemas.microsoft.com/office/drawing/2014/main" id="{75499025-5A7B-4B89-A167-CEACE2097C75}"/>
-              </a:ext>
-            </a:extLst>
-          </p:cNvPr>
-          <p:cNvSpPr>
-            <a:spLocks noGrp="1"/>
-          </p:cNvSpPr>
-          <p:nvPr>
-            <p:ph sz="quarter" idx="4"/>
-          </p:nvPr>
-        </p:nvSpPr>
-        <p:spPr/>
-        <p:txBody>
-          <a:bodyPr/>
-          <a:lstStyle/>
-          <a:p>
-            <a:endParaRPr lang="nb-NO"/>
-          </a:p>
-        </p:txBody>
-      </p:sp>
-      <p:sp>
-        <p:nvSpPr>
-          <p:cNvPr id="7" name="Slide Number Placeholder 6">
-            <a:extLst>
-              <a:ext uri="{FF2B5EF4-FFF2-40B4-BE49-F238E27FC236}">
-                <a16:creationId xmlns:a16="http://schemas.microsoft.com/office/drawing/2014/main" id="{D64F1C23-779D-4E59-90C7-6AC10C62E26D}"/>
+                <a16:creationId xmlns:a16="http://schemas.microsoft.com/office/drawing/2014/main" id="{93B12F4A-8864-47BE-89D8-2423A4A7D843}"/>
               </a:ext>
             </a:extLst>
           </p:cNvPr>
@@ -37691,7 +38503,7 @@
     </p:spTree>
     <p:extLst>
       <p:ext uri="{BB962C8B-B14F-4D97-AF65-F5344CB8AC3E}">
-        <p14:creationId xmlns:p14="http://schemas.microsoft.com/office/powerpoint/2010/main" val="2455157057"/>
+        <p14:creationId xmlns:p14="http://schemas.microsoft.com/office/powerpoint/2010/main" val="1961434454"/>
       </p:ext>
     </p:extLst>
   </p:cSld>
@@ -37720,10 +38532,10 @@
       </p:grpSpPr>
       <p:sp>
         <p:nvSpPr>
-          <p:cNvPr id="14" name="Title 13">
+          <p:cNvPr id="2" name="Title 1">
             <a:extLst>
               <a:ext uri="{FF2B5EF4-FFF2-40B4-BE49-F238E27FC236}">
-                <a16:creationId xmlns:a16="http://schemas.microsoft.com/office/drawing/2014/main" id="{6AB0C5B8-D356-41C5-85DC-CA41A0D9227C}"/>
+                <a16:creationId xmlns:a16="http://schemas.microsoft.com/office/drawing/2014/main" id="{55DA509D-3E80-45D6-ADD2-C42FD8C43992}"/>
               </a:ext>
             </a:extLst>
           </p:cNvPr>
@@ -37740,18 +38552,35 @@
           <a:lstStyle/>
           <a:p>
             <a:r>
-              <a:rPr lang="nb-NO" dirty="0"/>
-              <a:t>Datamodeller</a:t>
+              <a:rPr lang="en-US" dirty="0" err="1"/>
+              <a:t>Når</a:t>
             </a:r>
+            <a:r>
+              <a:rPr lang="en-US" dirty="0"/>
+              <a:t> </a:t>
+            </a:r>
+            <a:r>
+              <a:rPr lang="en-US" dirty="0" err="1"/>
+              <a:t>skal</a:t>
+            </a:r>
+            <a:r>
+              <a:rPr lang="en-US" dirty="0"/>
+              <a:t> man </a:t>
+            </a:r>
+            <a:r>
+              <a:rPr lang="en-US" dirty="0" err="1"/>
+              <a:t>publisere</a:t>
+            </a:r>
+            <a:endParaRPr lang="en-US" dirty="0"/>
           </a:p>
         </p:txBody>
       </p:sp>
       <p:sp>
         <p:nvSpPr>
-          <p:cNvPr id="15" name="Content Placeholder 14">
+          <p:cNvPr id="3" name="Content Placeholder 2">
             <a:extLst>
               <a:ext uri="{FF2B5EF4-FFF2-40B4-BE49-F238E27FC236}">
-                <a16:creationId xmlns:a16="http://schemas.microsoft.com/office/drawing/2014/main" id="{7CF6F481-A623-4552-BA6C-6858B0BB6204}"/>
+                <a16:creationId xmlns:a16="http://schemas.microsoft.com/office/drawing/2014/main" id="{89C52DB1-6800-4666-AD1A-AF3E958ED7E8}"/>
               </a:ext>
             </a:extLst>
           </p:cNvPr>
@@ -37767,35 +38596,16 @@
           <a:bodyPr/>
           <a:lstStyle/>
           <a:p>
-            <a:r>
-              <a:rPr lang="nb-NO" dirty="0"/>
-              <a:t>ER</a:t>
-            </a:r>
-          </a:p>
-          <a:p>
-            <a:r>
-              <a:rPr lang="nb-NO" dirty="0"/>
-              <a:t>Relasjonell</a:t>
-            </a:r>
-          </a:p>
-          <a:p>
-            <a:r>
-              <a:rPr lang="nb-NO" dirty="0" err="1"/>
-              <a:t>Dimensjonell</a:t>
-            </a:r>
-            <a:endParaRPr lang="nb-NO" dirty="0"/>
-          </a:p>
-          <a:p>
-            <a:endParaRPr lang="nb-NO" dirty="0"/>
+            <a:endParaRPr lang="en-US"/>
           </a:p>
         </p:txBody>
       </p:sp>
       <p:sp>
         <p:nvSpPr>
-          <p:cNvPr id="7" name="Slide Number Placeholder 6">
+          <p:cNvPr id="4" name="Slide Number Placeholder 3">
             <a:extLst>
               <a:ext uri="{FF2B5EF4-FFF2-40B4-BE49-F238E27FC236}">
-                <a16:creationId xmlns:a16="http://schemas.microsoft.com/office/drawing/2014/main" id="{7D37B589-A110-47A3-A91B-FF8F71324BAE}"/>
+                <a16:creationId xmlns:a16="http://schemas.microsoft.com/office/drawing/2014/main" id="{C0CEC7FE-FE4E-4917-883C-7213D2022526}"/>
               </a:ext>
             </a:extLst>
           </p:cNvPr>
@@ -37813,7 +38623,6 @@
           <a:p>
             <a:fld id="{82EE24B5-652C-4DB5-B7C3-B5BBEC1280B1}" type="slidenum">
               <a:rPr lang="en-US" smtClean="0"/>
-              <a:pPr/>
               <a:t>8</a:t>
             </a:fld>
             <a:endParaRPr lang="en-US" dirty="0"/>
@@ -37823,7 +38632,7 @@
     </p:spTree>
     <p:extLst>
       <p:ext uri="{BB962C8B-B14F-4D97-AF65-F5344CB8AC3E}">
-        <p14:creationId xmlns:p14="http://schemas.microsoft.com/office/powerpoint/2010/main" val="1517720037"/>
+        <p14:creationId xmlns:p14="http://schemas.microsoft.com/office/powerpoint/2010/main" val="1477947678"/>
       </p:ext>
     </p:extLst>
   </p:cSld>
@@ -37852,10 +38661,68 @@
       </p:grpSpPr>
       <p:sp>
         <p:nvSpPr>
-          <p:cNvPr id="2" name="Slide Number Placeholder 1">
+          <p:cNvPr id="2" name="Title 1">
             <a:extLst>
               <a:ext uri="{FF2B5EF4-FFF2-40B4-BE49-F238E27FC236}">
-                <a16:creationId xmlns:a16="http://schemas.microsoft.com/office/drawing/2014/main" id="{DCED9515-8089-4613-AA8C-E3F4E9DEB6E0}"/>
+                <a16:creationId xmlns:a16="http://schemas.microsoft.com/office/drawing/2014/main" id="{4FF35734-389F-453F-8E73-4C17E72F98C3}"/>
+              </a:ext>
+            </a:extLst>
+          </p:cNvPr>
+          <p:cNvSpPr>
+            <a:spLocks noGrp="1"/>
+          </p:cNvSpPr>
+          <p:nvPr>
+            <p:ph type="title"/>
+          </p:nvPr>
+        </p:nvSpPr>
+        <p:spPr/>
+        <p:txBody>
+          <a:bodyPr/>
+          <a:lstStyle/>
+          <a:p>
+            <a:r>
+              <a:rPr lang="en-US" dirty="0"/>
+              <a:t>Online </a:t>
+            </a:r>
+            <a:r>
+              <a:rPr lang="en-US" dirty="0" err="1"/>
+              <a:t>debatt</a:t>
+            </a:r>
+            <a:endParaRPr lang="en-US" dirty="0"/>
+          </a:p>
+        </p:txBody>
+      </p:sp>
+      <p:sp>
+        <p:nvSpPr>
+          <p:cNvPr id="3" name="Content Placeholder 2">
+            <a:extLst>
+              <a:ext uri="{FF2B5EF4-FFF2-40B4-BE49-F238E27FC236}">
+                <a16:creationId xmlns:a16="http://schemas.microsoft.com/office/drawing/2014/main" id="{7848CA9C-71C8-42D3-8285-1E340749ED6F}"/>
+              </a:ext>
+            </a:extLst>
+          </p:cNvPr>
+          <p:cNvSpPr>
+            <a:spLocks noGrp="1"/>
+          </p:cNvSpPr>
+          <p:nvPr>
+            <p:ph idx="1"/>
+          </p:nvPr>
+        </p:nvSpPr>
+        <p:spPr/>
+        <p:txBody>
+          <a:bodyPr/>
+          <a:lstStyle/>
+          <a:p>
+            <a:endParaRPr lang="en-US" dirty="0"/>
+          </a:p>
+        </p:txBody>
+      </p:sp>
+      <p:sp>
+        <p:nvSpPr>
+          <p:cNvPr id="4" name="Slide Number Placeholder 3">
+            <a:extLst>
+              <a:ext uri="{FF2B5EF4-FFF2-40B4-BE49-F238E27FC236}">
+                <a16:creationId xmlns:a16="http://schemas.microsoft.com/office/drawing/2014/main" id="{DDAEE3EF-C333-4932-A89F-B75A91972B5F}"/>
               </a:ext>
             </a:extLst>
           </p:cNvPr>
@@ -37879,100 +38746,10 @@
           </a:p>
         </p:txBody>
       </p:sp>
-      <p:sp>
-        <p:nvSpPr>
-          <p:cNvPr id="3" name="Title 2">
-            <a:extLst>
-              <a:ext uri="{FF2B5EF4-FFF2-40B4-BE49-F238E27FC236}">
-                <a16:creationId xmlns:a16="http://schemas.microsoft.com/office/drawing/2014/main" id="{AF19148D-561C-4F1F-BD6F-7A93071183EC}"/>
-              </a:ext>
-            </a:extLst>
-          </p:cNvPr>
-          <p:cNvSpPr>
-            <a:spLocks noGrp="1"/>
-          </p:cNvSpPr>
-          <p:nvPr>
-            <p:ph type="title"/>
-          </p:nvPr>
-        </p:nvSpPr>
-        <p:spPr/>
-        <p:txBody>
-          <a:bodyPr/>
-          <a:lstStyle/>
-          <a:p>
-            <a:r>
-              <a:rPr lang="nb-NO" dirty="0"/>
-              <a:t>Funn</a:t>
-            </a:r>
-          </a:p>
-        </p:txBody>
-      </p:sp>
-      <p:sp>
-        <p:nvSpPr>
-          <p:cNvPr id="4" name="Content Placeholder 3">
-            <a:extLst>
-              <a:ext uri="{FF2B5EF4-FFF2-40B4-BE49-F238E27FC236}">
-                <a16:creationId xmlns:a16="http://schemas.microsoft.com/office/drawing/2014/main" id="{53153F07-20CF-4087-971A-B382C001B88C}"/>
-              </a:ext>
-            </a:extLst>
-          </p:cNvPr>
-          <p:cNvSpPr>
-            <a:spLocks noGrp="1"/>
-          </p:cNvSpPr>
-          <p:nvPr>
-            <p:ph sz="half" idx="1"/>
-          </p:nvPr>
-        </p:nvSpPr>
-        <p:spPr/>
-        <p:txBody>
-          <a:bodyPr/>
-          <a:lstStyle/>
-          <a:p>
-            <a:r>
-              <a:rPr lang="nb-NO" dirty="0"/>
-              <a:t>Nøkkeltall</a:t>
-            </a:r>
-          </a:p>
-          <a:p>
-            <a:r>
-              <a:rPr lang="nb-NO" dirty="0"/>
-              <a:t>Relevante grafer og sammenhenger</a:t>
-            </a:r>
-          </a:p>
-          <a:p>
-            <a:endParaRPr lang="nb-NO" dirty="0"/>
-          </a:p>
-        </p:txBody>
-      </p:sp>
-      <p:sp>
-        <p:nvSpPr>
-          <p:cNvPr id="5" name="Content Placeholder 4">
-            <a:extLst>
-              <a:ext uri="{FF2B5EF4-FFF2-40B4-BE49-F238E27FC236}">
-                <a16:creationId xmlns:a16="http://schemas.microsoft.com/office/drawing/2014/main" id="{7F970FD7-BC50-4E5D-8C5F-CC4F168EDC1F}"/>
-              </a:ext>
-            </a:extLst>
-          </p:cNvPr>
-          <p:cNvSpPr>
-            <a:spLocks noGrp="1"/>
-          </p:cNvSpPr>
-          <p:nvPr>
-            <p:ph sz="half" idx="2"/>
-          </p:nvPr>
-        </p:nvSpPr>
-        <p:spPr/>
-        <p:txBody>
-          <a:bodyPr/>
-          <a:lstStyle/>
-          <a:p>
-            <a:endParaRPr lang="nb-NO"/>
-          </a:p>
-        </p:txBody>
-      </p:sp>
     </p:spTree>
     <p:extLst>
       <p:ext uri="{BB962C8B-B14F-4D97-AF65-F5344CB8AC3E}">
-        <p14:creationId xmlns:p14="http://schemas.microsoft.com/office/powerpoint/2010/main" val="3059062922"/>
+        <p14:creationId xmlns:p14="http://schemas.microsoft.com/office/powerpoint/2010/main" val="1502468263"/>
       </p:ext>
     </p:extLst>
   </p:cSld>
@@ -38807,14 +39584,6 @@
 </file>
 
 <file path=customXml/item1.xml><?xml version="1.0" encoding="utf-8"?>
-<p:properties xmlns:p="http://schemas.microsoft.com/office/2006/metadata/properties" xmlns:xsi="http://www.w3.org/2001/XMLSchema-instance" xmlns:pc="http://schemas.microsoft.com/office/infopath/2007/PartnerControls">
-  <documentManagement>
-    <MediaServiceKeyPoints xmlns="71af3243-3dd4-4a8d-8c0d-dd76da1f02a5" xsi:nil="true"/>
-  </documentManagement>
-</p:properties>
-</file>
-
-<file path=customXml/item2.xml><?xml version="1.0" encoding="utf-8"?>
 <ct:contentTypeSchema xmlns:ct="http://schemas.microsoft.com/office/2006/metadata/contentType" xmlns:ma="http://schemas.microsoft.com/office/2006/metadata/properties/metaAttributes" ct:_="" ma:_="" ma:contentTypeName="Document" ma:contentTypeID="0x01010079F111ED35F8CC479449609E8A0923A6" ma:contentTypeVersion="11" ma:contentTypeDescription="Create a new document." ma:contentTypeScope="" ma:versionID="9677210f24a1be23c92c90fd886aa0aa">
   <xsd:schema xmlns:xsd="http://www.w3.org/2001/XMLSchema" xmlns:xs="http://www.w3.org/2001/XMLSchema" xmlns:p="http://schemas.microsoft.com/office/2006/metadata/properties" xmlns:ns2="71af3243-3dd4-4a8d-8c0d-dd76da1f02a5" xmlns:ns3="16c05727-aa75-4e4a-9b5f-8a80a1165891" targetNamespace="http://schemas.microsoft.com/office/2006/metadata/properties" ma:root="true" ma:fieldsID="60e05723c5c1908df1a1a4ebf11d344e" ns2:_="" ns3:_="">
     <xsd:import namespace="71af3243-3dd4-4a8d-8c0d-dd76da1f02a5"/>
@@ -39025,6 +39794,14 @@
 </ct:contentTypeSchema>
 </file>
 
+<file path=customXml/item2.xml><?xml version="1.0" encoding="utf-8"?>
+<p:properties xmlns:p="http://schemas.microsoft.com/office/2006/metadata/properties" xmlns:xsi="http://www.w3.org/2001/XMLSchema-instance" xmlns:pc="http://schemas.microsoft.com/office/infopath/2007/PartnerControls">
+  <documentManagement>
+    <MediaServiceKeyPoints xmlns="71af3243-3dd4-4a8d-8c0d-dd76da1f02a5" xsi:nil="true"/>
+  </documentManagement>
+</p:properties>
+</file>
+
 <file path=customXml/item3.xml><?xml version="1.0" encoding="utf-8"?>
 <?mso-contentType ?>
 <FormTemplates xmlns="http://schemas.microsoft.com/sharepoint/v3/contenttype/forms">
@@ -39035,16 +39812,6 @@
 </file>
 
 <file path=customXml/itemProps1.xml><?xml version="1.0" encoding="utf-8"?>
-<ds:datastoreItem xmlns:ds="http://schemas.openxmlformats.org/officeDocument/2006/customXml" ds:itemID="{3C118CE8-9293-4220-BA3B-5D353B13ABC9}">
-  <ds:schemaRefs>
-    <ds:schemaRef ds:uri="http://schemas.microsoft.com/office/2006/metadata/properties"/>
-    <ds:schemaRef ds:uri="http://schemas.microsoft.com/office/infopath/2007/PartnerControls"/>
-    <ds:schemaRef ds:uri="71af3243-3dd4-4a8d-8c0d-dd76da1f02a5"/>
-  </ds:schemaRefs>
-</ds:datastoreItem>
-</file>
-
-<file path=customXml/itemProps2.xml><?xml version="1.0" encoding="utf-8"?>
 <ds:datastoreItem xmlns:ds="http://schemas.openxmlformats.org/officeDocument/2006/customXml" ds:itemID="{A426FE2C-7640-4BF0-9D68-FDFD4151FD5B}">
   <ds:schemaRefs>
     <ds:schemaRef ds:uri="http://schemas.microsoft.com/office/2006/metadata/contentType"/>
@@ -39063,6 +39830,16 @@
 </ds:datastoreItem>
 </file>
 
+<file path=customXml/itemProps2.xml><?xml version="1.0" encoding="utf-8"?>
+<ds:datastoreItem xmlns:ds="http://schemas.openxmlformats.org/officeDocument/2006/customXml" ds:itemID="{3C118CE8-9293-4220-BA3B-5D353B13ABC9}">
+  <ds:schemaRefs>
+    <ds:schemaRef ds:uri="http://schemas.microsoft.com/office/2006/metadata/properties"/>
+    <ds:schemaRef ds:uri="http://schemas.microsoft.com/office/infopath/2007/PartnerControls"/>
+    <ds:schemaRef ds:uri="71af3243-3dd4-4a8d-8c0d-dd76da1f02a5"/>
+  </ds:schemaRefs>
+</ds:datastoreItem>
+</file>
+
 <file path=customXml/itemProps3.xml><?xml version="1.0" encoding="utf-8"?>
 <ds:datastoreItem xmlns:ds="http://schemas.openxmlformats.org/officeDocument/2006/customXml" ds:itemID="{A2DDA16B-F3AC-4A5B-9F5F-6F5A8F47A9E6}">
   <ds:schemaRefs>

--- a/jama_presentation.pptx
+++ b/jama_presentation.pptx
@@ -5,43 +5,44 @@
     <p:sldMasterId id="2147483648" r:id="rId4"/>
   </p:sldMasterIdLst>
   <p:notesMasterIdLst>
-    <p:notesMasterId r:id="rId36"/>
+    <p:notesMasterId r:id="rId37"/>
   </p:notesMasterIdLst>
   <p:handoutMasterIdLst>
-    <p:handoutMasterId r:id="rId37"/>
+    <p:handoutMasterId r:id="rId38"/>
   </p:handoutMasterIdLst>
   <p:sldIdLst>
     <p:sldId id="289" r:id="rId5"/>
     <p:sldId id="311" r:id="rId6"/>
     <p:sldId id="310" r:id="rId7"/>
     <p:sldId id="297" r:id="rId8"/>
-    <p:sldId id="317" r:id="rId9"/>
-    <p:sldId id="315" r:id="rId10"/>
-    <p:sldId id="316" r:id="rId11"/>
-    <p:sldId id="313" r:id="rId12"/>
-    <p:sldId id="312" r:id="rId13"/>
-    <p:sldId id="306" r:id="rId14"/>
-    <p:sldId id="303" r:id="rId15"/>
-    <p:sldId id="309" r:id="rId16"/>
-    <p:sldId id="307" r:id="rId17"/>
-    <p:sldId id="304" r:id="rId18"/>
-    <p:sldId id="296" r:id="rId19"/>
-    <p:sldId id="301" r:id="rId20"/>
-    <p:sldId id="308" r:id="rId21"/>
-    <p:sldId id="286" r:id="rId22"/>
-    <p:sldId id="280" r:id="rId23"/>
-    <p:sldId id="272" r:id="rId24"/>
-    <p:sldId id="281" r:id="rId25"/>
-    <p:sldId id="291" r:id="rId26"/>
-    <p:sldId id="273" r:id="rId27"/>
-    <p:sldId id="264" r:id="rId28"/>
-    <p:sldId id="293" r:id="rId29"/>
-    <p:sldId id="268" r:id="rId30"/>
-    <p:sldId id="294" r:id="rId31"/>
-    <p:sldId id="278" r:id="rId32"/>
-    <p:sldId id="287" r:id="rId33"/>
-    <p:sldId id="295" r:id="rId34"/>
-    <p:sldId id="288" r:id="rId35"/>
+    <p:sldId id="318" r:id="rId9"/>
+    <p:sldId id="317" r:id="rId10"/>
+    <p:sldId id="315" r:id="rId11"/>
+    <p:sldId id="316" r:id="rId12"/>
+    <p:sldId id="313" r:id="rId13"/>
+    <p:sldId id="312" r:id="rId14"/>
+    <p:sldId id="306" r:id="rId15"/>
+    <p:sldId id="303" r:id="rId16"/>
+    <p:sldId id="309" r:id="rId17"/>
+    <p:sldId id="307" r:id="rId18"/>
+    <p:sldId id="304" r:id="rId19"/>
+    <p:sldId id="296" r:id="rId20"/>
+    <p:sldId id="301" r:id="rId21"/>
+    <p:sldId id="308" r:id="rId22"/>
+    <p:sldId id="286" r:id="rId23"/>
+    <p:sldId id="280" r:id="rId24"/>
+    <p:sldId id="272" r:id="rId25"/>
+    <p:sldId id="281" r:id="rId26"/>
+    <p:sldId id="291" r:id="rId27"/>
+    <p:sldId id="273" r:id="rId28"/>
+    <p:sldId id="264" r:id="rId29"/>
+    <p:sldId id="293" r:id="rId30"/>
+    <p:sldId id="268" r:id="rId31"/>
+    <p:sldId id="294" r:id="rId32"/>
+    <p:sldId id="278" r:id="rId33"/>
+    <p:sldId id="287" r:id="rId34"/>
+    <p:sldId id="295" r:id="rId35"/>
+    <p:sldId id="288" r:id="rId36"/>
   </p:sldIdLst>
   <p:sldSz cx="12192000" cy="6858000"/>
   <p:notesSz cx="6858000" cy="9144000"/>
@@ -9489,7 +9490,7 @@
           <a:p>
             <a:fld id="{DB120AE1-5DBC-4417-A73B-5F29B67C532C}" type="datetimeFigureOut">
               <a:rPr lang="en-US" smtClean="0"/>
-              <a:t>9/8/2021</a:t>
+              <a:t>9/9/2021</a:t>
             </a:fld>
             <a:endParaRPr lang="en-US" dirty="0"/>
           </a:p>
@@ -9666,7 +9667,7 @@
           <a:p>
             <a:fld id="{CB16A9CD-5E57-4C86-B862-09CA519924BA}" type="datetimeFigureOut">
               <a:rPr lang="en-US" smtClean="0"/>
-              <a:t>9/8/2021</a:t>
+              <a:t>9/9/2021</a:t>
             </a:fld>
             <a:endParaRPr lang="en-US" dirty="0"/>
           </a:p>
@@ -10082,7 +10083,7 @@
           <a:p>
             <a:fld id="{9CA004F4-F240-48F9-8AE1-486585C7F00D}" type="slidenum">
               <a:rPr lang="en-US" smtClean="0"/>
-              <a:t>25</a:t>
+              <a:t>26</a:t>
             </a:fld>
             <a:endParaRPr lang="en-US" dirty="0"/>
           </a:p>
@@ -10166,7 +10167,7 @@
           <a:p>
             <a:fld id="{9CA004F4-F240-48F9-8AE1-486585C7F00D}" type="slidenum">
               <a:rPr lang="en-US" smtClean="0"/>
-              <a:t>26</a:t>
+              <a:t>27</a:t>
             </a:fld>
             <a:endParaRPr lang="en-US" dirty="0"/>
           </a:p>
@@ -10250,7 +10251,7 @@
           <a:p>
             <a:fld id="{9CA004F4-F240-48F9-8AE1-486585C7F00D}" type="slidenum">
               <a:rPr lang="en-US" smtClean="0"/>
-              <a:t>27</a:t>
+              <a:t>28</a:t>
             </a:fld>
             <a:endParaRPr lang="en-US" dirty="0"/>
           </a:p>
@@ -10334,7 +10335,7 @@
           <a:p>
             <a:fld id="{9CA004F4-F240-48F9-8AE1-486585C7F00D}" type="slidenum">
               <a:rPr lang="en-US" smtClean="0"/>
-              <a:t>28</a:t>
+              <a:t>29</a:t>
             </a:fld>
             <a:endParaRPr lang="en-US" dirty="0"/>
           </a:p>
@@ -10418,7 +10419,7 @@
           <a:p>
             <a:fld id="{9CA004F4-F240-48F9-8AE1-486585C7F00D}" type="slidenum">
               <a:rPr lang="en-US" smtClean="0"/>
-              <a:t>29</a:t>
+              <a:t>30</a:t>
             </a:fld>
             <a:endParaRPr lang="en-US" dirty="0"/>
           </a:p>
@@ -10502,7 +10503,7 @@
           <a:p>
             <a:fld id="{9CA004F4-F240-48F9-8AE1-486585C7F00D}" type="slidenum">
               <a:rPr lang="en-US" smtClean="0"/>
-              <a:t>30</a:t>
+              <a:t>31</a:t>
             </a:fld>
             <a:endParaRPr lang="en-US" dirty="0"/>
           </a:p>
@@ -10586,7 +10587,7 @@
           <a:p>
             <a:fld id="{9CA004F4-F240-48F9-8AE1-486585C7F00D}" type="slidenum">
               <a:rPr lang="en-US" smtClean="0"/>
-              <a:t>31</a:t>
+              <a:t>32</a:t>
             </a:fld>
             <a:endParaRPr lang="en-US" dirty="0"/>
           </a:p>
@@ -10683,7 +10684,7 @@
           <a:p>
             <a:fld id="{9CA004F4-F240-48F9-8AE1-486585C7F00D}" type="slidenum">
               <a:rPr lang="en-US" smtClean="0"/>
-              <a:t>5</a:t>
+              <a:t>6</a:t>
             </a:fld>
             <a:endParaRPr lang="en-US" dirty="0"/>
           </a:p>
@@ -10767,7 +10768,7 @@
           <a:p>
             <a:fld id="{9CA004F4-F240-48F9-8AE1-486585C7F00D}" type="slidenum">
               <a:rPr lang="en-US" smtClean="0"/>
-              <a:t>18</a:t>
+              <a:t>19</a:t>
             </a:fld>
             <a:endParaRPr lang="en-US" dirty="0"/>
           </a:p>
@@ -10851,7 +10852,7 @@
           <a:p>
             <a:fld id="{9CA004F4-F240-48F9-8AE1-486585C7F00D}" type="slidenum">
               <a:rPr lang="en-US" smtClean="0"/>
-              <a:t>19</a:t>
+              <a:t>20</a:t>
             </a:fld>
             <a:endParaRPr lang="en-US" dirty="0"/>
           </a:p>
@@ -10935,7 +10936,7 @@
           <a:p>
             <a:fld id="{9CA004F4-F240-48F9-8AE1-486585C7F00D}" type="slidenum">
               <a:rPr lang="en-US" smtClean="0"/>
-              <a:t>20</a:t>
+              <a:t>21</a:t>
             </a:fld>
             <a:endParaRPr lang="en-US" dirty="0"/>
           </a:p>
@@ -11019,7 +11020,7 @@
           <a:p>
             <a:fld id="{9CA004F4-F240-48F9-8AE1-486585C7F00D}" type="slidenum">
               <a:rPr lang="en-US" smtClean="0"/>
-              <a:t>21</a:t>
+              <a:t>22</a:t>
             </a:fld>
             <a:endParaRPr lang="en-US" dirty="0"/>
           </a:p>
@@ -11103,7 +11104,7 @@
           <a:p>
             <a:fld id="{9CA004F4-F240-48F9-8AE1-486585C7F00D}" type="slidenum">
               <a:rPr lang="en-US" smtClean="0"/>
-              <a:t>22</a:t>
+              <a:t>23</a:t>
             </a:fld>
             <a:endParaRPr lang="en-US" dirty="0"/>
           </a:p>
@@ -11187,7 +11188,7 @@
           <a:p>
             <a:fld id="{9CA004F4-F240-48F9-8AE1-486585C7F00D}" type="slidenum">
               <a:rPr lang="en-US" smtClean="0"/>
-              <a:t>23</a:t>
+              <a:t>24</a:t>
             </a:fld>
             <a:endParaRPr lang="en-US" dirty="0"/>
           </a:p>
@@ -11271,7 +11272,7 @@
           <a:p>
             <a:fld id="{9CA004F4-F240-48F9-8AE1-486585C7F00D}" type="slidenum">
               <a:rPr lang="en-US" smtClean="0"/>
-              <a:t>24</a:t>
+              <a:t>25</a:t>
             </a:fld>
             <a:endParaRPr lang="en-US" dirty="0"/>
           </a:p>
@@ -11466,7 +11467,7 @@
           <a:p>
             <a:fld id="{8DA08ED5-AEFE-4443-9040-726EF6690995}" type="datetime1">
               <a:rPr lang="en-US" smtClean="0"/>
-              <a:t>9/8/2021</a:t>
+              <a:t>9/9/2021</a:t>
             </a:fld>
             <a:endParaRPr lang="en-US" dirty="0"/>
           </a:p>
@@ -11754,7 +11755,7 @@
           <a:p>
             <a:fld id="{397CD216-73DE-4B96-8E1B-BB64D86142BB}" type="datetime1">
               <a:rPr lang="en-US" smtClean="0"/>
-              <a:t>9/8/2021</a:t>
+              <a:t>9/9/2021</a:t>
             </a:fld>
             <a:endParaRPr lang="en-US" dirty="0"/>
           </a:p>
@@ -12185,7 +12186,7 @@
           <a:p>
             <a:fld id="{8C6D634D-0427-413D-A0D0-098959D06FEF}" type="datetime1">
               <a:rPr lang="en-US" smtClean="0"/>
-              <a:t>9/8/2021</a:t>
+              <a:t>9/9/2021</a:t>
             </a:fld>
             <a:endParaRPr lang="en-US" dirty="0"/>
           </a:p>
@@ -12983,7 +12984,7 @@
           <a:p>
             <a:fld id="{C6A5CD8C-7FEF-4E71-8EB9-D3BA6E2E3E9E}" type="datetime1">
               <a:rPr lang="en-US" smtClean="0"/>
-              <a:t>9/8/2021</a:t>
+              <a:t>9/9/2021</a:t>
             </a:fld>
             <a:endParaRPr lang="en-US" dirty="0"/>
           </a:p>
@@ -13153,7 +13154,7 @@
           <a:p>
             <a:fld id="{397CD216-73DE-4B96-8E1B-BB64D86142BB}" type="datetime1">
               <a:rPr lang="en-US" smtClean="0"/>
-              <a:t>9/8/2021</a:t>
+              <a:t>9/9/2021</a:t>
             </a:fld>
             <a:endParaRPr lang="en-US" dirty="0"/>
           </a:p>
@@ -13763,7 +13764,7 @@
           <a:p>
             <a:fld id="{8C6D634D-0427-413D-A0D0-098959D06FEF}" type="datetime1">
               <a:rPr lang="en-US" smtClean="0"/>
-              <a:t>9/8/2021</a:t>
+              <a:t>9/9/2021</a:t>
             </a:fld>
             <a:endParaRPr lang="en-US" dirty="0"/>
           </a:p>
@@ -14369,7 +14370,7 @@
           <a:p>
             <a:fld id="{0312561F-7E45-400C-8758-912CDFE9410A}" type="datetime1">
               <a:rPr lang="en-US" smtClean="0"/>
-              <a:t>9/8/2021</a:t>
+              <a:t>9/9/2021</a:t>
             </a:fld>
             <a:endParaRPr lang="en-US" dirty="0"/>
           </a:p>
@@ -14644,7 +14645,7 @@
           <a:p>
             <a:fld id="{85E24BC7-4CDB-41D7-81AF-9CE8473FF4B8}" type="datetime1">
               <a:rPr lang="en-US" smtClean="0"/>
-              <a:t>9/8/2021</a:t>
+              <a:t>9/9/2021</a:t>
             </a:fld>
             <a:endParaRPr lang="en-US" dirty="0"/>
           </a:p>
@@ -14938,7 +14939,7 @@
           <a:p>
             <a:fld id="{397CD216-73DE-4B96-8E1B-BB64D86142BB}" type="datetime1">
               <a:rPr lang="en-US" smtClean="0"/>
-              <a:t>9/8/2021</a:t>
+              <a:t>9/9/2021</a:t>
             </a:fld>
             <a:endParaRPr lang="en-US" dirty="0"/>
           </a:p>
@@ -15321,7 +15322,7 @@
           <a:p>
             <a:fld id="{C6A5CD8C-7FEF-4E71-8EB9-D3BA6E2E3E9E}" type="datetime1">
               <a:rPr lang="en-US" smtClean="0"/>
-              <a:t>9/8/2021</a:t>
+              <a:t>9/9/2021</a:t>
             </a:fld>
             <a:endParaRPr lang="en-US" dirty="0"/>
           </a:p>
@@ -15462,7 +15463,7 @@
           <a:p>
             <a:fld id="{4BE4379E-9B58-41EA-B928-5B1C8436A60E}" type="datetime1">
               <a:rPr lang="en-US" smtClean="0"/>
-              <a:t>9/8/2021</a:t>
+              <a:t>9/9/2021</a:t>
             </a:fld>
             <a:endParaRPr lang="en-US" dirty="0"/>
           </a:p>
@@ -15575,7 +15576,7 @@
           <a:p>
             <a:fld id="{40B0A371-51FE-4D99-BD87-6A650FCE519D}" type="datetime1">
               <a:rPr lang="en-US" smtClean="0"/>
-              <a:t>9/8/2021</a:t>
+              <a:t>9/9/2021</a:t>
             </a:fld>
             <a:endParaRPr lang="en-US" dirty="0"/>
           </a:p>
@@ -15886,7 +15887,7 @@
           <a:p>
             <a:fld id="{5FCF8CFF-A1C0-4B6C-AA8D-BE72CB14468D}" type="datetime1">
               <a:rPr lang="en-US" smtClean="0"/>
-              <a:t>9/8/2021</a:t>
+              <a:t>9/9/2021</a:t>
             </a:fld>
             <a:endParaRPr lang="en-US" dirty="0"/>
           </a:p>
@@ -16178,7 +16179,7 @@
           <a:p>
             <a:fld id="{8C6D634D-0427-413D-A0D0-098959D06FEF}" type="datetime1">
               <a:rPr lang="en-US" smtClean="0"/>
-              <a:t>9/8/2021</a:t>
+              <a:t>9/9/2021</a:t>
             </a:fld>
             <a:endParaRPr lang="en-US" dirty="0"/>
           </a:p>
@@ -16419,7 +16420,7 @@
           <a:p>
             <a:fld id="{3B2591E0-5367-4F2F-9C30-2087D79A846D}" type="datetime1">
               <a:rPr lang="en-US" noProof="0" smtClean="0"/>
-              <a:t>9/8/2021</a:t>
+              <a:t>9/9/2021</a:t>
             </a:fld>
             <a:endParaRPr lang="en-US" noProof="0" dirty="0"/>
           </a:p>
@@ -17228,6 +17229,123 @@
           <p:cNvPr id="2" name="Title 1">
             <a:extLst>
               <a:ext uri="{FF2B5EF4-FFF2-40B4-BE49-F238E27FC236}">
+                <a16:creationId xmlns:a16="http://schemas.microsoft.com/office/drawing/2014/main" id="{4FF35734-389F-453F-8E73-4C17E72F98C3}"/>
+              </a:ext>
+            </a:extLst>
+          </p:cNvPr>
+          <p:cNvSpPr>
+            <a:spLocks noGrp="1"/>
+          </p:cNvSpPr>
+          <p:nvPr>
+            <p:ph type="title"/>
+          </p:nvPr>
+        </p:nvSpPr>
+        <p:spPr/>
+        <p:txBody>
+          <a:bodyPr/>
+          <a:lstStyle/>
+          <a:p>
+            <a:r>
+              <a:rPr lang="en-US" dirty="0"/>
+              <a:t>Online </a:t>
+            </a:r>
+            <a:r>
+              <a:rPr lang="en-US" dirty="0" err="1"/>
+              <a:t>debatt</a:t>
+            </a:r>
+            <a:endParaRPr lang="en-US" dirty="0"/>
+          </a:p>
+        </p:txBody>
+      </p:sp>
+      <p:sp>
+        <p:nvSpPr>
+          <p:cNvPr id="3" name="Content Placeholder 2">
+            <a:extLst>
+              <a:ext uri="{FF2B5EF4-FFF2-40B4-BE49-F238E27FC236}">
+                <a16:creationId xmlns:a16="http://schemas.microsoft.com/office/drawing/2014/main" id="{7848CA9C-71C8-42D3-8285-1E340749ED6F}"/>
+              </a:ext>
+            </a:extLst>
+          </p:cNvPr>
+          <p:cNvSpPr>
+            <a:spLocks noGrp="1"/>
+          </p:cNvSpPr>
+          <p:nvPr>
+            <p:ph idx="1"/>
+          </p:nvPr>
+        </p:nvSpPr>
+        <p:spPr/>
+        <p:txBody>
+          <a:bodyPr/>
+          <a:lstStyle/>
+          <a:p>
+            <a:endParaRPr lang="en-US" dirty="0"/>
+          </a:p>
+        </p:txBody>
+      </p:sp>
+      <p:sp>
+        <p:nvSpPr>
+          <p:cNvPr id="4" name="Slide Number Placeholder 3">
+            <a:extLst>
+              <a:ext uri="{FF2B5EF4-FFF2-40B4-BE49-F238E27FC236}">
+                <a16:creationId xmlns:a16="http://schemas.microsoft.com/office/drawing/2014/main" id="{DDAEE3EF-C333-4932-A89F-B75A91972B5F}"/>
+              </a:ext>
+            </a:extLst>
+          </p:cNvPr>
+          <p:cNvSpPr>
+            <a:spLocks noGrp="1"/>
+          </p:cNvSpPr>
+          <p:nvPr>
+            <p:ph type="sldNum" sz="quarter" idx="12"/>
+          </p:nvPr>
+        </p:nvSpPr>
+        <p:spPr/>
+        <p:txBody>
+          <a:bodyPr/>
+          <a:lstStyle/>
+          <a:p>
+            <a:fld id="{82EE24B5-652C-4DB5-B7C3-B5BBEC1280B1}" type="slidenum">
+              <a:rPr lang="en-US" smtClean="0"/>
+              <a:t>10</a:t>
+            </a:fld>
+            <a:endParaRPr lang="en-US" dirty="0"/>
+          </a:p>
+        </p:txBody>
+      </p:sp>
+    </p:spTree>
+    <p:extLst>
+      <p:ext uri="{BB962C8B-B14F-4D97-AF65-F5344CB8AC3E}">
+        <p14:creationId xmlns:p14="http://schemas.microsoft.com/office/powerpoint/2010/main" val="1502468263"/>
+      </p:ext>
+    </p:extLst>
+  </p:cSld>
+  <p:clrMapOvr>
+    <a:masterClrMapping/>
+  </p:clrMapOvr>
+</p:sld>
+</file>
+
+<file path=ppt/slides/slide11.xml><?xml version="1.0" encoding="utf-8"?>
+<p:sld xmlns:a="http://schemas.openxmlformats.org/drawingml/2006/main" xmlns:r="http://schemas.openxmlformats.org/officeDocument/2006/relationships" xmlns:p="http://schemas.openxmlformats.org/presentationml/2006/main">
+  <p:cSld>
+    <p:spTree>
+      <p:nvGrpSpPr>
+        <p:cNvPr id="1" name=""/>
+        <p:cNvGrpSpPr/>
+        <p:nvPr/>
+      </p:nvGrpSpPr>
+      <p:grpSpPr>
+        <a:xfrm>
+          <a:off x="0" y="0"/>
+          <a:ext cx="0" cy="0"/>
+          <a:chOff x="0" y="0"/>
+          <a:chExt cx="0" cy="0"/>
+        </a:xfrm>
+      </p:grpSpPr>
+      <p:sp>
+        <p:nvSpPr>
+          <p:cNvPr id="2" name="Title 1">
+            <a:extLst>
+              <a:ext uri="{FF2B5EF4-FFF2-40B4-BE49-F238E27FC236}">
                 <a16:creationId xmlns:a16="http://schemas.microsoft.com/office/drawing/2014/main" id="{DC134033-2722-4BE4-A54E-3E0E65C325BE}"/>
               </a:ext>
             </a:extLst>
@@ -17365,7 +17483,7 @@
           <a:p>
             <a:fld id="{82EE24B5-652C-4DB5-B7C3-B5BBEC1280B1}" type="slidenum">
               <a:rPr lang="en-US" smtClean="0"/>
-              <a:t>10</a:t>
+              <a:t>11</a:t>
             </a:fld>
             <a:endParaRPr lang="en-US" dirty="0"/>
           </a:p>
@@ -17384,7 +17502,7 @@
 </p:sld>
 </file>
 
-<file path=ppt/slides/slide11.xml><?xml version="1.0" encoding="utf-8"?>
+<file path=ppt/slides/slide12.xml><?xml version="1.0" encoding="utf-8"?>
 <p:sld xmlns:a="http://schemas.openxmlformats.org/drawingml/2006/main" xmlns:r="http://schemas.openxmlformats.org/officeDocument/2006/relationships" xmlns:p="http://schemas.openxmlformats.org/presentationml/2006/main">
   <p:cSld>
     <p:spTree>
@@ -17558,7 +17676,7 @@
           <a:p>
             <a:fld id="{82EE24B5-652C-4DB5-B7C3-B5BBEC1280B1}" type="slidenum">
               <a:rPr lang="en-US" smtClean="0"/>
-              <a:t>11</a:t>
+              <a:t>12</a:t>
             </a:fld>
             <a:endParaRPr lang="en-US" dirty="0"/>
           </a:p>
@@ -17577,7 +17695,7 @@
 </p:sld>
 </file>
 
-<file path=ppt/slides/slide12.xml><?xml version="1.0" encoding="utf-8"?>
+<file path=ppt/slides/slide13.xml><?xml version="1.0" encoding="utf-8"?>
 <p:sld xmlns:a="http://schemas.openxmlformats.org/drawingml/2006/main" xmlns:r="http://schemas.openxmlformats.org/officeDocument/2006/relationships" xmlns:p="http://schemas.openxmlformats.org/presentationml/2006/main">
   <p:cSld>
     <p:spTree>
@@ -17753,7 +17871,7 @@
           <a:p>
             <a:fld id="{82EE24B5-652C-4DB5-B7C3-B5BBEC1280B1}" type="slidenum">
               <a:rPr lang="en-US" smtClean="0"/>
-              <a:t>12</a:t>
+              <a:t>13</a:t>
             </a:fld>
             <a:endParaRPr lang="en-US" dirty="0"/>
           </a:p>
@@ -17772,7 +17890,7 @@
 </p:sld>
 </file>
 
-<file path=ppt/slides/slide13.xml><?xml version="1.0" encoding="utf-8"?>
+<file path=ppt/slides/slide14.xml><?xml version="1.0" encoding="utf-8"?>
 <p:sld xmlns:a="http://schemas.openxmlformats.org/drawingml/2006/main" xmlns:r="http://schemas.openxmlformats.org/officeDocument/2006/relationships" xmlns:p="http://schemas.openxmlformats.org/presentationml/2006/main">
   <p:cSld>
     <p:spTree>
@@ -17885,7 +18003,7 @@
             <a:fld id="{82EE24B5-652C-4DB5-B7C3-B5BBEC1280B1}" type="slidenum">
               <a:rPr lang="en-US" smtClean="0"/>
               <a:pPr/>
-              <a:t>13</a:t>
+              <a:t>14</a:t>
             </a:fld>
             <a:endParaRPr lang="en-US" dirty="0"/>
           </a:p>
@@ -17904,7 +18022,7 @@
 </p:sld>
 </file>
 
-<file path=ppt/slides/slide14.xml><?xml version="1.0" encoding="utf-8"?>
+<file path=ppt/slides/slide15.xml><?xml version="1.0" encoding="utf-8"?>
 <p:sld xmlns:a="http://schemas.openxmlformats.org/drawingml/2006/main" xmlns:r="http://schemas.openxmlformats.org/officeDocument/2006/relationships" xmlns:p="http://schemas.openxmlformats.org/presentationml/2006/main">
   <p:cSld>
     <p:spTree>
@@ -17944,7 +18062,7 @@
           <a:p>
             <a:fld id="{82EE24B5-652C-4DB5-B7C3-B5BBEC1280B1}" type="slidenum">
               <a:rPr lang="en-US" smtClean="0"/>
-              <a:t>14</a:t>
+              <a:t>15</a:t>
             </a:fld>
             <a:endParaRPr lang="en-US" dirty="0"/>
           </a:p>
@@ -18053,7 +18171,7 @@
 </p:sld>
 </file>
 
-<file path=ppt/slides/slide15.xml><?xml version="1.0" encoding="utf-8"?>
+<file path=ppt/slides/slide16.xml><?xml version="1.0" encoding="utf-8"?>
 <p:sld xmlns:a="http://schemas.openxmlformats.org/drawingml/2006/main" xmlns:r="http://schemas.openxmlformats.org/officeDocument/2006/relationships" xmlns:p="http://schemas.openxmlformats.org/presentationml/2006/main">
   <p:cSld>
     <p:spTree>
@@ -18254,7 +18372,7 @@
           <a:p>
             <a:fld id="{82EE24B5-652C-4DB5-B7C3-B5BBEC1280B1}" type="slidenum">
               <a:rPr lang="en-US" smtClean="0"/>
-              <a:t>15</a:t>
+              <a:t>16</a:t>
             </a:fld>
             <a:endParaRPr lang="en-US" dirty="0"/>
           </a:p>
@@ -18273,7 +18391,7 @@
 </p:sld>
 </file>
 
-<file path=ppt/slides/slide16.xml><?xml version="1.0" encoding="utf-8"?>
+<file path=ppt/slides/slide17.xml><?xml version="1.0" encoding="utf-8"?>
 <p:sld xmlns:a="http://schemas.openxmlformats.org/drawingml/2006/main" xmlns:r="http://schemas.openxmlformats.org/officeDocument/2006/relationships" xmlns:p="http://schemas.openxmlformats.org/presentationml/2006/main">
   <p:cSld>
     <p:spTree>
@@ -18429,7 +18547,7 @@
           <a:p>
             <a:fld id="{82EE24B5-652C-4DB5-B7C3-B5BBEC1280B1}" type="slidenum">
               <a:rPr lang="en-US" smtClean="0"/>
-              <a:t>16</a:t>
+              <a:t>17</a:t>
             </a:fld>
             <a:endParaRPr lang="en-US" dirty="0"/>
           </a:p>
@@ -18448,7 +18566,7 @@
 </p:sld>
 </file>
 
-<file path=ppt/slides/slide17.xml><?xml version="1.0" encoding="utf-8"?>
+<file path=ppt/slides/slide18.xml><?xml version="1.0" encoding="utf-8"?>
 <p:sld xmlns:a="http://schemas.openxmlformats.org/drawingml/2006/main" xmlns:r="http://schemas.openxmlformats.org/officeDocument/2006/relationships" xmlns:p="http://schemas.openxmlformats.org/presentationml/2006/main">
   <p:cSld>
     <p:spTree>
@@ -18541,7 +18659,7 @@
           <a:p>
             <a:fld id="{82EE24B5-652C-4DB5-B7C3-B5BBEC1280B1}" type="slidenum">
               <a:rPr lang="en-US" smtClean="0"/>
-              <a:t>17</a:t>
+              <a:t>18</a:t>
             </a:fld>
             <a:endParaRPr lang="en-US" dirty="0"/>
           </a:p>
@@ -18560,7 +18678,7 @@
 </p:sld>
 </file>
 
-<file path=ppt/slides/slide18.xml><?xml version="1.0" encoding="utf-8"?>
+<file path=ppt/slides/slide19.xml><?xml version="1.0" encoding="utf-8"?>
 <p:sld xmlns:a="http://schemas.openxmlformats.org/drawingml/2006/main" xmlns:r="http://schemas.openxmlformats.org/officeDocument/2006/relationships" xmlns:p="http://schemas.openxmlformats.org/presentationml/2006/main">
   <p:cSld>
     <p:spTree>
@@ -18797,7 +18915,7 @@
           <a:p>
             <a:fld id="{82EE24B5-652C-4DB5-B7C3-B5BBEC1280B1}" type="slidenum">
               <a:rPr lang="en-US" smtClean="0"/>
-              <a:t>18</a:t>
+              <a:t>19</a:t>
             </a:fld>
             <a:endParaRPr lang="en-US" dirty="0"/>
           </a:p>
@@ -19090,7 +19208,264 @@
 </p:sld>
 </file>
 
-<file path=ppt/slides/slide19.xml><?xml version="1.0" encoding="utf-8"?>
+<file path=ppt/slides/slide2.xml><?xml version="1.0" encoding="utf-8"?>
+<p:sld xmlns:a="http://schemas.openxmlformats.org/drawingml/2006/main" xmlns:r="http://schemas.openxmlformats.org/officeDocument/2006/relationships" xmlns:p="http://schemas.openxmlformats.org/presentationml/2006/main">
+  <p:cSld>
+    <p:spTree>
+      <p:nvGrpSpPr>
+        <p:cNvPr id="1" name=""/>
+        <p:cNvGrpSpPr/>
+        <p:nvPr/>
+      </p:nvGrpSpPr>
+      <p:grpSpPr>
+        <a:xfrm>
+          <a:off x="0" y="0"/>
+          <a:ext cx="0" cy="0"/>
+          <a:chOff x="0" y="0"/>
+          <a:chExt cx="0" cy="0"/>
+        </a:xfrm>
+      </p:grpSpPr>
+      <p:sp>
+        <p:nvSpPr>
+          <p:cNvPr id="2" name="Title 1">
+            <a:extLst>
+              <a:ext uri="{FF2B5EF4-FFF2-40B4-BE49-F238E27FC236}">
+                <a16:creationId xmlns:a16="http://schemas.microsoft.com/office/drawing/2014/main" id="{8439BBD8-6728-4B37-A16F-A5111F8D47B8}"/>
+              </a:ext>
+            </a:extLst>
+          </p:cNvPr>
+          <p:cNvSpPr>
+            <a:spLocks noGrp="1"/>
+          </p:cNvSpPr>
+          <p:nvPr>
+            <p:ph type="title"/>
+          </p:nvPr>
+        </p:nvSpPr>
+        <p:spPr/>
+        <p:txBody>
+          <a:bodyPr/>
+          <a:lstStyle/>
+          <a:p>
+            <a:r>
+              <a:rPr lang="nb-NO" dirty="0"/>
+              <a:t>Plan:</a:t>
+            </a:r>
+          </a:p>
+        </p:txBody>
+      </p:sp>
+      <p:sp>
+        <p:nvSpPr>
+          <p:cNvPr id="6" name="Text Placeholder 5">
+            <a:extLst>
+              <a:ext uri="{FF2B5EF4-FFF2-40B4-BE49-F238E27FC236}">
+                <a16:creationId xmlns:a16="http://schemas.microsoft.com/office/drawing/2014/main" id="{14B7B9F5-DCB2-4C42-8011-E60EC9F375D2}"/>
+              </a:ext>
+            </a:extLst>
+          </p:cNvPr>
+          <p:cNvSpPr>
+            <a:spLocks noGrp="1"/>
+          </p:cNvSpPr>
+          <p:nvPr>
+            <p:ph type="body" idx="1"/>
+          </p:nvPr>
+        </p:nvSpPr>
+        <p:spPr/>
+        <p:txBody>
+          <a:bodyPr/>
+          <a:lstStyle/>
+          <a:p>
+            <a:r>
+              <a:rPr lang="nb-NO" dirty="0"/>
+              <a:t>UKE 1:</a:t>
+            </a:r>
+          </a:p>
+        </p:txBody>
+      </p:sp>
+      <p:sp>
+        <p:nvSpPr>
+          <p:cNvPr id="3" name="Content Placeholder 2">
+            <a:extLst>
+              <a:ext uri="{FF2B5EF4-FFF2-40B4-BE49-F238E27FC236}">
+                <a16:creationId xmlns:a16="http://schemas.microsoft.com/office/drawing/2014/main" id="{C420E915-0BCC-49DF-94AE-C0516529A325}"/>
+              </a:ext>
+            </a:extLst>
+          </p:cNvPr>
+          <p:cNvSpPr>
+            <a:spLocks noGrp="1"/>
+          </p:cNvSpPr>
+          <p:nvPr>
+            <p:ph sz="half" idx="2"/>
+          </p:nvPr>
+        </p:nvSpPr>
+        <p:spPr/>
+        <p:txBody>
+          <a:bodyPr/>
+          <a:lstStyle/>
+          <a:p>
+            <a:r>
+              <a:rPr lang="nb-NO" dirty="0"/>
+              <a:t>Mandag: Preppe data, hente og skrive til </a:t>
+            </a:r>
+            <a:r>
+              <a:rPr lang="nb-NO" dirty="0" err="1"/>
+              <a:t>csv</a:t>
+            </a:r>
+            <a:endParaRPr lang="nb-NO" dirty="0"/>
+          </a:p>
+          <a:p>
+            <a:r>
+              <a:rPr lang="nb-NO" dirty="0"/>
+              <a:t>Tirsdag: Bli kjent med YTAPI, visualisering, krige i </a:t>
+            </a:r>
+            <a:r>
+              <a:rPr lang="nb-NO" dirty="0" err="1"/>
+              <a:t>git</a:t>
+            </a:r>
+            <a:endParaRPr lang="nb-NO" dirty="0"/>
+          </a:p>
+          <a:p>
+            <a:r>
+              <a:rPr lang="nb-NO" dirty="0"/>
+              <a:t>Onsdag: Last til database, tegne diagrammer</a:t>
+            </a:r>
+          </a:p>
+          <a:p>
+            <a:r>
+              <a:rPr lang="nb-NO" dirty="0"/>
+              <a:t>Torsdag</a:t>
+            </a:r>
+          </a:p>
+          <a:p>
+            <a:r>
+              <a:rPr lang="nb-NO" dirty="0"/>
+              <a:t>Fredag</a:t>
+            </a:r>
+          </a:p>
+        </p:txBody>
+      </p:sp>
+      <p:sp>
+        <p:nvSpPr>
+          <p:cNvPr id="7" name="Text Placeholder 6">
+            <a:extLst>
+              <a:ext uri="{FF2B5EF4-FFF2-40B4-BE49-F238E27FC236}">
+                <a16:creationId xmlns:a16="http://schemas.microsoft.com/office/drawing/2014/main" id="{F8D7AEC8-95B0-4A02-9851-AEC8F50B6D78}"/>
+              </a:ext>
+            </a:extLst>
+          </p:cNvPr>
+          <p:cNvSpPr>
+            <a:spLocks noGrp="1"/>
+          </p:cNvSpPr>
+          <p:nvPr>
+            <p:ph type="body" sz="quarter" idx="3"/>
+          </p:nvPr>
+        </p:nvSpPr>
+        <p:spPr/>
+        <p:txBody>
+          <a:bodyPr/>
+          <a:lstStyle/>
+          <a:p>
+            <a:r>
+              <a:rPr lang="nb-NO" dirty="0"/>
+              <a:t>UKE 2: </a:t>
+            </a:r>
+          </a:p>
+        </p:txBody>
+      </p:sp>
+      <p:sp>
+        <p:nvSpPr>
+          <p:cNvPr id="5" name="Content Placeholder 4">
+            <a:extLst>
+              <a:ext uri="{FF2B5EF4-FFF2-40B4-BE49-F238E27FC236}">
+                <a16:creationId xmlns:a16="http://schemas.microsoft.com/office/drawing/2014/main" id="{3D842FEB-4ABD-4201-8149-FC3786DC318A}"/>
+              </a:ext>
+            </a:extLst>
+          </p:cNvPr>
+          <p:cNvSpPr>
+            <a:spLocks noGrp="1"/>
+          </p:cNvSpPr>
+          <p:nvPr>
+            <p:ph sz="quarter" idx="4"/>
+          </p:nvPr>
+        </p:nvSpPr>
+        <p:spPr/>
+        <p:txBody>
+          <a:bodyPr/>
+          <a:lstStyle/>
+          <a:p>
+            <a:r>
+              <a:rPr lang="nb-NO" dirty="0"/>
+              <a:t>Mandag:</a:t>
+            </a:r>
+          </a:p>
+          <a:p>
+            <a:r>
+              <a:rPr lang="nb-NO" dirty="0"/>
+              <a:t>Tirsdag:</a:t>
+            </a:r>
+          </a:p>
+          <a:p>
+            <a:r>
+              <a:rPr lang="nb-NO" dirty="0"/>
+              <a:t>Onsdag: </a:t>
+            </a:r>
+          </a:p>
+          <a:p>
+            <a:r>
+              <a:rPr lang="nb-NO" dirty="0"/>
+              <a:t>Torsdag:</a:t>
+            </a:r>
+          </a:p>
+          <a:p>
+            <a:r>
+              <a:rPr lang="nb-NO" dirty="0"/>
+              <a:t>Fredag: Presentasjon!</a:t>
+            </a:r>
+          </a:p>
+        </p:txBody>
+      </p:sp>
+      <p:sp>
+        <p:nvSpPr>
+          <p:cNvPr id="4" name="Slide Number Placeholder 3">
+            <a:extLst>
+              <a:ext uri="{FF2B5EF4-FFF2-40B4-BE49-F238E27FC236}">
+                <a16:creationId xmlns:a16="http://schemas.microsoft.com/office/drawing/2014/main" id="{CD0B905A-B40E-449E-B86C-A24A7EDA8E00}"/>
+              </a:ext>
+            </a:extLst>
+          </p:cNvPr>
+          <p:cNvSpPr>
+            <a:spLocks noGrp="1"/>
+          </p:cNvSpPr>
+          <p:nvPr>
+            <p:ph type="sldNum" sz="quarter" idx="12"/>
+          </p:nvPr>
+        </p:nvSpPr>
+        <p:spPr/>
+        <p:txBody>
+          <a:bodyPr/>
+          <a:lstStyle/>
+          <a:p>
+            <a:fld id="{82EE24B5-652C-4DB5-B7C3-B5BBEC1280B1}" type="slidenum">
+              <a:rPr lang="en-US" smtClean="0"/>
+              <a:t>2</a:t>
+            </a:fld>
+            <a:endParaRPr lang="en-US" dirty="0"/>
+          </a:p>
+        </p:txBody>
+      </p:sp>
+    </p:spTree>
+    <p:extLst>
+      <p:ext uri="{BB962C8B-B14F-4D97-AF65-F5344CB8AC3E}">
+        <p14:creationId xmlns:p14="http://schemas.microsoft.com/office/powerpoint/2010/main" val="1513310654"/>
+      </p:ext>
+    </p:extLst>
+  </p:cSld>
+  <p:clrMapOvr>
+    <a:masterClrMapping/>
+  </p:clrMapOvr>
+</p:sld>
+</file>
+
+<file path=ppt/slides/slide20.xml><?xml version="1.0" encoding="utf-8"?>
 <p:sld xmlns:a="http://schemas.openxmlformats.org/drawingml/2006/main" xmlns:r="http://schemas.openxmlformats.org/officeDocument/2006/relationships" xmlns:p="http://schemas.openxmlformats.org/presentationml/2006/main">
   <p:cSld>
     <p:spTree>
@@ -19312,7 +19687,7 @@
           <a:p>
             <a:fld id="{82EE24B5-652C-4DB5-B7C3-B5BBEC1280B1}" type="slidenum">
               <a:rPr lang="en-US" smtClean="0"/>
-              <a:t>19</a:t>
+              <a:t>20</a:t>
             </a:fld>
             <a:endParaRPr lang="en-US" dirty="0"/>
           </a:p>
@@ -20684,264 +21059,7 @@
 </p:sld>
 </file>
 
-<file path=ppt/slides/slide2.xml><?xml version="1.0" encoding="utf-8"?>
-<p:sld xmlns:a="http://schemas.openxmlformats.org/drawingml/2006/main" xmlns:r="http://schemas.openxmlformats.org/officeDocument/2006/relationships" xmlns:p="http://schemas.openxmlformats.org/presentationml/2006/main">
-  <p:cSld>
-    <p:spTree>
-      <p:nvGrpSpPr>
-        <p:cNvPr id="1" name=""/>
-        <p:cNvGrpSpPr/>
-        <p:nvPr/>
-      </p:nvGrpSpPr>
-      <p:grpSpPr>
-        <a:xfrm>
-          <a:off x="0" y="0"/>
-          <a:ext cx="0" cy="0"/>
-          <a:chOff x="0" y="0"/>
-          <a:chExt cx="0" cy="0"/>
-        </a:xfrm>
-      </p:grpSpPr>
-      <p:sp>
-        <p:nvSpPr>
-          <p:cNvPr id="2" name="Title 1">
-            <a:extLst>
-              <a:ext uri="{FF2B5EF4-FFF2-40B4-BE49-F238E27FC236}">
-                <a16:creationId xmlns:a16="http://schemas.microsoft.com/office/drawing/2014/main" id="{8439BBD8-6728-4B37-A16F-A5111F8D47B8}"/>
-              </a:ext>
-            </a:extLst>
-          </p:cNvPr>
-          <p:cNvSpPr>
-            <a:spLocks noGrp="1"/>
-          </p:cNvSpPr>
-          <p:nvPr>
-            <p:ph type="title"/>
-          </p:nvPr>
-        </p:nvSpPr>
-        <p:spPr/>
-        <p:txBody>
-          <a:bodyPr/>
-          <a:lstStyle/>
-          <a:p>
-            <a:r>
-              <a:rPr lang="nb-NO" dirty="0"/>
-              <a:t>Plan:</a:t>
-            </a:r>
-          </a:p>
-        </p:txBody>
-      </p:sp>
-      <p:sp>
-        <p:nvSpPr>
-          <p:cNvPr id="6" name="Text Placeholder 5">
-            <a:extLst>
-              <a:ext uri="{FF2B5EF4-FFF2-40B4-BE49-F238E27FC236}">
-                <a16:creationId xmlns:a16="http://schemas.microsoft.com/office/drawing/2014/main" id="{14B7B9F5-DCB2-4C42-8011-E60EC9F375D2}"/>
-              </a:ext>
-            </a:extLst>
-          </p:cNvPr>
-          <p:cNvSpPr>
-            <a:spLocks noGrp="1"/>
-          </p:cNvSpPr>
-          <p:nvPr>
-            <p:ph type="body" idx="1"/>
-          </p:nvPr>
-        </p:nvSpPr>
-        <p:spPr/>
-        <p:txBody>
-          <a:bodyPr/>
-          <a:lstStyle/>
-          <a:p>
-            <a:r>
-              <a:rPr lang="nb-NO" dirty="0"/>
-              <a:t>UKE 1:</a:t>
-            </a:r>
-          </a:p>
-        </p:txBody>
-      </p:sp>
-      <p:sp>
-        <p:nvSpPr>
-          <p:cNvPr id="3" name="Content Placeholder 2">
-            <a:extLst>
-              <a:ext uri="{FF2B5EF4-FFF2-40B4-BE49-F238E27FC236}">
-                <a16:creationId xmlns:a16="http://schemas.microsoft.com/office/drawing/2014/main" id="{C420E915-0BCC-49DF-94AE-C0516529A325}"/>
-              </a:ext>
-            </a:extLst>
-          </p:cNvPr>
-          <p:cNvSpPr>
-            <a:spLocks noGrp="1"/>
-          </p:cNvSpPr>
-          <p:nvPr>
-            <p:ph sz="half" idx="2"/>
-          </p:nvPr>
-        </p:nvSpPr>
-        <p:spPr/>
-        <p:txBody>
-          <a:bodyPr/>
-          <a:lstStyle/>
-          <a:p>
-            <a:r>
-              <a:rPr lang="nb-NO" dirty="0"/>
-              <a:t>Mandag: Preppe data, hente og skrive til </a:t>
-            </a:r>
-            <a:r>
-              <a:rPr lang="nb-NO" dirty="0" err="1"/>
-              <a:t>csv</a:t>
-            </a:r>
-            <a:endParaRPr lang="nb-NO" dirty="0"/>
-          </a:p>
-          <a:p>
-            <a:r>
-              <a:rPr lang="nb-NO" dirty="0"/>
-              <a:t>Tirsdag: Bli kjent med YTAPI, visualisering, krige i </a:t>
-            </a:r>
-            <a:r>
-              <a:rPr lang="nb-NO" dirty="0" err="1"/>
-              <a:t>git</a:t>
-            </a:r>
-            <a:endParaRPr lang="nb-NO" dirty="0"/>
-          </a:p>
-          <a:p>
-            <a:r>
-              <a:rPr lang="nb-NO" dirty="0"/>
-              <a:t>Onsdag: Last til database, tegne diagrammer</a:t>
-            </a:r>
-          </a:p>
-          <a:p>
-            <a:r>
-              <a:rPr lang="nb-NO" dirty="0"/>
-              <a:t>Torsdag</a:t>
-            </a:r>
-          </a:p>
-          <a:p>
-            <a:r>
-              <a:rPr lang="nb-NO" dirty="0"/>
-              <a:t>Fredag</a:t>
-            </a:r>
-          </a:p>
-        </p:txBody>
-      </p:sp>
-      <p:sp>
-        <p:nvSpPr>
-          <p:cNvPr id="7" name="Text Placeholder 6">
-            <a:extLst>
-              <a:ext uri="{FF2B5EF4-FFF2-40B4-BE49-F238E27FC236}">
-                <a16:creationId xmlns:a16="http://schemas.microsoft.com/office/drawing/2014/main" id="{F8D7AEC8-95B0-4A02-9851-AEC8F50B6D78}"/>
-              </a:ext>
-            </a:extLst>
-          </p:cNvPr>
-          <p:cNvSpPr>
-            <a:spLocks noGrp="1"/>
-          </p:cNvSpPr>
-          <p:nvPr>
-            <p:ph type="body" sz="quarter" idx="3"/>
-          </p:nvPr>
-        </p:nvSpPr>
-        <p:spPr/>
-        <p:txBody>
-          <a:bodyPr/>
-          <a:lstStyle/>
-          <a:p>
-            <a:r>
-              <a:rPr lang="nb-NO" dirty="0"/>
-              <a:t>UKE 2: </a:t>
-            </a:r>
-          </a:p>
-        </p:txBody>
-      </p:sp>
-      <p:sp>
-        <p:nvSpPr>
-          <p:cNvPr id="5" name="Content Placeholder 4">
-            <a:extLst>
-              <a:ext uri="{FF2B5EF4-FFF2-40B4-BE49-F238E27FC236}">
-                <a16:creationId xmlns:a16="http://schemas.microsoft.com/office/drawing/2014/main" id="{3D842FEB-4ABD-4201-8149-FC3786DC318A}"/>
-              </a:ext>
-            </a:extLst>
-          </p:cNvPr>
-          <p:cNvSpPr>
-            <a:spLocks noGrp="1"/>
-          </p:cNvSpPr>
-          <p:nvPr>
-            <p:ph sz="quarter" idx="4"/>
-          </p:nvPr>
-        </p:nvSpPr>
-        <p:spPr/>
-        <p:txBody>
-          <a:bodyPr/>
-          <a:lstStyle/>
-          <a:p>
-            <a:r>
-              <a:rPr lang="nb-NO" dirty="0"/>
-              <a:t>Mandag:</a:t>
-            </a:r>
-          </a:p>
-          <a:p>
-            <a:r>
-              <a:rPr lang="nb-NO" dirty="0"/>
-              <a:t>Tirsdag:</a:t>
-            </a:r>
-          </a:p>
-          <a:p>
-            <a:r>
-              <a:rPr lang="nb-NO" dirty="0"/>
-              <a:t>Onsdag: </a:t>
-            </a:r>
-          </a:p>
-          <a:p>
-            <a:r>
-              <a:rPr lang="nb-NO" dirty="0"/>
-              <a:t>Torsdag:</a:t>
-            </a:r>
-          </a:p>
-          <a:p>
-            <a:r>
-              <a:rPr lang="nb-NO" dirty="0"/>
-              <a:t>Fredag: Presentasjon!</a:t>
-            </a:r>
-          </a:p>
-        </p:txBody>
-      </p:sp>
-      <p:sp>
-        <p:nvSpPr>
-          <p:cNvPr id="4" name="Slide Number Placeholder 3">
-            <a:extLst>
-              <a:ext uri="{FF2B5EF4-FFF2-40B4-BE49-F238E27FC236}">
-                <a16:creationId xmlns:a16="http://schemas.microsoft.com/office/drawing/2014/main" id="{CD0B905A-B40E-449E-B86C-A24A7EDA8E00}"/>
-              </a:ext>
-            </a:extLst>
-          </p:cNvPr>
-          <p:cNvSpPr>
-            <a:spLocks noGrp="1"/>
-          </p:cNvSpPr>
-          <p:nvPr>
-            <p:ph type="sldNum" sz="quarter" idx="12"/>
-          </p:nvPr>
-        </p:nvSpPr>
-        <p:spPr/>
-        <p:txBody>
-          <a:bodyPr/>
-          <a:lstStyle/>
-          <a:p>
-            <a:fld id="{82EE24B5-652C-4DB5-B7C3-B5BBEC1280B1}" type="slidenum">
-              <a:rPr lang="en-US" smtClean="0"/>
-              <a:t>2</a:t>
-            </a:fld>
-            <a:endParaRPr lang="en-US" dirty="0"/>
-          </a:p>
-        </p:txBody>
-      </p:sp>
-    </p:spTree>
-    <p:extLst>
-      <p:ext uri="{BB962C8B-B14F-4D97-AF65-F5344CB8AC3E}">
-        <p14:creationId xmlns:p14="http://schemas.microsoft.com/office/powerpoint/2010/main" val="1513310654"/>
-      </p:ext>
-    </p:extLst>
-  </p:cSld>
-  <p:clrMapOvr>
-    <a:masterClrMapping/>
-  </p:clrMapOvr>
-</p:sld>
-</file>
-
-<file path=ppt/slides/slide20.xml><?xml version="1.0" encoding="utf-8"?>
+<file path=ppt/slides/slide21.xml><?xml version="1.0" encoding="utf-8"?>
 <p:sld xmlns:a="http://schemas.openxmlformats.org/drawingml/2006/main" xmlns:r="http://schemas.openxmlformats.org/officeDocument/2006/relationships" xmlns:p="http://schemas.openxmlformats.org/presentationml/2006/main">
   <p:cSld>
     <p:spTree>
@@ -21011,7 +21129,7 @@
           <a:p>
             <a:fld id="{82EE24B5-652C-4DB5-B7C3-B5BBEC1280B1}" type="slidenum">
               <a:rPr lang="en-US" smtClean="0"/>
-              <a:t>20</a:t>
+              <a:t>21</a:t>
             </a:fld>
             <a:endParaRPr lang="en-US" dirty="0"/>
           </a:p>
@@ -24752,7 +24870,7 @@
 </p:sld>
 </file>
 
-<file path=ppt/slides/slide21.xml><?xml version="1.0" encoding="utf-8"?>
+<file path=ppt/slides/slide22.xml><?xml version="1.0" encoding="utf-8"?>
 <p:sld xmlns:a="http://schemas.openxmlformats.org/drawingml/2006/main" xmlns:r="http://schemas.openxmlformats.org/officeDocument/2006/relationships" xmlns:p="http://schemas.openxmlformats.org/presentationml/2006/main">
   <p:cSld>
     <p:spTree>
@@ -25063,7 +25181,7 @@
           <a:p>
             <a:fld id="{82EE24B5-652C-4DB5-B7C3-B5BBEC1280B1}" type="slidenum">
               <a:rPr lang="en-US" smtClean="0"/>
-              <a:t>21</a:t>
+              <a:t>22</a:t>
             </a:fld>
             <a:endParaRPr lang="en-US" dirty="0"/>
           </a:p>
@@ -25304,7 +25422,7 @@
 </p:sld>
 </file>
 
-<file path=ppt/slides/slide22.xml><?xml version="1.0" encoding="utf-8"?>
+<file path=ppt/slides/slide23.xml><?xml version="1.0" encoding="utf-8"?>
 <p:sld xmlns:a="http://schemas.openxmlformats.org/drawingml/2006/main" xmlns:r="http://schemas.openxmlformats.org/officeDocument/2006/relationships" xmlns:p="http://schemas.openxmlformats.org/presentationml/2006/main">
   <p:cSld>
     <p:spTree>
@@ -25344,7 +25462,7 @@
           <a:p>
             <a:fld id="{82EE24B5-652C-4DB5-B7C3-B5BBEC1280B1}" type="slidenum">
               <a:rPr lang="en-US" smtClean="0"/>
-              <a:t>22</a:t>
+              <a:t>23</a:t>
             </a:fld>
             <a:endParaRPr lang="en-US" dirty="0"/>
           </a:p>
@@ -26400,7 +26518,7 @@
 </p:sld>
 </file>
 
-<file path=ppt/slides/slide23.xml><?xml version="1.0" encoding="utf-8"?>
+<file path=ppt/slides/slide24.xml><?xml version="1.0" encoding="utf-8"?>
 <p:sld xmlns:a="http://schemas.openxmlformats.org/drawingml/2006/main" xmlns:r="http://schemas.openxmlformats.org/officeDocument/2006/relationships" xmlns:p="http://schemas.openxmlformats.org/presentationml/2006/main">
   <p:cSld>
     <p:spTree>
@@ -26913,7 +27031,7 @@
           <a:p>
             <a:fld id="{82EE24B5-652C-4DB5-B7C3-B5BBEC1280B1}" type="slidenum">
               <a:rPr lang="en-US" smtClean="0"/>
-              <a:t>23</a:t>
+              <a:t>24</a:t>
             </a:fld>
             <a:endParaRPr lang="en-US" dirty="0"/>
           </a:p>
@@ -27494,7 +27612,7 @@
 </p:sld>
 </file>
 
-<file path=ppt/slides/slide24.xml><?xml version="1.0" encoding="utf-8"?>
+<file path=ppt/slides/slide25.xml><?xml version="1.0" encoding="utf-8"?>
 <p:sld xmlns:a="http://schemas.openxmlformats.org/drawingml/2006/main" xmlns:r="http://schemas.openxmlformats.org/officeDocument/2006/relationships" xmlns:p="http://schemas.openxmlformats.org/presentationml/2006/main">
   <p:cSld>
     <p:spTree>
@@ -27562,7 +27680,7 @@
           <a:p>
             <a:fld id="{82EE24B5-652C-4DB5-B7C3-B5BBEC1280B1}" type="slidenum">
               <a:rPr lang="en-US" smtClean="0"/>
-              <a:t>24</a:t>
+              <a:t>25</a:t>
             </a:fld>
             <a:endParaRPr lang="en-US" dirty="0"/>
           </a:p>
@@ -28912,7 +29030,7 @@
 </p:sld>
 </file>
 
-<file path=ppt/slides/slide25.xml><?xml version="1.0" encoding="utf-8"?>
+<file path=ppt/slides/slide26.xml><?xml version="1.0" encoding="utf-8"?>
 <p:sld xmlns:a="http://schemas.openxmlformats.org/drawingml/2006/main" xmlns:r="http://schemas.openxmlformats.org/officeDocument/2006/relationships" xmlns:p="http://schemas.openxmlformats.org/presentationml/2006/main">
   <p:cSld>
     <p:spTree>
@@ -29153,7 +29271,7 @@
           <a:p>
             <a:fld id="{82EE24B5-652C-4DB5-B7C3-B5BBEC1280B1}" type="slidenum">
               <a:rPr lang="en-US" smtClean="0"/>
-              <a:t>25</a:t>
+              <a:t>26</a:t>
             </a:fld>
             <a:endParaRPr lang="en-US" dirty="0"/>
           </a:p>
@@ -31663,7 +31781,7 @@
 </p:sld>
 </file>
 
-<file path=ppt/slides/slide26.xml><?xml version="1.0" encoding="utf-8"?>
+<file path=ppt/slides/slide27.xml><?xml version="1.0" encoding="utf-8"?>
 <p:sld xmlns:a="http://schemas.openxmlformats.org/drawingml/2006/main" xmlns:r="http://schemas.openxmlformats.org/officeDocument/2006/relationships" xmlns:p="http://schemas.openxmlformats.org/presentationml/2006/main">
   <p:cSld>
     <p:spTree>
@@ -32009,7 +32127,7 @@
           <a:p>
             <a:fld id="{82EE24B5-652C-4DB5-B7C3-B5BBEC1280B1}" type="slidenum">
               <a:rPr lang="en-US" smtClean="0"/>
-              <a:t>26</a:t>
+              <a:t>27</a:t>
             </a:fld>
             <a:endParaRPr lang="en-US" dirty="0"/>
           </a:p>
@@ -32435,7 +32553,7 @@
 </p:sld>
 </file>
 
-<file path=ppt/slides/slide27.xml><?xml version="1.0" encoding="utf-8"?>
+<file path=ppt/slides/slide28.xml><?xml version="1.0" encoding="utf-8"?>
 <p:sld xmlns:a="http://schemas.openxmlformats.org/drawingml/2006/main" xmlns:r="http://schemas.openxmlformats.org/officeDocument/2006/relationships" xmlns:p="http://schemas.openxmlformats.org/presentationml/2006/main">
   <p:cSld>
     <p:spTree>
@@ -32513,7 +32631,7 @@
           <a:p>
             <a:fld id="{82EE24B5-652C-4DB5-B7C3-B5BBEC1280B1}" type="slidenum">
               <a:rPr lang="en-US" smtClean="0"/>
-              <a:t>27</a:t>
+              <a:t>28</a:t>
             </a:fld>
             <a:endParaRPr lang="en-US" dirty="0"/>
           </a:p>
@@ -34491,7 +34609,7 @@
 </p:sld>
 </file>
 
-<file path=ppt/slides/slide28.xml><?xml version="1.0" encoding="utf-8"?>
+<file path=ppt/slides/slide29.xml><?xml version="1.0" encoding="utf-8"?>
 <p:sld xmlns:a="http://schemas.openxmlformats.org/drawingml/2006/main" xmlns:r="http://schemas.openxmlformats.org/officeDocument/2006/relationships" xmlns:p="http://schemas.openxmlformats.org/presentationml/2006/main">
   <p:cSld>
     <p:spTree>
@@ -34638,7 +34756,7 @@
           <a:p>
             <a:fld id="{82EE24B5-652C-4DB5-B7C3-B5BBEC1280B1}" type="slidenum">
               <a:rPr lang="en-US" smtClean="0"/>
-              <a:t>28</a:t>
+              <a:t>29</a:t>
             </a:fld>
             <a:endParaRPr lang="en-US" dirty="0"/>
           </a:p>
@@ -34985,7 +35103,119 @@
 </p:sld>
 </file>
 
-<file path=ppt/slides/slide29.xml><?xml version="1.0" encoding="utf-8"?>
+<file path=ppt/slides/slide3.xml><?xml version="1.0" encoding="utf-8"?>
+<p:sld xmlns:a="http://schemas.openxmlformats.org/drawingml/2006/main" xmlns:r="http://schemas.openxmlformats.org/officeDocument/2006/relationships" xmlns:p="http://schemas.openxmlformats.org/presentationml/2006/main">
+  <p:cSld>
+    <p:spTree>
+      <p:nvGrpSpPr>
+        <p:cNvPr id="1" name=""/>
+        <p:cNvGrpSpPr/>
+        <p:nvPr/>
+      </p:nvGrpSpPr>
+      <p:grpSpPr>
+        <a:xfrm>
+          <a:off x="0" y="0"/>
+          <a:ext cx="0" cy="0"/>
+          <a:chOff x="0" y="0"/>
+          <a:chExt cx="0" cy="0"/>
+        </a:xfrm>
+      </p:grpSpPr>
+      <p:sp>
+        <p:nvSpPr>
+          <p:cNvPr id="2" name="Title 1">
+            <a:extLst>
+              <a:ext uri="{FF2B5EF4-FFF2-40B4-BE49-F238E27FC236}">
+                <a16:creationId xmlns:a16="http://schemas.microsoft.com/office/drawing/2014/main" id="{E7633C84-D780-4B74-9A5B-FF87B5E22347}"/>
+              </a:ext>
+            </a:extLst>
+          </p:cNvPr>
+          <p:cNvSpPr>
+            <a:spLocks noGrp="1"/>
+          </p:cNvSpPr>
+          <p:nvPr>
+            <p:ph type="title"/>
+          </p:nvPr>
+        </p:nvSpPr>
+        <p:spPr/>
+        <p:txBody>
+          <a:bodyPr/>
+          <a:lstStyle/>
+          <a:p>
+            <a:r>
+              <a:rPr lang="nb-NO" dirty="0"/>
+              <a:t>Hva skal vi gjennom her:</a:t>
+            </a:r>
+          </a:p>
+        </p:txBody>
+      </p:sp>
+      <p:sp>
+        <p:nvSpPr>
+          <p:cNvPr id="3" name="Content Placeholder 2">
+            <a:extLst>
+              <a:ext uri="{FF2B5EF4-FFF2-40B4-BE49-F238E27FC236}">
+                <a16:creationId xmlns:a16="http://schemas.microsoft.com/office/drawing/2014/main" id="{040108EC-FF3D-485D-8DD0-22958F8BF34D}"/>
+              </a:ext>
+            </a:extLst>
+          </p:cNvPr>
+          <p:cNvSpPr>
+            <a:spLocks noGrp="1"/>
+          </p:cNvSpPr>
+          <p:nvPr>
+            <p:ph idx="1"/>
+          </p:nvPr>
+        </p:nvSpPr>
+        <p:spPr/>
+        <p:txBody>
+          <a:bodyPr/>
+          <a:lstStyle/>
+          <a:p>
+            <a:endParaRPr lang="nb-NO"/>
+          </a:p>
+        </p:txBody>
+      </p:sp>
+      <p:sp>
+        <p:nvSpPr>
+          <p:cNvPr id="4" name="Slide Number Placeholder 3">
+            <a:extLst>
+              <a:ext uri="{FF2B5EF4-FFF2-40B4-BE49-F238E27FC236}">
+                <a16:creationId xmlns:a16="http://schemas.microsoft.com/office/drawing/2014/main" id="{D1FB9689-86E7-463B-8335-EA88ECD9A48B}"/>
+              </a:ext>
+            </a:extLst>
+          </p:cNvPr>
+          <p:cNvSpPr>
+            <a:spLocks noGrp="1"/>
+          </p:cNvSpPr>
+          <p:nvPr>
+            <p:ph type="sldNum" sz="quarter" idx="12"/>
+          </p:nvPr>
+        </p:nvSpPr>
+        <p:spPr/>
+        <p:txBody>
+          <a:bodyPr/>
+          <a:lstStyle/>
+          <a:p>
+            <a:fld id="{82EE24B5-652C-4DB5-B7C3-B5BBEC1280B1}" type="slidenum">
+              <a:rPr lang="en-US" smtClean="0"/>
+              <a:t>3</a:t>
+            </a:fld>
+            <a:endParaRPr lang="en-US" dirty="0"/>
+          </a:p>
+        </p:txBody>
+      </p:sp>
+    </p:spTree>
+    <p:extLst>
+      <p:ext uri="{BB962C8B-B14F-4D97-AF65-F5344CB8AC3E}">
+        <p14:creationId xmlns:p14="http://schemas.microsoft.com/office/powerpoint/2010/main" val="2174484883"/>
+      </p:ext>
+    </p:extLst>
+  </p:cSld>
+  <p:clrMapOvr>
+    <a:masterClrMapping/>
+  </p:clrMapOvr>
+</p:sld>
+</file>
+
+<file path=ppt/slides/slide30.xml><?xml version="1.0" encoding="utf-8"?>
 <p:sld xmlns:a="http://schemas.openxmlformats.org/drawingml/2006/main" xmlns:r="http://schemas.openxmlformats.org/officeDocument/2006/relationships" xmlns:p="http://schemas.openxmlformats.org/presentationml/2006/main">
   <p:cSld>
     <p:spTree>
@@ -35260,7 +35490,7 @@
           <a:p>
             <a:fld id="{82EE24B5-652C-4DB5-B7C3-B5BBEC1280B1}" type="slidenum">
               <a:rPr lang="en-US" smtClean="0"/>
-              <a:t>29</a:t>
+              <a:t>30</a:t>
             </a:fld>
             <a:endParaRPr lang="en-US" dirty="0"/>
           </a:p>
@@ -35784,119 +36014,7 @@
 </p:sld>
 </file>
 
-<file path=ppt/slides/slide3.xml><?xml version="1.0" encoding="utf-8"?>
-<p:sld xmlns:a="http://schemas.openxmlformats.org/drawingml/2006/main" xmlns:r="http://schemas.openxmlformats.org/officeDocument/2006/relationships" xmlns:p="http://schemas.openxmlformats.org/presentationml/2006/main">
-  <p:cSld>
-    <p:spTree>
-      <p:nvGrpSpPr>
-        <p:cNvPr id="1" name=""/>
-        <p:cNvGrpSpPr/>
-        <p:nvPr/>
-      </p:nvGrpSpPr>
-      <p:grpSpPr>
-        <a:xfrm>
-          <a:off x="0" y="0"/>
-          <a:ext cx="0" cy="0"/>
-          <a:chOff x="0" y="0"/>
-          <a:chExt cx="0" cy="0"/>
-        </a:xfrm>
-      </p:grpSpPr>
-      <p:sp>
-        <p:nvSpPr>
-          <p:cNvPr id="2" name="Title 1">
-            <a:extLst>
-              <a:ext uri="{FF2B5EF4-FFF2-40B4-BE49-F238E27FC236}">
-                <a16:creationId xmlns:a16="http://schemas.microsoft.com/office/drawing/2014/main" id="{E7633C84-D780-4B74-9A5B-FF87B5E22347}"/>
-              </a:ext>
-            </a:extLst>
-          </p:cNvPr>
-          <p:cNvSpPr>
-            <a:spLocks noGrp="1"/>
-          </p:cNvSpPr>
-          <p:nvPr>
-            <p:ph type="title"/>
-          </p:nvPr>
-        </p:nvSpPr>
-        <p:spPr/>
-        <p:txBody>
-          <a:bodyPr/>
-          <a:lstStyle/>
-          <a:p>
-            <a:r>
-              <a:rPr lang="nb-NO" dirty="0"/>
-              <a:t>Hva skal vi gjennom her:</a:t>
-            </a:r>
-          </a:p>
-        </p:txBody>
-      </p:sp>
-      <p:sp>
-        <p:nvSpPr>
-          <p:cNvPr id="3" name="Content Placeholder 2">
-            <a:extLst>
-              <a:ext uri="{FF2B5EF4-FFF2-40B4-BE49-F238E27FC236}">
-                <a16:creationId xmlns:a16="http://schemas.microsoft.com/office/drawing/2014/main" id="{040108EC-FF3D-485D-8DD0-22958F8BF34D}"/>
-              </a:ext>
-            </a:extLst>
-          </p:cNvPr>
-          <p:cNvSpPr>
-            <a:spLocks noGrp="1"/>
-          </p:cNvSpPr>
-          <p:nvPr>
-            <p:ph idx="1"/>
-          </p:nvPr>
-        </p:nvSpPr>
-        <p:spPr/>
-        <p:txBody>
-          <a:bodyPr/>
-          <a:lstStyle/>
-          <a:p>
-            <a:endParaRPr lang="nb-NO"/>
-          </a:p>
-        </p:txBody>
-      </p:sp>
-      <p:sp>
-        <p:nvSpPr>
-          <p:cNvPr id="4" name="Slide Number Placeholder 3">
-            <a:extLst>
-              <a:ext uri="{FF2B5EF4-FFF2-40B4-BE49-F238E27FC236}">
-                <a16:creationId xmlns:a16="http://schemas.microsoft.com/office/drawing/2014/main" id="{D1FB9689-86E7-463B-8335-EA88ECD9A48B}"/>
-              </a:ext>
-            </a:extLst>
-          </p:cNvPr>
-          <p:cNvSpPr>
-            <a:spLocks noGrp="1"/>
-          </p:cNvSpPr>
-          <p:nvPr>
-            <p:ph type="sldNum" sz="quarter" idx="12"/>
-          </p:nvPr>
-        </p:nvSpPr>
-        <p:spPr/>
-        <p:txBody>
-          <a:bodyPr/>
-          <a:lstStyle/>
-          <a:p>
-            <a:fld id="{82EE24B5-652C-4DB5-B7C3-B5BBEC1280B1}" type="slidenum">
-              <a:rPr lang="en-US" smtClean="0"/>
-              <a:t>3</a:t>
-            </a:fld>
-            <a:endParaRPr lang="en-US" dirty="0"/>
-          </a:p>
-        </p:txBody>
-      </p:sp>
-    </p:spTree>
-    <p:extLst>
-      <p:ext uri="{BB962C8B-B14F-4D97-AF65-F5344CB8AC3E}">
-        <p14:creationId xmlns:p14="http://schemas.microsoft.com/office/powerpoint/2010/main" val="2174484883"/>
-      </p:ext>
-    </p:extLst>
-  </p:cSld>
-  <p:clrMapOvr>
-    <a:masterClrMapping/>
-  </p:clrMapOvr>
-</p:sld>
-</file>
-
-<file path=ppt/slides/slide30.xml><?xml version="1.0" encoding="utf-8"?>
+<file path=ppt/slides/slide31.xml><?xml version="1.0" encoding="utf-8"?>
 <p:sld xmlns:a="http://schemas.openxmlformats.org/drawingml/2006/main" xmlns:r="http://schemas.openxmlformats.org/officeDocument/2006/relationships" xmlns:p="http://schemas.openxmlformats.org/presentationml/2006/main">
   <p:cSld>
     <p:spTree>
@@ -37361,7 +37479,7 @@
           <a:p>
             <a:fld id="{82EE24B5-652C-4DB5-B7C3-B5BBEC1280B1}" type="slidenum">
               <a:rPr lang="en-US" smtClean="0"/>
-              <a:t>30</a:t>
+              <a:t>31</a:t>
             </a:fld>
             <a:endParaRPr lang="en-US" dirty="0"/>
           </a:p>
@@ -37380,7 +37498,7 @@
 </p:sld>
 </file>
 
-<file path=ppt/slides/slide31.xml><?xml version="1.0" encoding="utf-8"?>
+<file path=ppt/slides/slide32.xml><?xml version="1.0" encoding="utf-8"?>
 <p:sld xmlns:a="http://schemas.openxmlformats.org/drawingml/2006/main" xmlns:r="http://schemas.openxmlformats.org/officeDocument/2006/relationships" xmlns:p="http://schemas.openxmlformats.org/presentationml/2006/main">
   <p:cSld>
     <p:spTree>
@@ -38130,6 +38248,210 @@
           <p:cNvPr id="2" name="Title 1">
             <a:extLst>
               <a:ext uri="{FF2B5EF4-FFF2-40B4-BE49-F238E27FC236}">
+                <a16:creationId xmlns:a16="http://schemas.microsoft.com/office/drawing/2014/main" id="{2A60C670-EC08-4D58-A2C1-016EA31993EB}"/>
+              </a:ext>
+            </a:extLst>
+          </p:cNvPr>
+          <p:cNvSpPr>
+            <a:spLocks noGrp="1"/>
+          </p:cNvSpPr>
+          <p:nvPr>
+            <p:ph type="title"/>
+          </p:nvPr>
+        </p:nvSpPr>
+        <p:spPr/>
+        <p:txBody>
+          <a:bodyPr/>
+          <a:lstStyle/>
+          <a:p>
+            <a:r>
+              <a:rPr lang="nb-NO" dirty="0"/>
+              <a:t>Hovedspørsmål</a:t>
+            </a:r>
+          </a:p>
+        </p:txBody>
+      </p:sp>
+      <p:sp>
+        <p:nvSpPr>
+          <p:cNvPr id="3" name="Content Placeholder 2">
+            <a:extLst>
+              <a:ext uri="{FF2B5EF4-FFF2-40B4-BE49-F238E27FC236}">
+                <a16:creationId xmlns:a16="http://schemas.microsoft.com/office/drawing/2014/main" id="{8FD05E4E-D47D-4AC2-8A14-4389514DA8B7}"/>
+              </a:ext>
+            </a:extLst>
+          </p:cNvPr>
+          <p:cNvSpPr>
+            <a:spLocks noGrp="1"/>
+          </p:cNvSpPr>
+          <p:nvPr>
+            <p:ph idx="1"/>
+          </p:nvPr>
+        </p:nvSpPr>
+        <p:spPr>
+          <a:xfrm>
+            <a:off x="838200" y="1873655"/>
+            <a:ext cx="10515600" cy="4351338"/>
+          </a:xfrm>
+        </p:spPr>
+        <p:txBody>
+          <a:bodyPr/>
+          <a:lstStyle/>
+          <a:p>
+            <a:r>
+              <a:rPr lang="nb-NO" dirty="0"/>
+              <a:t>Hvilke kategorier trender mest?</a:t>
+            </a:r>
+          </a:p>
+          <a:p>
+            <a:r>
+              <a:rPr lang="nb-NO" dirty="0"/>
+              <a:t>Har publiseringsdato og tidspunkt noe å si for sannsynlighet for å trende? </a:t>
+            </a:r>
+          </a:p>
+          <a:p>
+            <a:r>
+              <a:rPr lang="nb-NO" dirty="0"/>
+              <a:t>Hvilke kategorier får flest likes/dislikes pr view?</a:t>
+            </a:r>
+          </a:p>
+          <a:p>
+            <a:r>
+              <a:rPr lang="nb-NO" dirty="0"/>
+              <a:t>Hvilke kategorier skrur oftest av kommentarfelt og rating?</a:t>
+            </a:r>
+          </a:p>
+          <a:p>
+            <a:r>
+              <a:rPr lang="nb-NO" dirty="0"/>
+              <a:t>Hvilke kanaler trender oftest, hva kjennetegner de?</a:t>
+            </a:r>
+          </a:p>
+          <a:p>
+            <a:r>
+              <a:rPr lang="nb-NO" dirty="0"/>
+              <a:t>Hvilke tags går oftest igjen? Top 10 likes over tid</a:t>
+            </a:r>
+          </a:p>
+          <a:p>
+            <a:r>
+              <a:rPr lang="nb-NO" dirty="0"/>
+              <a:t>Har antall tags noe å si for antall likes/dislikes/kommentarer?</a:t>
+            </a:r>
+          </a:p>
+          <a:p>
+            <a:r>
+              <a:rPr lang="nb-NO" dirty="0"/>
+              <a:t>Er det ulikhet mellom landene?</a:t>
+            </a:r>
+          </a:p>
+          <a:p>
+            <a:endParaRPr lang="en-US" dirty="0"/>
+          </a:p>
+          <a:p>
+            <a:endParaRPr lang="en-US" dirty="0"/>
+          </a:p>
+          <a:p>
+            <a:r>
+              <a:rPr lang="en-US" dirty="0"/>
+              <a:t>Bag of words text </a:t>
+            </a:r>
+            <a:r>
+              <a:rPr lang="en-US" dirty="0" err="1"/>
+              <a:t>analyse</a:t>
+            </a:r>
+            <a:r>
+              <a:rPr lang="en-US" dirty="0"/>
+              <a:t>  </a:t>
+            </a:r>
+            <a:r>
+              <a:rPr lang="en-US" dirty="0" err="1"/>
+              <a:t>antall</a:t>
+            </a:r>
+            <a:r>
+              <a:rPr lang="en-US" dirty="0"/>
+              <a:t> positive/negative </a:t>
+            </a:r>
+            <a:r>
+              <a:rPr lang="en-US" dirty="0" err="1"/>
+              <a:t>ord</a:t>
+            </a:r>
+            <a:endParaRPr lang="en-US" dirty="0"/>
+          </a:p>
+          <a:p>
+            <a:endParaRPr lang="en-US" dirty="0"/>
+          </a:p>
+          <a:p>
+            <a:endParaRPr lang="en-US" dirty="0"/>
+          </a:p>
+          <a:p>
+            <a:endParaRPr lang="en-US" dirty="0"/>
+          </a:p>
+        </p:txBody>
+      </p:sp>
+      <p:sp>
+        <p:nvSpPr>
+          <p:cNvPr id="4" name="Slide Number Placeholder 3">
+            <a:extLst>
+              <a:ext uri="{FF2B5EF4-FFF2-40B4-BE49-F238E27FC236}">
+                <a16:creationId xmlns:a16="http://schemas.microsoft.com/office/drawing/2014/main" id="{2C526DE6-5961-4A9F-A53C-27737E3AFBED}"/>
+              </a:ext>
+            </a:extLst>
+          </p:cNvPr>
+          <p:cNvSpPr>
+            <a:spLocks noGrp="1"/>
+          </p:cNvSpPr>
+          <p:nvPr>
+            <p:ph type="sldNum" sz="quarter" idx="12"/>
+          </p:nvPr>
+        </p:nvSpPr>
+        <p:spPr/>
+        <p:txBody>
+          <a:bodyPr/>
+          <a:lstStyle/>
+          <a:p>
+            <a:fld id="{82EE24B5-652C-4DB5-B7C3-B5BBEC1280B1}" type="slidenum">
+              <a:rPr lang="en-US" smtClean="0"/>
+              <a:t>5</a:t>
+            </a:fld>
+            <a:endParaRPr lang="en-US" dirty="0"/>
+          </a:p>
+        </p:txBody>
+      </p:sp>
+    </p:spTree>
+    <p:extLst>
+      <p:ext uri="{BB962C8B-B14F-4D97-AF65-F5344CB8AC3E}">
+        <p14:creationId xmlns:p14="http://schemas.microsoft.com/office/powerpoint/2010/main" val="3411634665"/>
+      </p:ext>
+    </p:extLst>
+  </p:cSld>
+  <p:clrMapOvr>
+    <a:masterClrMapping/>
+  </p:clrMapOvr>
+</p:sld>
+</file>
+
+<file path=ppt/slides/slide6.xml><?xml version="1.0" encoding="utf-8"?>
+<p:sld xmlns:a="http://schemas.openxmlformats.org/drawingml/2006/main" xmlns:r="http://schemas.openxmlformats.org/officeDocument/2006/relationships" xmlns:p="http://schemas.openxmlformats.org/presentationml/2006/main">
+  <p:cSld>
+    <p:spTree>
+      <p:nvGrpSpPr>
+        <p:cNvPr id="1" name=""/>
+        <p:cNvGrpSpPr/>
+        <p:nvPr/>
+      </p:nvGrpSpPr>
+      <p:grpSpPr>
+        <a:xfrm>
+          <a:off x="0" y="0"/>
+          <a:ext cx="0" cy="0"/>
+          <a:chOff x="0" y="0"/>
+          <a:chExt cx="0" cy="0"/>
+        </a:xfrm>
+      </p:grpSpPr>
+      <p:sp>
+        <p:nvSpPr>
+          <p:cNvPr id="2" name="Title 1">
+            <a:extLst>
+              <a:ext uri="{FF2B5EF4-FFF2-40B4-BE49-F238E27FC236}">
                 <a16:creationId xmlns:a16="http://schemas.microsoft.com/office/drawing/2014/main" id="{FE6AD52E-DB75-45AF-9786-6C2911A63562}"/>
               </a:ext>
             </a:extLst>
@@ -38220,7 +38542,7 @@
           <a:p>
             <a:fld id="{82EE24B5-652C-4DB5-B7C3-B5BBEC1280B1}" type="slidenum">
               <a:rPr lang="en-US" smtClean="0"/>
-              <a:t>5</a:t>
+              <a:t>6</a:t>
             </a:fld>
             <a:endParaRPr lang="en-US" dirty="0"/>
           </a:p>
@@ -38239,7 +38561,7 @@
 </p:sld>
 </file>
 
-<file path=ppt/slides/slide6.xml><?xml version="1.0" encoding="utf-8"?>
+<file path=ppt/slides/slide7.xml><?xml version="1.0" encoding="utf-8"?>
 <p:sld xmlns:a="http://schemas.openxmlformats.org/drawingml/2006/main" xmlns:r="http://schemas.openxmlformats.org/officeDocument/2006/relationships" xmlns:p="http://schemas.openxmlformats.org/presentationml/2006/main">
   <p:cSld>
     <p:spTree>
@@ -38365,7 +38687,7 @@
           <a:p>
             <a:fld id="{82EE24B5-652C-4DB5-B7C3-B5BBEC1280B1}" type="slidenum">
               <a:rPr lang="en-US" smtClean="0"/>
-              <a:t>6</a:t>
+              <a:t>7</a:t>
             </a:fld>
             <a:endParaRPr lang="en-US" dirty="0"/>
           </a:p>
@@ -38384,7 +38706,7 @@
 </p:sld>
 </file>
 
-<file path=ppt/slides/slide7.xml><?xml version="1.0" encoding="utf-8"?>
+<file path=ppt/slides/slide8.xml><?xml version="1.0" encoding="utf-8"?>
 <p:sld xmlns:a="http://schemas.openxmlformats.org/drawingml/2006/main" xmlns:r="http://schemas.openxmlformats.org/officeDocument/2006/relationships" xmlns:p="http://schemas.openxmlformats.org/presentationml/2006/main">
   <p:cSld>
     <p:spTree>
@@ -38494,7 +38816,7 @@
           <a:p>
             <a:fld id="{82EE24B5-652C-4DB5-B7C3-B5BBEC1280B1}" type="slidenum">
               <a:rPr lang="en-US" smtClean="0"/>
-              <a:t>7</a:t>
+              <a:t>8</a:t>
             </a:fld>
             <a:endParaRPr lang="en-US" dirty="0"/>
           </a:p>
@@ -38513,7 +38835,7 @@
 </p:sld>
 </file>
 
-<file path=ppt/slides/slide8.xml><?xml version="1.0" encoding="utf-8"?>
+<file path=ppt/slides/slide9.xml><?xml version="1.0" encoding="utf-8"?>
 <p:sld xmlns:a="http://schemas.openxmlformats.org/drawingml/2006/main" xmlns:r="http://schemas.openxmlformats.org/officeDocument/2006/relationships" xmlns:p="http://schemas.openxmlformats.org/presentationml/2006/main">
   <p:cSld>
     <p:spTree>
@@ -38623,7 +38945,7 @@
           <a:p>
             <a:fld id="{82EE24B5-652C-4DB5-B7C3-B5BBEC1280B1}" type="slidenum">
               <a:rPr lang="en-US" smtClean="0"/>
-              <a:t>8</a:t>
+              <a:t>9</a:t>
             </a:fld>
             <a:endParaRPr lang="en-US" dirty="0"/>
           </a:p>
@@ -38633,123 +38955,6 @@
     <p:extLst>
       <p:ext uri="{BB962C8B-B14F-4D97-AF65-F5344CB8AC3E}">
         <p14:creationId xmlns:p14="http://schemas.microsoft.com/office/powerpoint/2010/main" val="1477947678"/>
-      </p:ext>
-    </p:extLst>
-  </p:cSld>
-  <p:clrMapOvr>
-    <a:masterClrMapping/>
-  </p:clrMapOvr>
-</p:sld>
-</file>
-
-<file path=ppt/slides/slide9.xml><?xml version="1.0" encoding="utf-8"?>
-<p:sld xmlns:a="http://schemas.openxmlformats.org/drawingml/2006/main" xmlns:r="http://schemas.openxmlformats.org/officeDocument/2006/relationships" xmlns:p="http://schemas.openxmlformats.org/presentationml/2006/main">
-  <p:cSld>
-    <p:spTree>
-      <p:nvGrpSpPr>
-        <p:cNvPr id="1" name=""/>
-        <p:cNvGrpSpPr/>
-        <p:nvPr/>
-      </p:nvGrpSpPr>
-      <p:grpSpPr>
-        <a:xfrm>
-          <a:off x="0" y="0"/>
-          <a:ext cx="0" cy="0"/>
-          <a:chOff x="0" y="0"/>
-          <a:chExt cx="0" cy="0"/>
-        </a:xfrm>
-      </p:grpSpPr>
-      <p:sp>
-        <p:nvSpPr>
-          <p:cNvPr id="2" name="Title 1">
-            <a:extLst>
-              <a:ext uri="{FF2B5EF4-FFF2-40B4-BE49-F238E27FC236}">
-                <a16:creationId xmlns:a16="http://schemas.microsoft.com/office/drawing/2014/main" id="{4FF35734-389F-453F-8E73-4C17E72F98C3}"/>
-              </a:ext>
-            </a:extLst>
-          </p:cNvPr>
-          <p:cNvSpPr>
-            <a:spLocks noGrp="1"/>
-          </p:cNvSpPr>
-          <p:nvPr>
-            <p:ph type="title"/>
-          </p:nvPr>
-        </p:nvSpPr>
-        <p:spPr/>
-        <p:txBody>
-          <a:bodyPr/>
-          <a:lstStyle/>
-          <a:p>
-            <a:r>
-              <a:rPr lang="en-US" dirty="0"/>
-              <a:t>Online </a:t>
-            </a:r>
-            <a:r>
-              <a:rPr lang="en-US" dirty="0" err="1"/>
-              <a:t>debatt</a:t>
-            </a:r>
-            <a:endParaRPr lang="en-US" dirty="0"/>
-          </a:p>
-        </p:txBody>
-      </p:sp>
-      <p:sp>
-        <p:nvSpPr>
-          <p:cNvPr id="3" name="Content Placeholder 2">
-            <a:extLst>
-              <a:ext uri="{FF2B5EF4-FFF2-40B4-BE49-F238E27FC236}">
-                <a16:creationId xmlns:a16="http://schemas.microsoft.com/office/drawing/2014/main" id="{7848CA9C-71C8-42D3-8285-1E340749ED6F}"/>
-              </a:ext>
-            </a:extLst>
-          </p:cNvPr>
-          <p:cNvSpPr>
-            <a:spLocks noGrp="1"/>
-          </p:cNvSpPr>
-          <p:nvPr>
-            <p:ph idx="1"/>
-          </p:nvPr>
-        </p:nvSpPr>
-        <p:spPr/>
-        <p:txBody>
-          <a:bodyPr/>
-          <a:lstStyle/>
-          <a:p>
-            <a:endParaRPr lang="en-US" dirty="0"/>
-          </a:p>
-        </p:txBody>
-      </p:sp>
-      <p:sp>
-        <p:nvSpPr>
-          <p:cNvPr id="4" name="Slide Number Placeholder 3">
-            <a:extLst>
-              <a:ext uri="{FF2B5EF4-FFF2-40B4-BE49-F238E27FC236}">
-                <a16:creationId xmlns:a16="http://schemas.microsoft.com/office/drawing/2014/main" id="{DDAEE3EF-C333-4932-A89F-B75A91972B5F}"/>
-              </a:ext>
-            </a:extLst>
-          </p:cNvPr>
-          <p:cNvSpPr>
-            <a:spLocks noGrp="1"/>
-          </p:cNvSpPr>
-          <p:nvPr>
-            <p:ph type="sldNum" sz="quarter" idx="12"/>
-          </p:nvPr>
-        </p:nvSpPr>
-        <p:spPr/>
-        <p:txBody>
-          <a:bodyPr/>
-          <a:lstStyle/>
-          <a:p>
-            <a:fld id="{82EE24B5-652C-4DB5-B7C3-B5BBEC1280B1}" type="slidenum">
-              <a:rPr lang="en-US" smtClean="0"/>
-              <a:t>9</a:t>
-            </a:fld>
-            <a:endParaRPr lang="en-US" dirty="0"/>
-          </a:p>
-        </p:txBody>
-      </p:sp>
-    </p:spTree>
-    <p:extLst>
-      <p:ext uri="{BB962C8B-B14F-4D97-AF65-F5344CB8AC3E}">
-        <p14:creationId xmlns:p14="http://schemas.microsoft.com/office/powerpoint/2010/main" val="1502468263"/>
       </p:ext>
     </p:extLst>
   </p:cSld>
@@ -39584,6 +39789,23 @@
 </file>
 
 <file path=customXml/item1.xml><?xml version="1.0" encoding="utf-8"?>
+<?mso-contentType ?>
+<FormTemplates xmlns="http://schemas.microsoft.com/sharepoint/v3/contenttype/forms">
+  <Display>DocumentLibraryForm</Display>
+  <Edit>DocumentLibraryForm</Edit>
+  <New>DocumentLibraryForm</New>
+</FormTemplates>
+</file>
+
+<file path=customXml/item2.xml><?xml version="1.0" encoding="utf-8"?>
+<p:properties xmlns:p="http://schemas.microsoft.com/office/2006/metadata/properties" xmlns:xsi="http://www.w3.org/2001/XMLSchema-instance" xmlns:pc="http://schemas.microsoft.com/office/infopath/2007/PartnerControls">
+  <documentManagement>
+    <MediaServiceKeyPoints xmlns="71af3243-3dd4-4a8d-8c0d-dd76da1f02a5" xsi:nil="true"/>
+  </documentManagement>
+</p:properties>
+</file>
+
+<file path=customXml/item3.xml><?xml version="1.0" encoding="utf-8"?>
 <ct:contentTypeSchema xmlns:ct="http://schemas.microsoft.com/office/2006/metadata/contentType" xmlns:ma="http://schemas.microsoft.com/office/2006/metadata/properties/metaAttributes" ct:_="" ma:_="" ma:contentTypeName="Document" ma:contentTypeID="0x01010079F111ED35F8CC479449609E8A0923A6" ma:contentTypeVersion="11" ma:contentTypeDescription="Create a new document." ma:contentTypeScope="" ma:versionID="9677210f24a1be23c92c90fd886aa0aa">
   <xsd:schema xmlns:xsd="http://www.w3.org/2001/XMLSchema" xmlns:xs="http://www.w3.org/2001/XMLSchema" xmlns:p="http://schemas.microsoft.com/office/2006/metadata/properties" xmlns:ns2="71af3243-3dd4-4a8d-8c0d-dd76da1f02a5" xmlns:ns3="16c05727-aa75-4e4a-9b5f-8a80a1165891" targetNamespace="http://schemas.microsoft.com/office/2006/metadata/properties" ma:root="true" ma:fieldsID="60e05723c5c1908df1a1a4ebf11d344e" ns2:_="" ns3:_="">
     <xsd:import namespace="71af3243-3dd4-4a8d-8c0d-dd76da1f02a5"/>
@@ -39794,24 +40016,25 @@
 </ct:contentTypeSchema>
 </file>
 
-<file path=customXml/item2.xml><?xml version="1.0" encoding="utf-8"?>
-<p:properties xmlns:p="http://schemas.microsoft.com/office/2006/metadata/properties" xmlns:xsi="http://www.w3.org/2001/XMLSchema-instance" xmlns:pc="http://schemas.microsoft.com/office/infopath/2007/PartnerControls">
-  <documentManagement>
-    <MediaServiceKeyPoints xmlns="71af3243-3dd4-4a8d-8c0d-dd76da1f02a5" xsi:nil="true"/>
-  </documentManagement>
-</p:properties>
+<file path=customXml/itemProps1.xml><?xml version="1.0" encoding="utf-8"?>
+<ds:datastoreItem xmlns:ds="http://schemas.openxmlformats.org/officeDocument/2006/customXml" ds:itemID="{A2DDA16B-F3AC-4A5B-9F5F-6F5A8F47A9E6}">
+  <ds:schemaRefs>
+    <ds:schemaRef ds:uri="http://schemas.microsoft.com/sharepoint/v3/contenttype/forms"/>
+  </ds:schemaRefs>
+</ds:datastoreItem>
 </file>
 
-<file path=customXml/item3.xml><?xml version="1.0" encoding="utf-8"?>
-<?mso-contentType ?>
-<FormTemplates xmlns="http://schemas.microsoft.com/sharepoint/v3/contenttype/forms">
-  <Display>DocumentLibraryForm</Display>
-  <Edit>DocumentLibraryForm</Edit>
-  <New>DocumentLibraryForm</New>
-</FormTemplates>
+<file path=customXml/itemProps2.xml><?xml version="1.0" encoding="utf-8"?>
+<ds:datastoreItem xmlns:ds="http://schemas.openxmlformats.org/officeDocument/2006/customXml" ds:itemID="{3C118CE8-9293-4220-BA3B-5D353B13ABC9}">
+  <ds:schemaRefs>
+    <ds:schemaRef ds:uri="http://schemas.microsoft.com/office/2006/metadata/properties"/>
+    <ds:schemaRef ds:uri="http://schemas.microsoft.com/office/infopath/2007/PartnerControls"/>
+    <ds:schemaRef ds:uri="71af3243-3dd4-4a8d-8c0d-dd76da1f02a5"/>
+  </ds:schemaRefs>
+</ds:datastoreItem>
 </file>
 
-<file path=customXml/itemProps1.xml><?xml version="1.0" encoding="utf-8"?>
+<file path=customXml/itemProps3.xml><?xml version="1.0" encoding="utf-8"?>
 <ds:datastoreItem xmlns:ds="http://schemas.openxmlformats.org/officeDocument/2006/customXml" ds:itemID="{A426FE2C-7640-4BF0-9D68-FDFD4151FD5B}">
   <ds:schemaRefs>
     <ds:schemaRef ds:uri="http://schemas.microsoft.com/office/2006/metadata/contentType"/>
@@ -39828,22 +40051,4 @@
     <ds:schemaRef ds:uri="http://schemas.microsoft.com/internal/obd"/>
   </ds:schemaRefs>
 </ds:datastoreItem>
-</file>
-
-<file path=customXml/itemProps2.xml><?xml version="1.0" encoding="utf-8"?>
-<ds:datastoreItem xmlns:ds="http://schemas.openxmlformats.org/officeDocument/2006/customXml" ds:itemID="{3C118CE8-9293-4220-BA3B-5D353B13ABC9}">
-  <ds:schemaRefs>
-    <ds:schemaRef ds:uri="http://schemas.microsoft.com/office/2006/metadata/properties"/>
-    <ds:schemaRef ds:uri="http://schemas.microsoft.com/office/infopath/2007/PartnerControls"/>
-    <ds:schemaRef ds:uri="71af3243-3dd4-4a8d-8c0d-dd76da1f02a5"/>
-  </ds:schemaRefs>
-</ds:datastoreItem>
-</file>
-
-<file path=customXml/itemProps3.xml><?xml version="1.0" encoding="utf-8"?>
-<ds:datastoreItem xmlns:ds="http://schemas.openxmlformats.org/officeDocument/2006/customXml" ds:itemID="{A2DDA16B-F3AC-4A5B-9F5F-6F5A8F47A9E6}">
-  <ds:schemaRefs>
-    <ds:schemaRef ds:uri="http://schemas.microsoft.com/sharepoint/v3/contenttype/forms"/>
-  </ds:schemaRefs>
-</ds:datastoreItem>
 </file>